--- a/Testes e Inovação - Semana de qualidade.pptx
+++ b/Testes e Inovação - Semana de qualidade.pptx
@@ -5,10 +5,10 @@
     <p:sldMasterId id="2147483672" r:id="rId1"/>
   </p:sldMasterIdLst>
   <p:notesMasterIdLst>
-    <p:notesMasterId r:id="rId24"/>
+    <p:notesMasterId r:id="rId29"/>
   </p:notesMasterIdLst>
   <p:handoutMasterIdLst>
-    <p:handoutMasterId r:id="rId25"/>
+    <p:handoutMasterId r:id="rId30"/>
   </p:handoutMasterIdLst>
   <p:sldIdLst>
     <p:sldId id="256" r:id="rId2"/>
@@ -28,11 +28,16 @@
     <p:sldId id="319" r:id="rId16"/>
     <p:sldId id="340" r:id="rId17"/>
     <p:sldId id="341" r:id="rId18"/>
-    <p:sldId id="343" r:id="rId19"/>
-    <p:sldId id="323" r:id="rId20"/>
-    <p:sldId id="269" r:id="rId21"/>
-    <p:sldId id="310" r:id="rId22"/>
-    <p:sldId id="321" r:id="rId23"/>
+    <p:sldId id="344" r:id="rId19"/>
+    <p:sldId id="269" r:id="rId20"/>
+    <p:sldId id="343" r:id="rId21"/>
+    <p:sldId id="345" r:id="rId22"/>
+    <p:sldId id="347" r:id="rId23"/>
+    <p:sldId id="323" r:id="rId24"/>
+    <p:sldId id="346" r:id="rId25"/>
+    <p:sldId id="349" r:id="rId26"/>
+    <p:sldId id="310" r:id="rId27"/>
+    <p:sldId id="321" r:id="rId28"/>
   </p:sldIdLst>
   <p:sldSz cx="9144000" cy="5143500" type="screen16x9"/>
   <p:notesSz cx="6858000" cy="9144000"/>
@@ -1979,7 +1984,7 @@
     </p:spTree>
     <p:extLst>
       <p:ext uri="{BB962C8B-B14F-4D97-AF65-F5344CB8AC3E}">
-        <p14:creationId xmlns:p14="http://schemas.microsoft.com/office/powerpoint/2010/main" val="576750990"/>
+        <p14:creationId xmlns:p14="http://schemas.microsoft.com/office/powerpoint/2010/main" val="3271646023"/>
       </p:ext>
     </p:extLst>
   </p:cSld>
@@ -1994,7 +1999,7 @@
   <p:cSld>
     <p:spTree>
       <p:nvGrpSpPr>
-        <p:cNvPr id="1" name="Shape 280"/>
+        <p:cNvPr id="1" name="Shape 393"/>
         <p:cNvGrpSpPr/>
         <p:nvPr/>
       </p:nvGrpSpPr>
@@ -2008,7 +2013,7 @@
       </p:grpSpPr>
       <p:sp>
         <p:nvSpPr>
-          <p:cNvPr id="281" name="Google Shape;281;gcc9050bdf8_0_241:notes"/>
+          <p:cNvPr id="394" name="Google Shape;394;g210f7c66770_0_132:notes"/>
           <p:cNvSpPr>
             <a:spLocks noGrp="1" noRot="1" noChangeAspect="1"/>
           </p:cNvSpPr>
@@ -2049,7 +2054,7 @@
       </p:sp>
       <p:sp>
         <p:nvSpPr>
-          <p:cNvPr id="282" name="Google Shape;282;gcc9050bdf8_0_241:notes"/>
+          <p:cNvPr id="395" name="Google Shape;395;g210f7c66770_0_132:notes"/>
           <p:cNvSpPr txBox="1">
             <a:spLocks noGrp="1"/>
           </p:cNvSpPr>
@@ -2088,7 +2093,7 @@
     </p:spTree>
     <p:extLst>
       <p:ext uri="{BB962C8B-B14F-4D97-AF65-F5344CB8AC3E}">
-        <p14:creationId xmlns:p14="http://schemas.microsoft.com/office/powerpoint/2010/main" val="2215148598"/>
+        <p14:creationId xmlns:p14="http://schemas.microsoft.com/office/powerpoint/2010/main" val="3501008958"/>
       </p:ext>
     </p:extLst>
   </p:cSld>
@@ -2212,7 +2217,7 @@
   <p:cSld>
     <p:spTree>
       <p:nvGrpSpPr>
-        <p:cNvPr id="1" name="Shape 393"/>
+        <p:cNvPr id="1" name="Shape 280"/>
         <p:cNvGrpSpPr/>
         <p:nvPr/>
       </p:nvGrpSpPr>
@@ -2226,7 +2231,7 @@
       </p:grpSpPr>
       <p:sp>
         <p:nvSpPr>
-          <p:cNvPr id="394" name="Google Shape;394;g210f7c66770_0_132:notes"/>
+          <p:cNvPr id="281" name="Google Shape;281;gcc9050bdf8_0_241:notes"/>
           <p:cNvSpPr>
             <a:spLocks noGrp="1" noRot="1" noChangeAspect="1"/>
           </p:cNvSpPr>
@@ -2267,7 +2272,7 @@
       </p:sp>
       <p:sp>
         <p:nvSpPr>
-          <p:cNvPr id="395" name="Google Shape;395;g210f7c66770_0_132:notes"/>
+          <p:cNvPr id="282" name="Google Shape;282;gcc9050bdf8_0_241:notes"/>
           <p:cNvSpPr txBox="1">
             <a:spLocks noGrp="1"/>
           </p:cNvSpPr>
@@ -2306,7 +2311,7 @@
     </p:spTree>
     <p:extLst>
       <p:ext uri="{BB962C8B-B14F-4D97-AF65-F5344CB8AC3E}">
-        <p14:creationId xmlns:p14="http://schemas.microsoft.com/office/powerpoint/2010/main" val="3501008958"/>
+        <p14:creationId xmlns:p14="http://schemas.microsoft.com/office/powerpoint/2010/main" val="576750990"/>
       </p:ext>
     </p:extLst>
   </p:cSld>
@@ -2415,6 +2420,551 @@
     </p:spTree>
     <p:extLst>
       <p:ext uri="{BB962C8B-B14F-4D97-AF65-F5344CB8AC3E}">
+        <p14:creationId xmlns:p14="http://schemas.microsoft.com/office/powerpoint/2010/main" val="3062984568"/>
+      </p:ext>
+    </p:extLst>
+  </p:cSld>
+  <p:clrMapOvr>
+    <a:masterClrMapping/>
+  </p:clrMapOvr>
+</p:notes>
+</file>
+
+<file path=ppt/notesSlides/notesSlide22.xml><?xml version="1.0" encoding="utf-8"?>
+<p:notes xmlns:a="http://schemas.openxmlformats.org/drawingml/2006/main" xmlns:r="http://schemas.openxmlformats.org/officeDocument/2006/relationships" xmlns:p="http://schemas.openxmlformats.org/presentationml/2006/main" showMasterSp="0" showMasterPhAnim="0">
+  <p:cSld>
+    <p:spTree>
+      <p:nvGrpSpPr>
+        <p:cNvPr id="1" name="Shape 280"/>
+        <p:cNvGrpSpPr/>
+        <p:nvPr/>
+      </p:nvGrpSpPr>
+      <p:grpSpPr>
+        <a:xfrm>
+          <a:off x="0" y="0"/>
+          <a:ext cx="0" cy="0"/>
+          <a:chOff x="0" y="0"/>
+          <a:chExt cx="0" cy="0"/>
+        </a:xfrm>
+      </p:grpSpPr>
+      <p:sp>
+        <p:nvSpPr>
+          <p:cNvPr id="281" name="Google Shape;281;gcc9050bdf8_0_241:notes"/>
+          <p:cNvSpPr>
+            <a:spLocks noGrp="1" noRot="1" noChangeAspect="1"/>
+          </p:cNvSpPr>
+          <p:nvPr>
+            <p:ph type="sldImg" idx="2"/>
+          </p:nvPr>
+        </p:nvSpPr>
+        <p:spPr>
+          <a:xfrm>
+            <a:off x="381000" y="685800"/>
+            <a:ext cx="6096000" cy="3429000"/>
+          </a:xfrm>
+          <a:custGeom>
+            <a:avLst/>
+            <a:gdLst/>
+            <a:ahLst/>
+            <a:cxnLst/>
+            <a:rect l="l" t="t" r="r" b="b"/>
+            <a:pathLst>
+              <a:path w="120000" h="120000" extrusionOk="0">
+                <a:moveTo>
+                  <a:pt x="0" y="0"/>
+                </a:moveTo>
+                <a:lnTo>
+                  <a:pt x="120000" y="0"/>
+                </a:lnTo>
+                <a:lnTo>
+                  <a:pt x="120000" y="120000"/>
+                </a:lnTo>
+                <a:lnTo>
+                  <a:pt x="0" y="120000"/>
+                </a:lnTo>
+                <a:close/>
+              </a:path>
+            </a:pathLst>
+          </a:custGeom>
+        </p:spPr>
+      </p:sp>
+      <p:sp>
+        <p:nvSpPr>
+          <p:cNvPr id="282" name="Google Shape;282;gcc9050bdf8_0_241:notes"/>
+          <p:cNvSpPr txBox="1">
+            <a:spLocks noGrp="1"/>
+          </p:cNvSpPr>
+          <p:nvPr>
+            <p:ph type="body" idx="1"/>
+          </p:nvPr>
+        </p:nvSpPr>
+        <p:spPr>
+          <a:xfrm>
+            <a:off x="685800" y="4343400"/>
+            <a:ext cx="5486400" cy="4114800"/>
+          </a:xfrm>
+          <a:prstGeom prst="rect">
+            <a:avLst/>
+          </a:prstGeom>
+        </p:spPr>
+        <p:txBody>
+          <a:bodyPr spcFirstLastPara="1" wrap="square" lIns="91425" tIns="91425" rIns="91425" bIns="91425" anchor="t" anchorCtr="0">
+            <a:noAutofit/>
+          </a:bodyPr>
+          <a:lstStyle/>
+          <a:p>
+            <a:pPr marL="0" lvl="0" indent="0" algn="l" rtl="0">
+              <a:spcBef>
+                <a:spcPts val="0"/>
+              </a:spcBef>
+              <a:spcAft>
+                <a:spcPts val="0"/>
+              </a:spcAft>
+              <a:buNone/>
+            </a:pPr>
+            <a:endParaRPr/>
+          </a:p>
+        </p:txBody>
+      </p:sp>
+    </p:spTree>
+    <p:extLst>
+      <p:ext uri="{BB962C8B-B14F-4D97-AF65-F5344CB8AC3E}">
+        <p14:creationId xmlns:p14="http://schemas.microsoft.com/office/powerpoint/2010/main" val="104013795"/>
+      </p:ext>
+    </p:extLst>
+  </p:cSld>
+  <p:clrMapOvr>
+    <a:masterClrMapping/>
+  </p:clrMapOvr>
+</p:notes>
+</file>
+
+<file path=ppt/notesSlides/notesSlide23.xml><?xml version="1.0" encoding="utf-8"?>
+<p:notes xmlns:a="http://schemas.openxmlformats.org/drawingml/2006/main" xmlns:r="http://schemas.openxmlformats.org/officeDocument/2006/relationships" xmlns:p="http://schemas.openxmlformats.org/presentationml/2006/main" showMasterSp="0" showMasterPhAnim="0">
+  <p:cSld>
+    <p:spTree>
+      <p:nvGrpSpPr>
+        <p:cNvPr id="1" name="Shape 280"/>
+        <p:cNvGrpSpPr/>
+        <p:nvPr/>
+      </p:nvGrpSpPr>
+      <p:grpSpPr>
+        <a:xfrm>
+          <a:off x="0" y="0"/>
+          <a:ext cx="0" cy="0"/>
+          <a:chOff x="0" y="0"/>
+          <a:chExt cx="0" cy="0"/>
+        </a:xfrm>
+      </p:grpSpPr>
+      <p:sp>
+        <p:nvSpPr>
+          <p:cNvPr id="281" name="Google Shape;281;gcc9050bdf8_0_241:notes"/>
+          <p:cNvSpPr>
+            <a:spLocks noGrp="1" noRot="1" noChangeAspect="1"/>
+          </p:cNvSpPr>
+          <p:nvPr>
+            <p:ph type="sldImg" idx="2"/>
+          </p:nvPr>
+        </p:nvSpPr>
+        <p:spPr>
+          <a:xfrm>
+            <a:off x="381000" y="685800"/>
+            <a:ext cx="6096000" cy="3429000"/>
+          </a:xfrm>
+          <a:custGeom>
+            <a:avLst/>
+            <a:gdLst/>
+            <a:ahLst/>
+            <a:cxnLst/>
+            <a:rect l="l" t="t" r="r" b="b"/>
+            <a:pathLst>
+              <a:path w="120000" h="120000" extrusionOk="0">
+                <a:moveTo>
+                  <a:pt x="0" y="0"/>
+                </a:moveTo>
+                <a:lnTo>
+                  <a:pt x="120000" y="0"/>
+                </a:lnTo>
+                <a:lnTo>
+                  <a:pt x="120000" y="120000"/>
+                </a:lnTo>
+                <a:lnTo>
+                  <a:pt x="0" y="120000"/>
+                </a:lnTo>
+                <a:close/>
+              </a:path>
+            </a:pathLst>
+          </a:custGeom>
+        </p:spPr>
+      </p:sp>
+      <p:sp>
+        <p:nvSpPr>
+          <p:cNvPr id="282" name="Google Shape;282;gcc9050bdf8_0_241:notes"/>
+          <p:cNvSpPr txBox="1">
+            <a:spLocks noGrp="1"/>
+          </p:cNvSpPr>
+          <p:nvPr>
+            <p:ph type="body" idx="1"/>
+          </p:nvPr>
+        </p:nvSpPr>
+        <p:spPr>
+          <a:xfrm>
+            <a:off x="685800" y="4343400"/>
+            <a:ext cx="5486400" cy="4114800"/>
+          </a:xfrm>
+          <a:prstGeom prst="rect">
+            <a:avLst/>
+          </a:prstGeom>
+        </p:spPr>
+        <p:txBody>
+          <a:bodyPr spcFirstLastPara="1" wrap="square" lIns="91425" tIns="91425" rIns="91425" bIns="91425" anchor="t" anchorCtr="0">
+            <a:noAutofit/>
+          </a:bodyPr>
+          <a:lstStyle/>
+          <a:p>
+            <a:pPr marL="0" lvl="0" indent="0" algn="l" rtl="0">
+              <a:spcBef>
+                <a:spcPts val="0"/>
+              </a:spcBef>
+              <a:spcAft>
+                <a:spcPts val="0"/>
+              </a:spcAft>
+              <a:buNone/>
+            </a:pPr>
+            <a:endParaRPr/>
+          </a:p>
+        </p:txBody>
+      </p:sp>
+    </p:spTree>
+    <p:extLst>
+      <p:ext uri="{BB962C8B-B14F-4D97-AF65-F5344CB8AC3E}">
+        <p14:creationId xmlns:p14="http://schemas.microsoft.com/office/powerpoint/2010/main" val="2215148598"/>
+      </p:ext>
+    </p:extLst>
+  </p:cSld>
+  <p:clrMapOvr>
+    <a:masterClrMapping/>
+  </p:clrMapOvr>
+</p:notes>
+</file>
+
+<file path=ppt/notesSlides/notesSlide24.xml><?xml version="1.0" encoding="utf-8"?>
+<p:notes xmlns:a="http://schemas.openxmlformats.org/drawingml/2006/main" xmlns:r="http://schemas.openxmlformats.org/officeDocument/2006/relationships" xmlns:p="http://schemas.openxmlformats.org/presentationml/2006/main" showMasterSp="0" showMasterPhAnim="0">
+  <p:cSld>
+    <p:spTree>
+      <p:nvGrpSpPr>
+        <p:cNvPr id="1" name="Shape 280"/>
+        <p:cNvGrpSpPr/>
+        <p:nvPr/>
+      </p:nvGrpSpPr>
+      <p:grpSpPr>
+        <a:xfrm>
+          <a:off x="0" y="0"/>
+          <a:ext cx="0" cy="0"/>
+          <a:chOff x="0" y="0"/>
+          <a:chExt cx="0" cy="0"/>
+        </a:xfrm>
+      </p:grpSpPr>
+      <p:sp>
+        <p:nvSpPr>
+          <p:cNvPr id="281" name="Google Shape;281;gcc9050bdf8_0_241:notes"/>
+          <p:cNvSpPr>
+            <a:spLocks noGrp="1" noRot="1" noChangeAspect="1"/>
+          </p:cNvSpPr>
+          <p:nvPr>
+            <p:ph type="sldImg" idx="2"/>
+          </p:nvPr>
+        </p:nvSpPr>
+        <p:spPr>
+          <a:xfrm>
+            <a:off x="381000" y="685800"/>
+            <a:ext cx="6096000" cy="3429000"/>
+          </a:xfrm>
+          <a:custGeom>
+            <a:avLst/>
+            <a:gdLst/>
+            <a:ahLst/>
+            <a:cxnLst/>
+            <a:rect l="l" t="t" r="r" b="b"/>
+            <a:pathLst>
+              <a:path w="120000" h="120000" extrusionOk="0">
+                <a:moveTo>
+                  <a:pt x="0" y="0"/>
+                </a:moveTo>
+                <a:lnTo>
+                  <a:pt x="120000" y="0"/>
+                </a:lnTo>
+                <a:lnTo>
+                  <a:pt x="120000" y="120000"/>
+                </a:lnTo>
+                <a:lnTo>
+                  <a:pt x="0" y="120000"/>
+                </a:lnTo>
+                <a:close/>
+              </a:path>
+            </a:pathLst>
+          </a:custGeom>
+        </p:spPr>
+      </p:sp>
+      <p:sp>
+        <p:nvSpPr>
+          <p:cNvPr id="282" name="Google Shape;282;gcc9050bdf8_0_241:notes"/>
+          <p:cNvSpPr txBox="1">
+            <a:spLocks noGrp="1"/>
+          </p:cNvSpPr>
+          <p:nvPr>
+            <p:ph type="body" idx="1"/>
+          </p:nvPr>
+        </p:nvSpPr>
+        <p:spPr>
+          <a:xfrm>
+            <a:off x="685800" y="4343400"/>
+            <a:ext cx="5486400" cy="4114800"/>
+          </a:xfrm>
+          <a:prstGeom prst="rect">
+            <a:avLst/>
+          </a:prstGeom>
+        </p:spPr>
+        <p:txBody>
+          <a:bodyPr spcFirstLastPara="1" wrap="square" lIns="91425" tIns="91425" rIns="91425" bIns="91425" anchor="t" anchorCtr="0">
+            <a:noAutofit/>
+          </a:bodyPr>
+          <a:lstStyle/>
+          <a:p>
+            <a:pPr marL="0" lvl="0" indent="0" algn="l" rtl="0">
+              <a:spcBef>
+                <a:spcPts val="0"/>
+              </a:spcBef>
+              <a:spcAft>
+                <a:spcPts val="0"/>
+              </a:spcAft>
+              <a:buNone/>
+            </a:pPr>
+            <a:endParaRPr/>
+          </a:p>
+        </p:txBody>
+      </p:sp>
+    </p:spTree>
+    <p:extLst>
+      <p:ext uri="{BB962C8B-B14F-4D97-AF65-F5344CB8AC3E}">
+        <p14:creationId xmlns:p14="http://schemas.microsoft.com/office/powerpoint/2010/main" val="2782467280"/>
+      </p:ext>
+    </p:extLst>
+  </p:cSld>
+  <p:clrMapOvr>
+    <a:masterClrMapping/>
+  </p:clrMapOvr>
+</p:notes>
+</file>
+
+<file path=ppt/notesSlides/notesSlide25.xml><?xml version="1.0" encoding="utf-8"?>
+<p:notes xmlns:a="http://schemas.openxmlformats.org/drawingml/2006/main" xmlns:r="http://schemas.openxmlformats.org/officeDocument/2006/relationships" xmlns:p="http://schemas.openxmlformats.org/presentationml/2006/main" showMasterSp="0" showMasterPhAnim="0">
+  <p:cSld>
+    <p:spTree>
+      <p:nvGrpSpPr>
+        <p:cNvPr id="1" name="Shape 280"/>
+        <p:cNvGrpSpPr/>
+        <p:nvPr/>
+      </p:nvGrpSpPr>
+      <p:grpSpPr>
+        <a:xfrm>
+          <a:off x="0" y="0"/>
+          <a:ext cx="0" cy="0"/>
+          <a:chOff x="0" y="0"/>
+          <a:chExt cx="0" cy="0"/>
+        </a:xfrm>
+      </p:grpSpPr>
+      <p:sp>
+        <p:nvSpPr>
+          <p:cNvPr id="281" name="Google Shape;281;gcc9050bdf8_0_241:notes"/>
+          <p:cNvSpPr>
+            <a:spLocks noGrp="1" noRot="1" noChangeAspect="1"/>
+          </p:cNvSpPr>
+          <p:nvPr>
+            <p:ph type="sldImg" idx="2"/>
+          </p:nvPr>
+        </p:nvSpPr>
+        <p:spPr>
+          <a:xfrm>
+            <a:off x="381000" y="685800"/>
+            <a:ext cx="6096000" cy="3429000"/>
+          </a:xfrm>
+          <a:custGeom>
+            <a:avLst/>
+            <a:gdLst/>
+            <a:ahLst/>
+            <a:cxnLst/>
+            <a:rect l="l" t="t" r="r" b="b"/>
+            <a:pathLst>
+              <a:path w="120000" h="120000" extrusionOk="0">
+                <a:moveTo>
+                  <a:pt x="0" y="0"/>
+                </a:moveTo>
+                <a:lnTo>
+                  <a:pt x="120000" y="0"/>
+                </a:lnTo>
+                <a:lnTo>
+                  <a:pt x="120000" y="120000"/>
+                </a:lnTo>
+                <a:lnTo>
+                  <a:pt x="0" y="120000"/>
+                </a:lnTo>
+                <a:close/>
+              </a:path>
+            </a:pathLst>
+          </a:custGeom>
+        </p:spPr>
+      </p:sp>
+      <p:sp>
+        <p:nvSpPr>
+          <p:cNvPr id="282" name="Google Shape;282;gcc9050bdf8_0_241:notes"/>
+          <p:cNvSpPr txBox="1">
+            <a:spLocks noGrp="1"/>
+          </p:cNvSpPr>
+          <p:nvPr>
+            <p:ph type="body" idx="1"/>
+          </p:nvPr>
+        </p:nvSpPr>
+        <p:spPr>
+          <a:xfrm>
+            <a:off x="685800" y="4343400"/>
+            <a:ext cx="5486400" cy="4114800"/>
+          </a:xfrm>
+          <a:prstGeom prst="rect">
+            <a:avLst/>
+          </a:prstGeom>
+        </p:spPr>
+        <p:txBody>
+          <a:bodyPr spcFirstLastPara="1" wrap="square" lIns="91425" tIns="91425" rIns="91425" bIns="91425" anchor="t" anchorCtr="0">
+            <a:noAutofit/>
+          </a:bodyPr>
+          <a:lstStyle/>
+          <a:p>
+            <a:pPr marL="0" lvl="0" indent="0" algn="l" rtl="0">
+              <a:spcBef>
+                <a:spcPts val="0"/>
+              </a:spcBef>
+              <a:spcAft>
+                <a:spcPts val="0"/>
+              </a:spcAft>
+              <a:buNone/>
+            </a:pPr>
+            <a:endParaRPr/>
+          </a:p>
+        </p:txBody>
+      </p:sp>
+    </p:spTree>
+    <p:extLst>
+      <p:ext uri="{BB962C8B-B14F-4D97-AF65-F5344CB8AC3E}">
+        <p14:creationId xmlns:p14="http://schemas.microsoft.com/office/powerpoint/2010/main" val="4287278624"/>
+      </p:ext>
+    </p:extLst>
+  </p:cSld>
+  <p:clrMapOvr>
+    <a:masterClrMapping/>
+  </p:clrMapOvr>
+</p:notes>
+</file>
+
+<file path=ppt/notesSlides/notesSlide26.xml><?xml version="1.0" encoding="utf-8"?>
+<p:notes xmlns:a="http://schemas.openxmlformats.org/drawingml/2006/main" xmlns:r="http://schemas.openxmlformats.org/officeDocument/2006/relationships" xmlns:p="http://schemas.openxmlformats.org/presentationml/2006/main" showMasterSp="0" showMasterPhAnim="0">
+  <p:cSld>
+    <p:spTree>
+      <p:nvGrpSpPr>
+        <p:cNvPr id="1" name="Shape 280"/>
+        <p:cNvGrpSpPr/>
+        <p:nvPr/>
+      </p:nvGrpSpPr>
+      <p:grpSpPr>
+        <a:xfrm>
+          <a:off x="0" y="0"/>
+          <a:ext cx="0" cy="0"/>
+          <a:chOff x="0" y="0"/>
+          <a:chExt cx="0" cy="0"/>
+        </a:xfrm>
+      </p:grpSpPr>
+      <p:sp>
+        <p:nvSpPr>
+          <p:cNvPr id="281" name="Google Shape;281;gcc9050bdf8_0_241:notes"/>
+          <p:cNvSpPr>
+            <a:spLocks noGrp="1" noRot="1" noChangeAspect="1"/>
+          </p:cNvSpPr>
+          <p:nvPr>
+            <p:ph type="sldImg" idx="2"/>
+          </p:nvPr>
+        </p:nvSpPr>
+        <p:spPr>
+          <a:xfrm>
+            <a:off x="381000" y="685800"/>
+            <a:ext cx="6096000" cy="3429000"/>
+          </a:xfrm>
+          <a:custGeom>
+            <a:avLst/>
+            <a:gdLst/>
+            <a:ahLst/>
+            <a:cxnLst/>
+            <a:rect l="l" t="t" r="r" b="b"/>
+            <a:pathLst>
+              <a:path w="120000" h="120000" extrusionOk="0">
+                <a:moveTo>
+                  <a:pt x="0" y="0"/>
+                </a:moveTo>
+                <a:lnTo>
+                  <a:pt x="120000" y="0"/>
+                </a:lnTo>
+                <a:lnTo>
+                  <a:pt x="120000" y="120000"/>
+                </a:lnTo>
+                <a:lnTo>
+                  <a:pt x="0" y="120000"/>
+                </a:lnTo>
+                <a:close/>
+              </a:path>
+            </a:pathLst>
+          </a:custGeom>
+        </p:spPr>
+      </p:sp>
+      <p:sp>
+        <p:nvSpPr>
+          <p:cNvPr id="282" name="Google Shape;282;gcc9050bdf8_0_241:notes"/>
+          <p:cNvSpPr txBox="1">
+            <a:spLocks noGrp="1"/>
+          </p:cNvSpPr>
+          <p:nvPr>
+            <p:ph type="body" idx="1"/>
+          </p:nvPr>
+        </p:nvSpPr>
+        <p:spPr>
+          <a:xfrm>
+            <a:off x="685800" y="4343400"/>
+            <a:ext cx="5486400" cy="4114800"/>
+          </a:xfrm>
+          <a:prstGeom prst="rect">
+            <a:avLst/>
+          </a:prstGeom>
+        </p:spPr>
+        <p:txBody>
+          <a:bodyPr spcFirstLastPara="1" wrap="square" lIns="91425" tIns="91425" rIns="91425" bIns="91425" anchor="t" anchorCtr="0">
+            <a:noAutofit/>
+          </a:bodyPr>
+          <a:lstStyle/>
+          <a:p>
+            <a:pPr marL="0" lvl="0" indent="0" algn="l" rtl="0">
+              <a:spcBef>
+                <a:spcPts val="0"/>
+              </a:spcBef>
+              <a:spcAft>
+                <a:spcPts val="0"/>
+              </a:spcAft>
+              <a:buNone/>
+            </a:pPr>
+            <a:endParaRPr/>
+          </a:p>
+        </p:txBody>
+      </p:sp>
+    </p:spTree>
+    <p:extLst>
+      <p:ext uri="{BB962C8B-B14F-4D97-AF65-F5344CB8AC3E}">
         <p14:creationId xmlns:p14="http://schemas.microsoft.com/office/powerpoint/2010/main" val="4039082559"/>
       </p:ext>
     </p:extLst>
@@ -2425,7 +2975,7 @@
 </p:notes>
 </file>
 
-<file path=ppt/notesSlides/notesSlide22.xml><?xml version="1.0" encoding="utf-8"?>
+<file path=ppt/notesSlides/notesSlide27.xml><?xml version="1.0" encoding="utf-8"?>
 <p:notes xmlns:a="http://schemas.openxmlformats.org/drawingml/2006/main" xmlns:r="http://schemas.openxmlformats.org/officeDocument/2006/relationships" xmlns:p="http://schemas.openxmlformats.org/presentationml/2006/main" showMasterSp="0" showMasterPhAnim="0">
   <p:cSld>
     <p:spTree>
@@ -12402,7 +12952,7 @@
           <p:cNvPr id="2" name="Google Shape;285;p32">
             <a:extLst>
               <a:ext uri="{FF2B5EF4-FFF2-40B4-BE49-F238E27FC236}">
-                <a16:creationId xmlns:a16="http://schemas.microsoft.com/office/drawing/2014/main" xmlns="" id="{F4EBB00D-9EB7-44EF-725D-102C98FAC7EF}"/>
+                <a16:creationId xmlns="" xmlns:a16="http://schemas.microsoft.com/office/drawing/2014/main" id="{F4EBB00D-9EB7-44EF-725D-102C98FAC7EF}"/>
               </a:ext>
             </a:extLst>
           </p:cNvPr>
@@ -13191,7 +13741,7 @@
           <p:cNvPr id="2" name="Google Shape;285;p32">
             <a:extLst>
               <a:ext uri="{FF2B5EF4-FFF2-40B4-BE49-F238E27FC236}">
-                <a16:creationId xmlns:a16="http://schemas.microsoft.com/office/drawing/2014/main" xmlns="" id="{F4EBB00D-9EB7-44EF-725D-102C98FAC7EF}"/>
+                <a16:creationId xmlns="" xmlns:a16="http://schemas.microsoft.com/office/drawing/2014/main" id="{F4EBB00D-9EB7-44EF-725D-102C98FAC7EF}"/>
               </a:ext>
             </a:extLst>
           </p:cNvPr>
@@ -14005,7 +14555,7 @@
           <p:cNvPr id="2" name="Google Shape;285;p32">
             <a:extLst>
               <a:ext uri="{FF2B5EF4-FFF2-40B4-BE49-F238E27FC236}">
-                <a16:creationId xmlns:a16="http://schemas.microsoft.com/office/drawing/2014/main" xmlns="" id="{F4EBB00D-9EB7-44EF-725D-102C98FAC7EF}"/>
+                <a16:creationId xmlns="" xmlns:a16="http://schemas.microsoft.com/office/drawing/2014/main" id="{F4EBB00D-9EB7-44EF-725D-102C98FAC7EF}"/>
               </a:ext>
             </a:extLst>
           </p:cNvPr>
@@ -14816,7 +15366,7 @@
           <p:cNvPr id="2" name="Google Shape;285;p32">
             <a:extLst>
               <a:ext uri="{FF2B5EF4-FFF2-40B4-BE49-F238E27FC236}">
-                <a16:creationId xmlns:a16="http://schemas.microsoft.com/office/drawing/2014/main" xmlns="" id="{F4EBB00D-9EB7-44EF-725D-102C98FAC7EF}"/>
+                <a16:creationId xmlns="" xmlns:a16="http://schemas.microsoft.com/office/drawing/2014/main" id="{F4EBB00D-9EB7-44EF-725D-102C98FAC7EF}"/>
               </a:ext>
             </a:extLst>
           </p:cNvPr>
@@ -15135,7 +15685,7 @@
           <p:cNvPr id="3" name="Google Shape;285;p32">
             <a:extLst>
               <a:ext uri="{FF2B5EF4-FFF2-40B4-BE49-F238E27FC236}">
-                <a16:creationId xmlns:a16="http://schemas.microsoft.com/office/drawing/2014/main" xmlns="" id="{FCFAD74F-C434-3A06-E9EE-DDA42FB65283}"/>
+                <a16:creationId xmlns="" xmlns:a16="http://schemas.microsoft.com/office/drawing/2014/main" id="{FCFAD74F-C434-3A06-E9EE-DDA42FB65283}"/>
               </a:ext>
             </a:extLst>
           </p:cNvPr>
@@ -21556,640 +22106,24 @@
           <a:chExt cx="0" cy="0"/>
         </a:xfrm>
       </p:grpSpPr>
-      <p:grpSp>
-        <p:nvGrpSpPr>
-          <p:cNvPr id="18" name="Google Shape;208;p27"/>
-          <p:cNvGrpSpPr/>
-          <p:nvPr/>
-        </p:nvGrpSpPr>
-        <p:grpSpPr>
-          <a:xfrm>
-            <a:off x="772525" y="726625"/>
-            <a:ext cx="6578100" cy="3438300"/>
-            <a:chOff x="772525" y="726625"/>
-            <a:chExt cx="6578100" cy="3438300"/>
-          </a:xfrm>
-        </p:grpSpPr>
-        <p:sp>
-          <p:nvSpPr>
-            <p:cNvPr id="19" name="Google Shape;209;p27"/>
-            <p:cNvSpPr/>
-            <p:nvPr/>
-          </p:nvSpPr>
-          <p:spPr>
-            <a:xfrm>
-              <a:off x="772525" y="726625"/>
-              <a:ext cx="6578100" cy="3438300"/>
-            </a:xfrm>
-            <a:prstGeom prst="rect">
-              <a:avLst/>
-            </a:prstGeom>
-            <a:solidFill>
-              <a:schemeClr val="lt1"/>
-            </a:solidFill>
-            <a:ln w="9525" cap="flat" cmpd="sng">
-              <a:solidFill>
-                <a:schemeClr val="dk1"/>
-              </a:solidFill>
-              <a:prstDash val="solid"/>
-              <a:round/>
-              <a:headEnd type="none" w="sm" len="sm"/>
-              <a:tailEnd type="none" w="sm" len="sm"/>
-            </a:ln>
-          </p:spPr>
-          <p:txBody>
-            <a:bodyPr spcFirstLastPara="1" wrap="square" lIns="91425" tIns="91425" rIns="91425" bIns="91425" anchor="ctr" anchorCtr="0">
-              <a:noAutofit/>
-            </a:bodyPr>
-            <a:lstStyle/>
-            <a:p>
-              <a:pPr marL="0" lvl="0" indent="0" algn="l" rtl="0">
-                <a:spcBef>
-                  <a:spcPts val="0"/>
-                </a:spcBef>
-                <a:spcAft>
-                  <a:spcPts val="0"/>
-                </a:spcAft>
-                <a:buNone/>
-              </a:pPr>
-              <a:endParaRPr/>
-            </a:p>
-          </p:txBody>
-        </p:sp>
-        <p:sp>
-          <p:nvSpPr>
-            <p:cNvPr id="20" name="Google Shape;210;p27"/>
-            <p:cNvSpPr/>
-            <p:nvPr/>
-          </p:nvSpPr>
-          <p:spPr>
-            <a:xfrm>
-              <a:off x="772525" y="726625"/>
-              <a:ext cx="6578100" cy="255300"/>
-            </a:xfrm>
-            <a:prstGeom prst="rect">
-              <a:avLst/>
-            </a:prstGeom>
-            <a:solidFill>
-              <a:schemeClr val="lt1"/>
-            </a:solidFill>
-            <a:ln w="9525" cap="flat" cmpd="sng">
-              <a:solidFill>
-                <a:schemeClr val="dk1"/>
-              </a:solidFill>
-              <a:prstDash val="solid"/>
-              <a:round/>
-              <a:headEnd type="none" w="sm" len="sm"/>
-              <a:tailEnd type="none" w="sm" len="sm"/>
-            </a:ln>
-          </p:spPr>
-          <p:txBody>
-            <a:bodyPr spcFirstLastPara="1" wrap="square" lIns="91425" tIns="91425" rIns="91425" bIns="91425" anchor="ctr" anchorCtr="0">
-              <a:noAutofit/>
-            </a:bodyPr>
-            <a:lstStyle/>
-            <a:p>
-              <a:pPr marL="0" lvl="0" indent="0" algn="l" rtl="0">
-                <a:spcBef>
-                  <a:spcPts val="0"/>
-                </a:spcBef>
-                <a:spcAft>
-                  <a:spcPts val="0"/>
-                </a:spcAft>
-                <a:buNone/>
-              </a:pPr>
-              <a:endParaRPr/>
-            </a:p>
-          </p:txBody>
-        </p:sp>
-      </p:grpSp>
-      <p:grpSp>
-        <p:nvGrpSpPr>
-          <p:cNvPr id="21" name="Google Shape;214;p27"/>
-          <p:cNvGrpSpPr/>
-          <p:nvPr/>
-        </p:nvGrpSpPr>
-        <p:grpSpPr>
-          <a:xfrm>
-            <a:off x="6849418" y="1309976"/>
-            <a:ext cx="1864833" cy="1637043"/>
-            <a:chOff x="1054812" y="1029590"/>
-            <a:chExt cx="3436214" cy="3912627"/>
-          </a:xfrm>
-        </p:grpSpPr>
-        <p:sp>
-          <p:nvSpPr>
-            <p:cNvPr id="22" name="Google Shape;215;p27"/>
-            <p:cNvSpPr/>
-            <p:nvPr/>
-          </p:nvSpPr>
-          <p:spPr>
-            <a:xfrm>
-              <a:off x="1054812" y="1029617"/>
-              <a:ext cx="3436200" cy="3912600"/>
-            </a:xfrm>
-            <a:prstGeom prst="rect">
-              <a:avLst/>
-            </a:prstGeom>
-            <a:solidFill>
-              <a:schemeClr val="lt1"/>
-            </a:solidFill>
-            <a:ln w="9525" cap="flat" cmpd="sng">
-              <a:solidFill>
-                <a:schemeClr val="dk1"/>
-              </a:solidFill>
-              <a:prstDash val="solid"/>
-              <a:round/>
-              <a:headEnd type="none" w="sm" len="sm"/>
-              <a:tailEnd type="none" w="sm" len="sm"/>
-            </a:ln>
-          </p:spPr>
-          <p:txBody>
-            <a:bodyPr spcFirstLastPara="1" wrap="square" lIns="91425" tIns="91425" rIns="91425" bIns="91425" anchor="ctr" anchorCtr="0">
-              <a:noAutofit/>
-            </a:bodyPr>
-            <a:lstStyle/>
-            <a:p>
-              <a:pPr marL="0" lvl="0" indent="0" algn="l" rtl="0">
-                <a:spcBef>
-                  <a:spcPts val="0"/>
-                </a:spcBef>
-                <a:spcAft>
-                  <a:spcPts val="0"/>
-                </a:spcAft>
-                <a:buNone/>
-              </a:pPr>
-              <a:endParaRPr/>
-            </a:p>
-          </p:txBody>
-        </p:sp>
-        <p:sp>
-          <p:nvSpPr>
-            <p:cNvPr id="23" name="Google Shape;216;p27"/>
-            <p:cNvSpPr/>
-            <p:nvPr/>
-          </p:nvSpPr>
-          <p:spPr>
-            <a:xfrm>
-              <a:off x="1054825" y="1029590"/>
-              <a:ext cx="3436200" cy="610200"/>
-            </a:xfrm>
-            <a:prstGeom prst="rect">
-              <a:avLst/>
-            </a:prstGeom>
-            <a:solidFill>
-              <a:schemeClr val="lt1"/>
-            </a:solidFill>
-            <a:ln w="9525" cap="flat" cmpd="sng">
-              <a:solidFill>
-                <a:schemeClr val="dk1"/>
-              </a:solidFill>
-              <a:prstDash val="solid"/>
-              <a:round/>
-              <a:headEnd type="none" w="sm" len="sm"/>
-              <a:tailEnd type="none" w="sm" len="sm"/>
-            </a:ln>
-          </p:spPr>
-          <p:txBody>
-            <a:bodyPr spcFirstLastPara="1" wrap="square" lIns="91425" tIns="91425" rIns="91425" bIns="91425" anchor="ctr" anchorCtr="0">
-              <a:noAutofit/>
-            </a:bodyPr>
-            <a:lstStyle/>
-            <a:p>
-              <a:pPr marL="0" lvl="0" indent="0" algn="l" rtl="0">
-                <a:spcBef>
-                  <a:spcPts val="0"/>
-                </a:spcBef>
-                <a:spcAft>
-                  <a:spcPts val="0"/>
-                </a:spcAft>
-                <a:buNone/>
-              </a:pPr>
-              <a:endParaRPr/>
-            </a:p>
-          </p:txBody>
-        </p:sp>
-      </p:grpSp>
       <p:sp>
         <p:nvSpPr>
-          <p:cNvPr id="24" name="Google Shape;219;p27"/>
-          <p:cNvSpPr txBox="1"/>
-          <p:nvPr/>
+          <p:cNvPr id="285" name="Google Shape;285;p32"/>
+          <p:cNvSpPr txBox="1">
+            <a:spLocks noGrp="1"/>
+          </p:cNvSpPr>
+          <p:nvPr>
+            <p:ph type="subTitle" idx="3"/>
+          </p:nvPr>
         </p:nvSpPr>
         <p:spPr>
           <a:xfrm>
-            <a:off x="6950816" y="1873600"/>
-            <a:ext cx="1636294" cy="746100"/>
+            <a:off x="719988" y="1801433"/>
+            <a:ext cx="7704000" cy="421800"/>
           </a:xfrm>
           <a:prstGeom prst="rect">
             <a:avLst/>
           </a:prstGeom>
-          <a:noFill/>
-          <a:ln>
-            <a:noFill/>
-          </a:ln>
-        </p:spPr>
-        <p:txBody>
-          <a:bodyPr spcFirstLastPara="1" wrap="square" lIns="91425" tIns="91425" rIns="91425" bIns="91425" anchor="t" anchorCtr="0">
-            <a:noAutofit/>
-          </a:bodyPr>
-          <a:lstStyle/>
-          <a:p>
-            <a:pPr algn="ctr">
-              <a:lnSpc>
-                <a:spcPct val="90000"/>
-              </a:lnSpc>
-            </a:pPr>
-            <a:r>
-              <a:rPr lang="en" sz="3200" dirty="0" smtClean="0">
-                <a:solidFill>
-                  <a:schemeClr val="accent1"/>
-                </a:solidFill>
-              </a:rPr>
-              <a:t>&lt;/&gt;</a:t>
-            </a:r>
-            <a:endParaRPr lang="en" sz="3200" dirty="0">
-              <a:solidFill>
-                <a:schemeClr val="accent1"/>
-              </a:solidFill>
-            </a:endParaRPr>
-          </a:p>
-          <a:p>
-            <a:pPr marL="0" lvl="0" indent="0" algn="ctr" rtl="0">
-              <a:lnSpc>
-                <a:spcPct val="90000"/>
-              </a:lnSpc>
-              <a:spcBef>
-                <a:spcPts val="0"/>
-              </a:spcBef>
-              <a:spcAft>
-                <a:spcPts val="0"/>
-              </a:spcAft>
-              <a:buNone/>
-            </a:pPr>
-            <a:endParaRPr sz="3600" dirty="0">
-              <a:solidFill>
-                <a:schemeClr val="accent1"/>
-              </a:solidFill>
-            </a:endParaRPr>
-          </a:p>
-        </p:txBody>
-      </p:sp>
-      <p:sp>
-        <p:nvSpPr>
-          <p:cNvPr id="32" name="Google Shape;220;p27"/>
-          <p:cNvSpPr txBox="1">
-            <a:spLocks/>
-          </p:cNvSpPr>
-          <p:nvPr/>
-        </p:nvSpPr>
-        <p:spPr>
-          <a:xfrm>
-            <a:off x="1161910" y="1322829"/>
-            <a:ext cx="5399527" cy="1114275"/>
-          </a:xfrm>
-          <a:prstGeom prst="rect">
-            <a:avLst/>
-          </a:prstGeom>
-          <a:noFill/>
-          <a:ln>
-            <a:noFill/>
-          </a:ln>
-        </p:spPr>
-        <p:txBody>
-          <a:bodyPr spcFirstLastPara="1" wrap="square" lIns="91425" tIns="91425" rIns="91425" bIns="91425" anchor="t" anchorCtr="0">
-            <a:noAutofit/>
-          </a:bodyPr>
-          <a:lstStyle>
-            <a:defPPr marR="0" lvl="0" algn="l" rtl="0">
-              <a:lnSpc>
-                <a:spcPct val="100000"/>
-              </a:lnSpc>
-              <a:spcBef>
-                <a:spcPts val="0"/>
-              </a:spcBef>
-              <a:spcAft>
-                <a:spcPts val="0"/>
-              </a:spcAft>
-            </a:defPPr>
-            <a:lvl1pPr marR="0" lvl="0" algn="l" rtl="0">
-              <a:lnSpc>
-                <a:spcPct val="100000"/>
-              </a:lnSpc>
-              <a:spcBef>
-                <a:spcPts val="0"/>
-              </a:spcBef>
-              <a:spcAft>
-                <a:spcPts val="0"/>
-              </a:spcAft>
-              <a:buClr>
-                <a:schemeClr val="dk1"/>
-              </a:buClr>
-              <a:buSzPts val="3300"/>
-              <a:buFont typeface="Quantico"/>
-              <a:buNone/>
-              <a:defRPr sz="3300" b="0" i="0" u="none" strike="noStrike" cap="none">
-                <a:solidFill>
-                  <a:schemeClr val="dk1"/>
-                </a:solidFill>
-                <a:latin typeface="Quantico"/>
-                <a:ea typeface="Quantico"/>
-                <a:cs typeface="Quantico"/>
-                <a:sym typeface="Quantico"/>
-              </a:defRPr>
-            </a:lvl1pPr>
-            <a:lvl2pPr marR="0" lvl="1" algn="l" rtl="0">
-              <a:lnSpc>
-                <a:spcPct val="100000"/>
-              </a:lnSpc>
-              <a:spcBef>
-                <a:spcPts val="0"/>
-              </a:spcBef>
-              <a:spcAft>
-                <a:spcPts val="0"/>
-              </a:spcAft>
-              <a:buClr>
-                <a:schemeClr val="dk1"/>
-              </a:buClr>
-              <a:buSzPts val="3300"/>
-              <a:buFont typeface="Quantico"/>
-              <a:buNone/>
-              <a:defRPr sz="3300" b="1" i="0" u="none" strike="noStrike" cap="none">
-                <a:solidFill>
-                  <a:schemeClr val="dk1"/>
-                </a:solidFill>
-                <a:latin typeface="Quantico"/>
-                <a:ea typeface="Quantico"/>
-                <a:cs typeface="Quantico"/>
-                <a:sym typeface="Quantico"/>
-              </a:defRPr>
-            </a:lvl2pPr>
-            <a:lvl3pPr marR="0" lvl="2" algn="l" rtl="0">
-              <a:lnSpc>
-                <a:spcPct val="100000"/>
-              </a:lnSpc>
-              <a:spcBef>
-                <a:spcPts val="0"/>
-              </a:spcBef>
-              <a:spcAft>
-                <a:spcPts val="0"/>
-              </a:spcAft>
-              <a:buClr>
-                <a:schemeClr val="dk1"/>
-              </a:buClr>
-              <a:buSzPts val="3300"/>
-              <a:buFont typeface="Quantico"/>
-              <a:buNone/>
-              <a:defRPr sz="3300" b="1" i="0" u="none" strike="noStrike" cap="none">
-                <a:solidFill>
-                  <a:schemeClr val="dk1"/>
-                </a:solidFill>
-                <a:latin typeface="Quantico"/>
-                <a:ea typeface="Quantico"/>
-                <a:cs typeface="Quantico"/>
-                <a:sym typeface="Quantico"/>
-              </a:defRPr>
-            </a:lvl3pPr>
-            <a:lvl4pPr marR="0" lvl="3" algn="l" rtl="0">
-              <a:lnSpc>
-                <a:spcPct val="100000"/>
-              </a:lnSpc>
-              <a:spcBef>
-                <a:spcPts val="0"/>
-              </a:spcBef>
-              <a:spcAft>
-                <a:spcPts val="0"/>
-              </a:spcAft>
-              <a:buClr>
-                <a:schemeClr val="dk1"/>
-              </a:buClr>
-              <a:buSzPts val="3300"/>
-              <a:buFont typeface="Quantico"/>
-              <a:buNone/>
-              <a:defRPr sz="3300" b="1" i="0" u="none" strike="noStrike" cap="none">
-                <a:solidFill>
-                  <a:schemeClr val="dk1"/>
-                </a:solidFill>
-                <a:latin typeface="Quantico"/>
-                <a:ea typeface="Quantico"/>
-                <a:cs typeface="Quantico"/>
-                <a:sym typeface="Quantico"/>
-              </a:defRPr>
-            </a:lvl4pPr>
-            <a:lvl5pPr marR="0" lvl="4" algn="l" rtl="0">
-              <a:lnSpc>
-                <a:spcPct val="100000"/>
-              </a:lnSpc>
-              <a:spcBef>
-                <a:spcPts val="0"/>
-              </a:spcBef>
-              <a:spcAft>
-                <a:spcPts val="0"/>
-              </a:spcAft>
-              <a:buClr>
-                <a:schemeClr val="dk1"/>
-              </a:buClr>
-              <a:buSzPts val="3300"/>
-              <a:buFont typeface="Quantico"/>
-              <a:buNone/>
-              <a:defRPr sz="3300" b="1" i="0" u="none" strike="noStrike" cap="none">
-                <a:solidFill>
-                  <a:schemeClr val="dk1"/>
-                </a:solidFill>
-                <a:latin typeface="Quantico"/>
-                <a:ea typeface="Quantico"/>
-                <a:cs typeface="Quantico"/>
-                <a:sym typeface="Quantico"/>
-              </a:defRPr>
-            </a:lvl5pPr>
-            <a:lvl6pPr marR="0" lvl="5" algn="l" rtl="0">
-              <a:lnSpc>
-                <a:spcPct val="100000"/>
-              </a:lnSpc>
-              <a:spcBef>
-                <a:spcPts val="0"/>
-              </a:spcBef>
-              <a:spcAft>
-                <a:spcPts val="0"/>
-              </a:spcAft>
-              <a:buClr>
-                <a:schemeClr val="dk1"/>
-              </a:buClr>
-              <a:buSzPts val="3300"/>
-              <a:buFont typeface="Quantico"/>
-              <a:buNone/>
-              <a:defRPr sz="3300" b="1" i="0" u="none" strike="noStrike" cap="none">
-                <a:solidFill>
-                  <a:schemeClr val="dk1"/>
-                </a:solidFill>
-                <a:latin typeface="Quantico"/>
-                <a:ea typeface="Quantico"/>
-                <a:cs typeface="Quantico"/>
-                <a:sym typeface="Quantico"/>
-              </a:defRPr>
-            </a:lvl6pPr>
-            <a:lvl7pPr marR="0" lvl="6" algn="l" rtl="0">
-              <a:lnSpc>
-                <a:spcPct val="100000"/>
-              </a:lnSpc>
-              <a:spcBef>
-                <a:spcPts val="0"/>
-              </a:spcBef>
-              <a:spcAft>
-                <a:spcPts val="0"/>
-              </a:spcAft>
-              <a:buClr>
-                <a:schemeClr val="dk1"/>
-              </a:buClr>
-              <a:buSzPts val="3300"/>
-              <a:buFont typeface="Quantico"/>
-              <a:buNone/>
-              <a:defRPr sz="3300" b="1" i="0" u="none" strike="noStrike" cap="none">
-                <a:solidFill>
-                  <a:schemeClr val="dk1"/>
-                </a:solidFill>
-                <a:latin typeface="Quantico"/>
-                <a:ea typeface="Quantico"/>
-                <a:cs typeface="Quantico"/>
-                <a:sym typeface="Quantico"/>
-              </a:defRPr>
-            </a:lvl7pPr>
-            <a:lvl8pPr marR="0" lvl="7" algn="l" rtl="0">
-              <a:lnSpc>
-                <a:spcPct val="100000"/>
-              </a:lnSpc>
-              <a:spcBef>
-                <a:spcPts val="0"/>
-              </a:spcBef>
-              <a:spcAft>
-                <a:spcPts val="0"/>
-              </a:spcAft>
-              <a:buClr>
-                <a:schemeClr val="dk1"/>
-              </a:buClr>
-              <a:buSzPts val="3300"/>
-              <a:buFont typeface="Quantico"/>
-              <a:buNone/>
-              <a:defRPr sz="3300" b="1" i="0" u="none" strike="noStrike" cap="none">
-                <a:solidFill>
-                  <a:schemeClr val="dk1"/>
-                </a:solidFill>
-                <a:latin typeface="Quantico"/>
-                <a:ea typeface="Quantico"/>
-                <a:cs typeface="Quantico"/>
-                <a:sym typeface="Quantico"/>
-              </a:defRPr>
-            </a:lvl8pPr>
-            <a:lvl9pPr marR="0" lvl="8" algn="l" rtl="0">
-              <a:lnSpc>
-                <a:spcPct val="100000"/>
-              </a:lnSpc>
-              <a:spcBef>
-                <a:spcPts val="0"/>
-              </a:spcBef>
-              <a:spcAft>
-                <a:spcPts val="0"/>
-              </a:spcAft>
-              <a:buClr>
-                <a:schemeClr val="dk1"/>
-              </a:buClr>
-              <a:buSzPts val="3300"/>
-              <a:buFont typeface="Quantico"/>
-              <a:buNone/>
-              <a:defRPr sz="3300" b="1" i="0" u="none" strike="noStrike" cap="none">
-                <a:solidFill>
-                  <a:schemeClr val="dk1"/>
-                </a:solidFill>
-                <a:latin typeface="Quantico"/>
-                <a:ea typeface="Quantico"/>
-                <a:cs typeface="Quantico"/>
-                <a:sym typeface="Quantico"/>
-              </a:defRPr>
-            </a:lvl9pPr>
-          </a:lstStyle>
-          <a:p>
-            <a:r>
-              <a:rPr lang="en-US" dirty="0" err="1" smtClean="0"/>
-              <a:t>Inovações</a:t>
-            </a:r>
-            <a:r>
-              <a:rPr lang="en-US" dirty="0" smtClean="0"/>
-              <a:t> </a:t>
-            </a:r>
-            <a:r>
-              <a:rPr lang="en-US" dirty="0" err="1" smtClean="0"/>
-              <a:t>não</a:t>
-            </a:r>
-            <a:r>
-              <a:rPr lang="en-US" dirty="0" smtClean="0"/>
-              <a:t> </a:t>
-            </a:r>
-            <a:r>
-              <a:rPr lang="en-US" dirty="0" err="1" smtClean="0"/>
-              <a:t>precisam</a:t>
-            </a:r>
-            <a:r>
-              <a:rPr lang="en-US" dirty="0" smtClean="0"/>
-              <a:t> </a:t>
-            </a:r>
-            <a:r>
-              <a:rPr lang="en-US" dirty="0" err="1" smtClean="0"/>
-              <a:t>ser</a:t>
-            </a:r>
-            <a:r>
-              <a:rPr lang="en-US" dirty="0" smtClean="0"/>
-              <a:t> </a:t>
-            </a:r>
-            <a:r>
-              <a:rPr lang="en-US" dirty="0" err="1" smtClean="0"/>
-              <a:t>grandes</a:t>
-            </a:r>
-            <a:r>
-              <a:rPr lang="en-US" dirty="0" smtClean="0"/>
-              <a:t> para </a:t>
-            </a:r>
-            <a:r>
-              <a:rPr lang="en-US" dirty="0" err="1" smtClean="0"/>
-              <a:t>causarem</a:t>
-            </a:r>
-            <a:r>
-              <a:rPr lang="en-US" dirty="0" smtClean="0"/>
-              <a:t> </a:t>
-            </a:r>
-            <a:r>
-              <a:rPr lang="en-US" dirty="0" err="1" smtClean="0"/>
-              <a:t>impactos</a:t>
-            </a:r>
-            <a:r>
-              <a:rPr lang="en-US" dirty="0" smtClean="0"/>
-              <a:t>!</a:t>
-            </a:r>
-            <a:endParaRPr lang="en-US" dirty="0">
-              <a:solidFill>
-                <a:schemeClr val="accent2"/>
-              </a:solidFill>
-            </a:endParaRPr>
-          </a:p>
-        </p:txBody>
-      </p:sp>
-      <p:sp>
-        <p:nvSpPr>
-          <p:cNvPr id="34" name="Google Shape;217;p27"/>
-          <p:cNvSpPr txBox="1"/>
-          <p:nvPr/>
-        </p:nvSpPr>
-        <p:spPr>
-          <a:xfrm>
-            <a:off x="794864" y="1404650"/>
-            <a:ext cx="702900" cy="606900"/>
-          </a:xfrm>
-          <a:prstGeom prst="rect">
-            <a:avLst/>
-          </a:prstGeom>
-          <a:noFill/>
-          <a:ln>
-            <a:noFill/>
-          </a:ln>
         </p:spPr>
         <p:txBody>
           <a:bodyPr spcFirstLastPara="1" wrap="square" lIns="91425" tIns="91425" rIns="91425" bIns="91425" anchor="ctr" anchorCtr="0">
@@ -22197,128 +22131,31 @@
           </a:bodyPr>
           <a:lstStyle/>
           <a:p>
-            <a:pPr marL="0" lvl="0" indent="0" algn="l" rtl="0">
-              <a:lnSpc>
-                <a:spcPct val="90000"/>
-              </a:lnSpc>
-              <a:spcBef>
-                <a:spcPts val="0"/>
-              </a:spcBef>
-              <a:spcAft>
-                <a:spcPts val="0"/>
-              </a:spcAft>
-              <a:buNone/>
-            </a:pPr>
-            <a:r>
-              <a:rPr lang="en" sz="3600" dirty="0">
-                <a:solidFill>
-                  <a:schemeClr val="lt2"/>
-                </a:solidFill>
-                <a:latin typeface="Quantico"/>
-                <a:ea typeface="Quantico"/>
-                <a:cs typeface="Quantico"/>
-                <a:sym typeface="Quantico"/>
+            <a:pPr marL="0" lvl="0" indent="0"/>
+            <a:r>
+              <a:rPr lang="en" sz="2400" dirty="0">
+                <a:solidFill>
+                  <a:schemeClr val="accent2"/>
+                </a:solidFill>
               </a:rPr>
-              <a:t>&lt;</a:t>
-            </a:r>
-            <a:endParaRPr sz="3600" dirty="0">
-              <a:solidFill>
-                <a:schemeClr val="lt2"/>
-              </a:solidFill>
-            </a:endParaRPr>
+              <a:t>* </a:t>
+            </a:r>
+            <a:r>
+              <a:rPr lang="pt-BR" dirty="0"/>
+              <a:t>Framework open-</a:t>
+            </a:r>
+            <a:r>
+              <a:rPr lang="pt-BR" dirty="0" err="1"/>
+              <a:t>source</a:t>
+            </a:r>
+            <a:r>
+              <a:rPr lang="pt-BR" dirty="0"/>
+              <a:t> para automatização de testes.</a:t>
+            </a:r>
+            <a:endParaRPr sz="1800" dirty="0"/>
           </a:p>
         </p:txBody>
       </p:sp>
-      <p:sp>
-        <p:nvSpPr>
-          <p:cNvPr id="36" name="Google Shape;218;p27"/>
-          <p:cNvSpPr txBox="1"/>
-          <p:nvPr/>
-        </p:nvSpPr>
-        <p:spPr>
-          <a:xfrm>
-            <a:off x="3094704" y="2429983"/>
-            <a:ext cx="702900" cy="606900"/>
-          </a:xfrm>
-          <a:prstGeom prst="rect">
-            <a:avLst/>
-          </a:prstGeom>
-          <a:noFill/>
-          <a:ln>
-            <a:noFill/>
-          </a:ln>
-        </p:spPr>
-        <p:txBody>
-          <a:bodyPr spcFirstLastPara="1" wrap="square" lIns="91425" tIns="91425" rIns="91425" bIns="91425" anchor="ctr" anchorCtr="0">
-            <a:noAutofit/>
-          </a:bodyPr>
-          <a:lstStyle/>
-          <a:p>
-            <a:pPr>
-              <a:lnSpc>
-                <a:spcPct val="90000"/>
-              </a:lnSpc>
-            </a:pPr>
-            <a:r>
-              <a:rPr lang="en" sz="3600" dirty="0">
-                <a:solidFill>
-                  <a:schemeClr val="lt2"/>
-                </a:solidFill>
-                <a:latin typeface="Quantico"/>
-                <a:ea typeface="Quantico"/>
-                <a:cs typeface="Quantico"/>
-                <a:sym typeface="Quantico"/>
-              </a:rPr>
-              <a:t>/&gt;</a:t>
-            </a:r>
-            <a:endParaRPr sz="3600" dirty="0">
-              <a:solidFill>
-                <a:schemeClr val="lt2"/>
-              </a:solidFill>
-              <a:latin typeface="Quantico"/>
-              <a:ea typeface="Quantico"/>
-              <a:cs typeface="Quantico"/>
-            </a:endParaRPr>
-          </a:p>
-        </p:txBody>
-      </p:sp>
-    </p:spTree>
-    <p:extLst>
-      <p:ext uri="{BB962C8B-B14F-4D97-AF65-F5344CB8AC3E}">
-        <p14:creationId xmlns:p14="http://schemas.microsoft.com/office/powerpoint/2010/main" val="2311285298"/>
-      </p:ext>
-    </p:extLst>
-  </p:cSld>
-  <p:clrMapOvr>
-    <a:masterClrMapping/>
-  </p:clrMapOvr>
-  <p:timing>
-    <p:tnLst>
-      <p:par>
-        <p:cTn id="1" dur="indefinite" restart="never" nodeType="tmRoot"/>
-      </p:par>
-    </p:tnLst>
-  </p:timing>
-</p:sld>
-</file>
-
-<file path=ppt/slides/slide19.xml><?xml version="1.0" encoding="utf-8"?>
-<p:sld xmlns:a="http://schemas.openxmlformats.org/drawingml/2006/main" xmlns:r="http://schemas.openxmlformats.org/officeDocument/2006/relationships" xmlns:p="http://schemas.openxmlformats.org/presentationml/2006/main">
-  <p:cSld>
-    <p:spTree>
-      <p:nvGrpSpPr>
-        <p:cNvPr id="1" name="Shape 283"/>
-        <p:cNvGrpSpPr/>
-        <p:nvPr/>
-      </p:nvGrpSpPr>
-      <p:grpSpPr>
-        <a:xfrm>
-          <a:off x="0" y="0"/>
-          <a:ext cx="0" cy="0"/>
-          <a:chOff x="0" y="0"/>
-          <a:chExt cx="0" cy="0"/>
-        </a:xfrm>
-      </p:grpSpPr>
       <p:sp>
         <p:nvSpPr>
           <p:cNvPr id="284" name="Google Shape;284;p32"/>
@@ -22350,8 +22187,12 @@
               <a:t>&lt; </a:t>
             </a:r>
             <a:r>
-              <a:rPr lang="pt-BR" dirty="0" smtClean="0"/>
-              <a:t>Pontos de vista: </a:t>
+              <a:rPr lang="pt-BR" dirty="0" err="1"/>
+              <a:t>Cypress</a:t>
+            </a:r>
+            <a:r>
+              <a:rPr lang="en" dirty="0"/>
+              <a:t> </a:t>
             </a:r>
             <a:r>
               <a:rPr lang="en" dirty="0">
@@ -22367,627 +22208,112 @@
       </p:sp>
       <p:sp>
         <p:nvSpPr>
-          <p:cNvPr id="7" name="Google Shape;284;p32"/>
+          <p:cNvPr id="14" name="Google Shape;285;p32"/>
           <p:cNvSpPr txBox="1">
-            <a:spLocks/>
+            <a:spLocks noGrp="1"/>
           </p:cNvSpPr>
-          <p:nvPr/>
+          <p:nvPr>
+            <p:ph type="subTitle" idx="2"/>
+          </p:nvPr>
         </p:nvSpPr>
         <p:spPr>
           <a:xfrm>
-            <a:off x="988503" y="4138499"/>
-            <a:ext cx="7704000" cy="572700"/>
+            <a:off x="719988" y="2287888"/>
+            <a:ext cx="7704000" cy="421800"/>
           </a:xfrm>
           <a:prstGeom prst="rect">
             <a:avLst/>
           </a:prstGeom>
-          <a:noFill/>
-          <a:ln>
-            <a:noFill/>
-          </a:ln>
         </p:spPr>
         <p:txBody>
-          <a:bodyPr spcFirstLastPara="1" wrap="square" lIns="91425" tIns="91425" rIns="91425" bIns="91425" anchor="t" anchorCtr="0">
+          <a:bodyPr spcFirstLastPara="1" wrap="square" lIns="91425" tIns="91425" rIns="91425" bIns="91425" anchor="ctr" anchorCtr="0">
             <a:noAutofit/>
           </a:bodyPr>
-          <a:lstStyle>
-            <a:defPPr marR="0" lvl="0" algn="l" rtl="0">
-              <a:lnSpc>
-                <a:spcPct val="100000"/>
-              </a:lnSpc>
-              <a:spcBef>
-                <a:spcPts val="0"/>
-              </a:spcBef>
-              <a:spcAft>
-                <a:spcPts val="0"/>
-              </a:spcAft>
-            </a:defPPr>
-            <a:lvl1pPr marR="0" lvl="0" algn="l" rtl="0">
-              <a:lnSpc>
-                <a:spcPct val="100000"/>
-              </a:lnSpc>
-              <a:spcBef>
-                <a:spcPts val="0"/>
-              </a:spcBef>
-              <a:spcAft>
-                <a:spcPts val="0"/>
-              </a:spcAft>
-              <a:buClr>
-                <a:schemeClr val="dk1"/>
-              </a:buClr>
-              <a:buSzPts val="3300"/>
-              <a:buFont typeface="Quantico"/>
-              <a:buNone/>
-              <a:defRPr sz="3300" b="0" i="0" u="none" strike="noStrike" cap="none">
-                <a:solidFill>
-                  <a:schemeClr val="dk1"/>
+          <a:lstStyle/>
+          <a:p>
+            <a:pPr marL="0" lvl="0" indent="0"/>
+            <a:r>
+              <a:rPr lang="en" sz="2400" dirty="0">
+                <a:solidFill>
+                  <a:schemeClr val="accent2"/>
                 </a:solidFill>
                 <a:latin typeface="Quantico"/>
                 <a:ea typeface="Quantico"/>
                 <a:cs typeface="Quantico"/>
                 <a:sym typeface="Quantico"/>
-              </a:defRPr>
-            </a:lvl1pPr>
-            <a:lvl2pPr marR="0" lvl="1" algn="l" rtl="0">
-              <a:lnSpc>
-                <a:spcPct val="100000"/>
-              </a:lnSpc>
-              <a:spcBef>
-                <a:spcPts val="0"/>
-              </a:spcBef>
-              <a:spcAft>
-                <a:spcPts val="0"/>
-              </a:spcAft>
-              <a:buClr>
-                <a:schemeClr val="dk1"/>
-              </a:buClr>
-              <a:buSzPts val="3300"/>
-              <a:buFont typeface="Quantico"/>
-              <a:buNone/>
-              <a:defRPr sz="3300" b="1" i="0" u="none" strike="noStrike" cap="none">
-                <a:solidFill>
-                  <a:schemeClr val="dk1"/>
-                </a:solidFill>
+              </a:rPr>
+              <a:t>* </a:t>
+            </a:r>
+            <a:r>
+              <a:rPr lang="en" sz="2200" dirty="0">
                 <a:latin typeface="Quantico"/>
                 <a:ea typeface="Quantico"/>
                 <a:cs typeface="Quantico"/>
                 <a:sym typeface="Quantico"/>
-              </a:defRPr>
-            </a:lvl2pPr>
-            <a:lvl3pPr marR="0" lvl="2" algn="l" rtl="0">
-              <a:lnSpc>
-                <a:spcPct val="100000"/>
-              </a:lnSpc>
-              <a:spcBef>
-                <a:spcPts val="0"/>
-              </a:spcBef>
-              <a:spcAft>
-                <a:spcPts val="0"/>
-              </a:spcAft>
-              <a:buClr>
-                <a:schemeClr val="dk1"/>
-              </a:buClr>
-              <a:buSzPts val="3300"/>
-              <a:buFont typeface="Quantico"/>
-              <a:buNone/>
-              <a:defRPr sz="3300" b="1" i="0" u="none" strike="noStrike" cap="none">
-                <a:solidFill>
-                  <a:schemeClr val="dk1"/>
+              </a:rPr>
+              <a:t>Efetua os testes de ponta a ponta.</a:t>
+            </a:r>
+            <a:endParaRPr sz="2200" dirty="0">
+              <a:latin typeface="Quantico"/>
+              <a:ea typeface="Quantico"/>
+              <a:cs typeface="Quantico"/>
+              <a:sym typeface="Quantico"/>
+            </a:endParaRPr>
+          </a:p>
+        </p:txBody>
+      </p:sp>
+      <p:sp>
+        <p:nvSpPr>
+          <p:cNvPr id="6" name="Google Shape;285;p32"/>
+          <p:cNvSpPr txBox="1">
+            <a:spLocks noGrp="1"/>
+          </p:cNvSpPr>
+          <p:nvPr>
+            <p:ph type="subTitle" idx="2"/>
+          </p:nvPr>
+        </p:nvSpPr>
+        <p:spPr>
+          <a:xfrm>
+            <a:off x="719988" y="2716945"/>
+            <a:ext cx="7704000" cy="421800"/>
+          </a:xfrm>
+          <a:prstGeom prst="rect">
+            <a:avLst/>
+          </a:prstGeom>
+        </p:spPr>
+        <p:txBody>
+          <a:bodyPr spcFirstLastPara="1" wrap="square" lIns="91425" tIns="91425" rIns="91425" bIns="91425" anchor="ctr" anchorCtr="0">
+            <a:noAutofit/>
+          </a:bodyPr>
+          <a:lstStyle/>
+          <a:p>
+            <a:pPr marL="0" lvl="0" indent="0"/>
+            <a:r>
+              <a:rPr lang="en" sz="2400" dirty="0">
+                <a:solidFill>
+                  <a:schemeClr val="accent2"/>
                 </a:solidFill>
                 <a:latin typeface="Quantico"/>
                 <a:ea typeface="Quantico"/>
                 <a:cs typeface="Quantico"/>
                 <a:sym typeface="Quantico"/>
-              </a:defRPr>
-            </a:lvl3pPr>
-            <a:lvl4pPr marR="0" lvl="3" algn="l" rtl="0">
-              <a:lnSpc>
-                <a:spcPct val="100000"/>
-              </a:lnSpc>
-              <a:spcBef>
-                <a:spcPts val="0"/>
-              </a:spcBef>
-              <a:spcAft>
-                <a:spcPts val="0"/>
-              </a:spcAft>
-              <a:buClr>
-                <a:schemeClr val="dk1"/>
-              </a:buClr>
-              <a:buSzPts val="3300"/>
-              <a:buFont typeface="Quantico"/>
-              <a:buNone/>
-              <a:defRPr sz="3300" b="1" i="0" u="none" strike="noStrike" cap="none">
-                <a:solidFill>
-                  <a:schemeClr val="dk1"/>
-                </a:solidFill>
+              </a:rPr>
+              <a:t>* </a:t>
+            </a:r>
+            <a:r>
+              <a:rPr lang="en" sz="2200" dirty="0">
                 <a:latin typeface="Quantico"/>
                 <a:ea typeface="Quantico"/>
                 <a:cs typeface="Quantico"/>
                 <a:sym typeface="Quantico"/>
-              </a:defRPr>
-            </a:lvl4pPr>
-            <a:lvl5pPr marR="0" lvl="4" algn="l" rtl="0">
-              <a:lnSpc>
-                <a:spcPct val="100000"/>
-              </a:lnSpc>
-              <a:spcBef>
-                <a:spcPts val="0"/>
-              </a:spcBef>
-              <a:spcAft>
-                <a:spcPts val="0"/>
-              </a:spcAft>
-              <a:buClr>
-                <a:schemeClr val="dk1"/>
-              </a:buClr>
-              <a:buSzPts val="3300"/>
-              <a:buFont typeface="Quantico"/>
-              <a:buNone/>
-              <a:defRPr sz="3300" b="1" i="0" u="none" strike="noStrike" cap="none">
-                <a:solidFill>
-                  <a:schemeClr val="dk1"/>
-                </a:solidFill>
-                <a:latin typeface="Quantico"/>
-                <a:ea typeface="Quantico"/>
-                <a:cs typeface="Quantico"/>
-                <a:sym typeface="Quantico"/>
-              </a:defRPr>
-            </a:lvl5pPr>
-            <a:lvl6pPr marR="0" lvl="5" algn="l" rtl="0">
-              <a:lnSpc>
-                <a:spcPct val="100000"/>
-              </a:lnSpc>
-              <a:spcBef>
-                <a:spcPts val="0"/>
-              </a:spcBef>
-              <a:spcAft>
-                <a:spcPts val="0"/>
-              </a:spcAft>
-              <a:buClr>
-                <a:schemeClr val="dk1"/>
-              </a:buClr>
-              <a:buSzPts val="3300"/>
-              <a:buFont typeface="Quantico"/>
-              <a:buNone/>
-              <a:defRPr sz="3300" b="1" i="0" u="none" strike="noStrike" cap="none">
-                <a:solidFill>
-                  <a:schemeClr val="dk1"/>
-                </a:solidFill>
-                <a:latin typeface="Quantico"/>
-                <a:ea typeface="Quantico"/>
-                <a:cs typeface="Quantico"/>
-                <a:sym typeface="Quantico"/>
-              </a:defRPr>
-            </a:lvl6pPr>
-            <a:lvl7pPr marR="0" lvl="6" algn="l" rtl="0">
-              <a:lnSpc>
-                <a:spcPct val="100000"/>
-              </a:lnSpc>
-              <a:spcBef>
-                <a:spcPts val="0"/>
-              </a:spcBef>
-              <a:spcAft>
-                <a:spcPts val="0"/>
-              </a:spcAft>
-              <a:buClr>
-                <a:schemeClr val="dk1"/>
-              </a:buClr>
-              <a:buSzPts val="3300"/>
-              <a:buFont typeface="Quantico"/>
-              <a:buNone/>
-              <a:defRPr sz="3300" b="1" i="0" u="none" strike="noStrike" cap="none">
-                <a:solidFill>
-                  <a:schemeClr val="dk1"/>
-                </a:solidFill>
-                <a:latin typeface="Quantico"/>
-                <a:ea typeface="Quantico"/>
-                <a:cs typeface="Quantico"/>
-                <a:sym typeface="Quantico"/>
-              </a:defRPr>
-            </a:lvl7pPr>
-            <a:lvl8pPr marR="0" lvl="7" algn="l" rtl="0">
-              <a:lnSpc>
-                <a:spcPct val="100000"/>
-              </a:lnSpc>
-              <a:spcBef>
-                <a:spcPts val="0"/>
-              </a:spcBef>
-              <a:spcAft>
-                <a:spcPts val="0"/>
-              </a:spcAft>
-              <a:buClr>
-                <a:schemeClr val="dk1"/>
-              </a:buClr>
-              <a:buSzPts val="3300"/>
-              <a:buFont typeface="Quantico"/>
-              <a:buNone/>
-              <a:defRPr sz="3300" b="1" i="0" u="none" strike="noStrike" cap="none">
-                <a:solidFill>
-                  <a:schemeClr val="dk1"/>
-                </a:solidFill>
-                <a:latin typeface="Quantico"/>
-                <a:ea typeface="Quantico"/>
-                <a:cs typeface="Quantico"/>
-                <a:sym typeface="Quantico"/>
-              </a:defRPr>
-            </a:lvl8pPr>
-            <a:lvl9pPr marR="0" lvl="8" algn="l" rtl="0">
-              <a:lnSpc>
-                <a:spcPct val="100000"/>
-              </a:lnSpc>
-              <a:spcBef>
-                <a:spcPts val="0"/>
-              </a:spcBef>
-              <a:spcAft>
-                <a:spcPts val="0"/>
-              </a:spcAft>
-              <a:buClr>
-                <a:schemeClr val="dk1"/>
-              </a:buClr>
-              <a:buSzPts val="3300"/>
-              <a:buFont typeface="Quantico"/>
-              <a:buNone/>
-              <a:defRPr sz="3300" b="1" i="0" u="none" strike="noStrike" cap="none">
-                <a:solidFill>
-                  <a:schemeClr val="dk1"/>
-                </a:solidFill>
-                <a:latin typeface="Quantico"/>
-                <a:ea typeface="Quantico"/>
-                <a:cs typeface="Quantico"/>
-                <a:sym typeface="Quantico"/>
-              </a:defRPr>
-            </a:lvl9pPr>
-          </a:lstStyle>
-          <a:p>
-            <a:pPr algn="r"/>
-            <a:r>
-              <a:rPr lang="pt-BR" sz="1800" dirty="0">
-                <a:solidFill>
-                  <a:schemeClr val="lt2"/>
-                </a:solidFill>
               </a:rPr>
-              <a:t>&lt; </a:t>
-            </a:r>
-            <a:r>
-              <a:rPr lang="pt-BR" sz="1800" dirty="0" smtClean="0"/>
-              <a:t>Inovação</a:t>
-            </a:r>
-            <a:r>
-              <a:rPr lang="pt-BR" sz="1800" dirty="0" smtClean="0"/>
-              <a:t> </a:t>
-            </a:r>
-            <a:r>
-              <a:rPr lang="pt-BR" sz="1800" dirty="0">
-                <a:solidFill>
-                  <a:schemeClr val="lt2"/>
-                </a:solidFill>
-              </a:rPr>
-              <a:t>/&gt;</a:t>
-            </a:r>
-            <a:endParaRPr lang="pt-BR" sz="1800" dirty="0"/>
-          </a:p>
-        </p:txBody>
-      </p:sp>
-      <p:grpSp>
-        <p:nvGrpSpPr>
-          <p:cNvPr id="10" name="Google Shape;214;p27"/>
-          <p:cNvGrpSpPr/>
-          <p:nvPr/>
-        </p:nvGrpSpPr>
-        <p:grpSpPr>
-          <a:xfrm>
-            <a:off x="719988" y="1354576"/>
-            <a:ext cx="7704000" cy="2783923"/>
-            <a:chOff x="1054812" y="1029576"/>
-            <a:chExt cx="3436200" cy="3912641"/>
-          </a:xfrm>
-        </p:grpSpPr>
-        <p:sp>
-          <p:nvSpPr>
-            <p:cNvPr id="11" name="Google Shape;215;p27"/>
-            <p:cNvSpPr/>
-            <p:nvPr/>
-          </p:nvSpPr>
-          <p:spPr>
-            <a:xfrm>
-              <a:off x="1054812" y="1029617"/>
-              <a:ext cx="3436200" cy="3912600"/>
-            </a:xfrm>
-            <a:prstGeom prst="rect">
-              <a:avLst/>
-            </a:prstGeom>
-            <a:solidFill>
-              <a:schemeClr val="lt1"/>
-            </a:solidFill>
-            <a:ln w="9525" cap="flat" cmpd="sng">
-              <a:solidFill>
-                <a:schemeClr val="dk1"/>
-              </a:solidFill>
-              <a:prstDash val="solid"/>
-              <a:round/>
-              <a:headEnd type="none" w="sm" len="sm"/>
-              <a:tailEnd type="none" w="sm" len="sm"/>
-            </a:ln>
-          </p:spPr>
-          <p:txBody>
-            <a:bodyPr spcFirstLastPara="1" wrap="square" lIns="91425" tIns="91425" rIns="91425" bIns="91425" anchor="ctr" anchorCtr="0">
-              <a:noAutofit/>
-            </a:bodyPr>
-            <a:lstStyle/>
-            <a:p>
-              <a:pPr marL="0" lvl="0" indent="0" algn="l" rtl="0">
-                <a:spcBef>
-                  <a:spcPts val="0"/>
-                </a:spcBef>
-                <a:spcAft>
-                  <a:spcPts val="0"/>
-                </a:spcAft>
-                <a:buNone/>
-              </a:pPr>
-              <a:endParaRPr dirty="0">
-                <a:solidFill>
-                  <a:schemeClr val="tx1"/>
-                </a:solidFill>
-              </a:endParaRPr>
-            </a:p>
-          </p:txBody>
-        </p:sp>
-        <p:sp>
-          <p:nvSpPr>
-            <p:cNvPr id="12" name="Google Shape;216;p27"/>
-            <p:cNvSpPr/>
-            <p:nvPr/>
-          </p:nvSpPr>
-          <p:spPr>
-            <a:xfrm>
-              <a:off x="1054812" y="1029576"/>
-              <a:ext cx="3436200" cy="610201"/>
-            </a:xfrm>
-            <a:prstGeom prst="rect">
-              <a:avLst/>
-            </a:prstGeom>
-            <a:solidFill>
-              <a:schemeClr val="lt1"/>
-            </a:solidFill>
-            <a:ln w="9525" cap="flat" cmpd="sng">
-              <a:solidFill>
-                <a:schemeClr val="dk1"/>
-              </a:solidFill>
-              <a:prstDash val="solid"/>
-              <a:round/>
-              <a:headEnd type="none" w="sm" len="sm"/>
-              <a:tailEnd type="none" w="sm" len="sm"/>
-            </a:ln>
-          </p:spPr>
-          <p:txBody>
-            <a:bodyPr spcFirstLastPara="1" wrap="square" lIns="91425" tIns="91425" rIns="91425" bIns="91425" anchor="ctr" anchorCtr="0">
-              <a:noAutofit/>
-            </a:bodyPr>
-            <a:lstStyle/>
-            <a:p>
-              <a:pPr marL="0" lvl="0" indent="0" algn="l" rtl="0">
-                <a:spcBef>
-                  <a:spcPts val="0"/>
-                </a:spcBef>
-                <a:spcAft>
-                  <a:spcPts val="0"/>
-                </a:spcAft>
-                <a:buNone/>
-              </a:pPr>
-              <a:r>
-                <a:rPr lang="pt-BR" sz="1800" dirty="0" smtClean="0">
-                  <a:solidFill>
-                    <a:schemeClr val="dk1"/>
-                  </a:solidFill>
-                  <a:latin typeface="Quantico"/>
-                  <a:ea typeface="Quantico"/>
-                  <a:cs typeface="Quantico"/>
-                  <a:sym typeface="Quantico"/>
-                </a:rPr>
-                <a:t>inovation.js</a:t>
-              </a:r>
-              <a:endParaRPr sz="1800" dirty="0">
-                <a:solidFill>
-                  <a:schemeClr val="dk1"/>
-                </a:solidFill>
-                <a:latin typeface="Quantico"/>
-                <a:ea typeface="Quantico"/>
-                <a:cs typeface="Quantico"/>
-                <a:sym typeface="Quantico"/>
-              </a:endParaRPr>
-            </a:p>
-          </p:txBody>
-        </p:sp>
-      </p:grpSp>
-      <p:sp>
-        <p:nvSpPr>
-          <p:cNvPr id="3" name="CaixaDeTexto 2">
-            <a:extLst>
-              <a:ext uri="{FF2B5EF4-FFF2-40B4-BE49-F238E27FC236}">
-                <a16:creationId xmlns:a16="http://schemas.microsoft.com/office/drawing/2014/main" xmlns="" id="{309B08B6-9145-B3D6-2411-56E137E90BFF}"/>
-              </a:ext>
-            </a:extLst>
-          </p:cNvPr>
-          <p:cNvSpPr txBox="1"/>
-          <p:nvPr/>
-        </p:nvSpPr>
-        <p:spPr>
-          <a:xfrm>
-            <a:off x="847493" y="1937425"/>
-            <a:ext cx="7576493" cy="2246769"/>
-          </a:xfrm>
-          <a:prstGeom prst="rect">
-            <a:avLst/>
-          </a:prstGeom>
-          <a:noFill/>
-        </p:spPr>
-        <p:txBody>
-          <a:bodyPr wrap="square">
-            <a:spAutoFit/>
-          </a:bodyPr>
-          <a:lstStyle/>
-          <a:p>
-            <a:r>
-              <a:rPr lang="en" dirty="0" smtClean="0">
-                <a:solidFill>
-                  <a:schemeClr val="accent2"/>
-                </a:solidFill>
-                <a:latin typeface="+mj-lt"/>
-                <a:sym typeface="Quantico"/>
-              </a:rPr>
-              <a:t>//</a:t>
-            </a:r>
-            <a:r>
-              <a:rPr lang="en" dirty="0" smtClean="0">
-                <a:solidFill>
-                  <a:schemeClr val="accent2"/>
-                </a:solidFill>
-                <a:latin typeface="+mj-lt"/>
-                <a:sym typeface="Quantico"/>
-              </a:rPr>
-              <a:t> </a:t>
-            </a:r>
-            <a:r>
-              <a:rPr lang="en" dirty="0" smtClean="0">
-                <a:solidFill>
-                  <a:schemeClr val="tx1"/>
-                </a:solidFill>
-                <a:latin typeface="+mj-lt"/>
-                <a:sym typeface="Quantico"/>
-              </a:rPr>
-              <a:t>: </a:t>
-            </a:r>
-            <a:r>
-              <a:rPr lang="en" dirty="0" smtClean="0">
-                <a:solidFill>
-                  <a:schemeClr val="tx1"/>
-                </a:solidFill>
-                <a:latin typeface="+mj-lt"/>
-                <a:sym typeface="Quantico"/>
-              </a:rPr>
-              <a:t>Inovação cultural.</a:t>
-            </a:r>
-          </a:p>
-          <a:p>
-            <a:endParaRPr lang="en" dirty="0">
-              <a:solidFill>
-                <a:schemeClr val="tx1"/>
-              </a:solidFill>
-              <a:latin typeface="+mj-lt"/>
+              <a:t>Tem ênfase em testes na camada do front end.</a:t>
+            </a:r>
+            <a:endParaRPr sz="2200" dirty="0">
+              <a:latin typeface="Quantico"/>
+              <a:ea typeface="Quantico"/>
+              <a:cs typeface="Quantico"/>
               <a:sym typeface="Quantico"/>
-            </a:endParaRPr>
-          </a:p>
-          <a:p>
-            <a:r>
-              <a:rPr lang="en" dirty="0">
-                <a:solidFill>
-                  <a:schemeClr val="accent2"/>
-                </a:solidFill>
-                <a:sym typeface="Quantico"/>
-              </a:rPr>
-              <a:t>// </a:t>
-            </a:r>
-            <a:r>
-              <a:rPr lang="en" dirty="0">
-                <a:solidFill>
-                  <a:schemeClr val="tx1"/>
-                </a:solidFill>
-                <a:sym typeface="Quantico"/>
-              </a:rPr>
-              <a:t>: Inovação cultural.</a:t>
-            </a:r>
-          </a:p>
-          <a:p>
-            <a:endParaRPr lang="en" dirty="0" smtClean="0">
-              <a:solidFill>
-                <a:schemeClr val="tx1"/>
-              </a:solidFill>
-              <a:latin typeface="+mj-lt"/>
-              <a:sym typeface="Quantico"/>
-            </a:endParaRPr>
-          </a:p>
-          <a:p>
-            <a:r>
-              <a:rPr lang="en" dirty="0">
-                <a:solidFill>
-                  <a:schemeClr val="accent2"/>
-                </a:solidFill>
-                <a:sym typeface="Quantico"/>
-              </a:rPr>
-              <a:t>// </a:t>
-            </a:r>
-            <a:r>
-              <a:rPr lang="en" dirty="0">
-                <a:solidFill>
-                  <a:schemeClr val="tx1"/>
-                </a:solidFill>
-                <a:sym typeface="Quantico"/>
-              </a:rPr>
-              <a:t>: Inovação cultural.</a:t>
-            </a:r>
-          </a:p>
-          <a:p>
-            <a:endParaRPr lang="en" dirty="0" smtClean="0">
-              <a:solidFill>
-                <a:schemeClr val="tx1"/>
-              </a:solidFill>
-              <a:latin typeface="+mj-lt"/>
-              <a:sym typeface="Quantico"/>
-            </a:endParaRPr>
-          </a:p>
-          <a:p>
-            <a:r>
-              <a:rPr lang="en" dirty="0">
-                <a:solidFill>
-                  <a:schemeClr val="accent2"/>
-                </a:solidFill>
-                <a:sym typeface="Quantico"/>
-              </a:rPr>
-              <a:t>// </a:t>
-            </a:r>
-            <a:r>
-              <a:rPr lang="en" dirty="0">
-                <a:solidFill>
-                  <a:schemeClr val="tx1"/>
-                </a:solidFill>
-                <a:sym typeface="Quantico"/>
-              </a:rPr>
-              <a:t>: Inovação cultural.</a:t>
-            </a:r>
-          </a:p>
-          <a:p>
-            <a:endParaRPr lang="pt-BR" dirty="0">
-              <a:solidFill>
-                <a:schemeClr val="tx1"/>
-              </a:solidFill>
-              <a:latin typeface="+mj-lt"/>
-            </a:endParaRPr>
-          </a:p>
-          <a:p>
-            <a:r>
-              <a:rPr lang="en" dirty="0">
-                <a:solidFill>
-                  <a:schemeClr val="accent2"/>
-                </a:solidFill>
-                <a:sym typeface="Quantico"/>
-              </a:rPr>
-              <a:t>// </a:t>
-            </a:r>
-            <a:r>
-              <a:rPr lang="en" dirty="0">
-                <a:solidFill>
-                  <a:schemeClr val="tx1"/>
-                </a:solidFill>
-                <a:sym typeface="Quantico"/>
-              </a:rPr>
-              <a:t>: Inovação cultural.</a:t>
-            </a:r>
-          </a:p>
-          <a:p>
-            <a:endParaRPr lang="pt-BR" dirty="0">
-              <a:solidFill>
-                <a:schemeClr val="tx1"/>
-              </a:solidFill>
-              <a:latin typeface="+mj-lt"/>
             </a:endParaRPr>
           </a:p>
         </p:txBody>
@@ -22995,7 +22321,7 @@
     </p:spTree>
     <p:extLst>
       <p:ext uri="{BB962C8B-B14F-4D97-AF65-F5344CB8AC3E}">
-        <p14:creationId xmlns:p14="http://schemas.microsoft.com/office/powerpoint/2010/main" val="230926379"/>
+        <p14:creationId xmlns:p14="http://schemas.microsoft.com/office/powerpoint/2010/main" val="1908725892"/>
       </p:ext>
     </p:extLst>
   </p:cSld>
@@ -23012,640 +22338,7 @@
 </p:sld>
 </file>
 
-<file path=ppt/slides/slide2.xml><?xml version="1.0" encoding="utf-8"?>
-<p:sld xmlns:a="http://schemas.openxmlformats.org/drawingml/2006/main" xmlns:r="http://schemas.openxmlformats.org/officeDocument/2006/relationships" xmlns:p="http://schemas.openxmlformats.org/presentationml/2006/main">
-  <p:cSld>
-    <p:spTree>
-      <p:nvGrpSpPr>
-        <p:cNvPr id="1" name="Shape 283"/>
-        <p:cNvGrpSpPr/>
-        <p:nvPr/>
-      </p:nvGrpSpPr>
-      <p:grpSpPr>
-        <a:xfrm>
-          <a:off x="0" y="0"/>
-          <a:ext cx="0" cy="0"/>
-          <a:chOff x="0" y="0"/>
-          <a:chExt cx="0" cy="0"/>
-        </a:xfrm>
-      </p:grpSpPr>
-      <p:sp>
-        <p:nvSpPr>
-          <p:cNvPr id="284" name="Google Shape;284;p32"/>
-          <p:cNvSpPr txBox="1">
-            <a:spLocks noGrp="1"/>
-          </p:cNvSpPr>
-          <p:nvPr>
-            <p:ph type="title"/>
-          </p:nvPr>
-        </p:nvSpPr>
-        <p:spPr>
-          <a:prstGeom prst="rect">
-            <a:avLst/>
-          </a:prstGeom>
-        </p:spPr>
-        <p:txBody>
-          <a:bodyPr spcFirstLastPara="1" wrap="square" lIns="91425" tIns="91425" rIns="91425" bIns="91425" anchor="t" anchorCtr="0">
-            <a:noAutofit/>
-          </a:bodyPr>
-          <a:lstStyle/>
-          <a:p>
-            <a:pPr lvl="0"/>
-            <a:r>
-              <a:rPr lang="en" dirty="0">
-                <a:solidFill>
-                  <a:schemeClr val="lt2"/>
-                </a:solidFill>
-              </a:rPr>
-              <a:t>&lt; </a:t>
-            </a:r>
-            <a:r>
-              <a:rPr lang="en" dirty="0"/>
-              <a:t>Alex Santos </a:t>
-            </a:r>
-            <a:r>
-              <a:rPr lang="en" dirty="0">
-                <a:solidFill>
-                  <a:schemeClr val="lt2"/>
-                </a:solidFill>
-              </a:rPr>
-              <a:t>/&gt;</a:t>
-            </a:r>
-            <a:endParaRPr dirty="0"/>
-          </a:p>
-        </p:txBody>
-      </p:sp>
-      <p:pic>
-        <p:nvPicPr>
-          <p:cNvPr id="3" name="Imagem 2"/>
-          <p:cNvPicPr>
-            <a:picLocks noChangeAspect="1"/>
-          </p:cNvPicPr>
-          <p:nvPr/>
-        </p:nvPicPr>
-        <p:blipFill>
-          <a:blip r:embed="rId3">
-            <a:extLst>
-              <a:ext uri="{28A0092B-C50C-407E-A947-70E740481C1C}">
-                <a14:useLocalDpi xmlns:a14="http://schemas.microsoft.com/office/drawing/2010/main" val="0"/>
-              </a:ext>
-            </a:extLst>
-          </a:blip>
-          <a:stretch>
-            <a:fillRect/>
-          </a:stretch>
-        </p:blipFill>
-        <p:spPr>
-          <a:xfrm>
-            <a:off x="5677477" y="641114"/>
-            <a:ext cx="1892559" cy="1814542"/>
-          </a:xfrm>
-          <a:prstGeom prst="ellipse">
-            <a:avLst/>
-          </a:prstGeom>
-          <a:ln w="63500" cap="rnd">
-            <a:solidFill>
-              <a:srgbClr val="333333"/>
-            </a:solidFill>
-          </a:ln>
-          <a:effectLst>
-            <a:outerShdw blurRad="381000" dist="292100" dir="5400000" sx="-80000" sy="-18000" rotWithShape="0">
-              <a:srgbClr val="000000">
-                <a:alpha val="22000"/>
-              </a:srgbClr>
-            </a:outerShdw>
-          </a:effectLst>
-          <a:scene3d>
-            <a:camera prst="orthographicFront"/>
-            <a:lightRig rig="contrasting" dir="t">
-              <a:rot lat="0" lon="0" rev="3000000"/>
-            </a:lightRig>
-          </a:scene3d>
-          <a:sp3d contourW="7620">
-            <a:bevelT w="95250" h="31750"/>
-            <a:contourClr>
-              <a:srgbClr val="333333"/>
-            </a:contourClr>
-          </a:sp3d>
-        </p:spPr>
-      </p:pic>
-      <p:grpSp>
-        <p:nvGrpSpPr>
-          <p:cNvPr id="14" name="Google Shape;214;p27"/>
-          <p:cNvGrpSpPr/>
-          <p:nvPr/>
-        </p:nvGrpSpPr>
-        <p:grpSpPr>
-          <a:xfrm>
-            <a:off x="652272" y="1548385"/>
-            <a:ext cx="3600462" cy="1658112"/>
-            <a:chOff x="1054812" y="1029576"/>
-            <a:chExt cx="3436200" cy="3912641"/>
-          </a:xfrm>
-        </p:grpSpPr>
-        <p:sp>
-          <p:nvSpPr>
-            <p:cNvPr id="15" name="Google Shape;215;p27"/>
-            <p:cNvSpPr/>
-            <p:nvPr/>
-          </p:nvSpPr>
-          <p:spPr>
-            <a:xfrm>
-              <a:off x="1054812" y="1029616"/>
-              <a:ext cx="3436200" cy="3912601"/>
-            </a:xfrm>
-            <a:prstGeom prst="rect">
-              <a:avLst/>
-            </a:prstGeom>
-            <a:solidFill>
-              <a:schemeClr val="lt1"/>
-            </a:solidFill>
-            <a:ln w="9525" cap="flat" cmpd="sng">
-              <a:solidFill>
-                <a:schemeClr val="dk1"/>
-              </a:solidFill>
-              <a:prstDash val="solid"/>
-              <a:round/>
-              <a:headEnd type="none" w="sm" len="sm"/>
-              <a:tailEnd type="none" w="sm" len="sm"/>
-            </a:ln>
-          </p:spPr>
-          <p:txBody>
-            <a:bodyPr spcFirstLastPara="1" wrap="square" lIns="91425" tIns="91425" rIns="91425" bIns="91425" anchor="ctr" anchorCtr="0">
-              <a:noAutofit/>
-            </a:bodyPr>
-            <a:lstStyle/>
-            <a:p>
-              <a:r>
-                <a:rPr lang="pt-BR" sz="1200" dirty="0">
-                  <a:solidFill>
-                    <a:schemeClr val="dk1"/>
-                  </a:solidFill>
-                  <a:latin typeface="Source Code Pro"/>
-                  <a:ea typeface="Source Code Pro"/>
-                  <a:cs typeface="Source Code Pro"/>
-                  <a:sym typeface="Source Code Pro"/>
-                </a:rPr>
-                <a:t>// Pai de duas </a:t>
-              </a:r>
-              <a:r>
-                <a:rPr lang="pt-BR" sz="1200" dirty="0" err="1" smtClean="0">
-                  <a:solidFill>
-                    <a:schemeClr val="dk1"/>
-                  </a:solidFill>
-                  <a:latin typeface="Source Code Pro"/>
-                  <a:ea typeface="Source Code Pro"/>
-                  <a:cs typeface="Source Code Pro"/>
-                  <a:sym typeface="Source Code Pro"/>
-                </a:rPr>
-                <a:t>brancheszinhas</a:t>
-              </a:r>
-              <a:r>
-                <a:rPr lang="pt-BR" sz="1200" dirty="0" smtClean="0">
-                  <a:solidFill>
-                    <a:schemeClr val="dk1"/>
-                  </a:solidFill>
-                  <a:latin typeface="Source Code Pro"/>
-                  <a:ea typeface="Source Code Pro"/>
-                  <a:cs typeface="Source Code Pro"/>
-                  <a:sym typeface="Source Code Pro"/>
-                </a:rPr>
-                <a:t>;</a:t>
-              </a:r>
-              <a:endParaRPr lang="pt-BR" sz="1200" dirty="0">
-                <a:solidFill>
-                  <a:schemeClr val="dk1"/>
-                </a:solidFill>
-                <a:latin typeface="Source Code Pro"/>
-                <a:ea typeface="Source Code Pro"/>
-                <a:cs typeface="Source Code Pro"/>
-                <a:sym typeface="Source Code Pro"/>
-              </a:endParaRPr>
-            </a:p>
-            <a:p>
-              <a:r>
-                <a:rPr lang="pt-BR" sz="1200" dirty="0">
-                  <a:solidFill>
-                    <a:schemeClr val="dk1"/>
-                  </a:solidFill>
-                  <a:latin typeface="Source Code Pro"/>
-                  <a:ea typeface="Source Code Pro"/>
-                  <a:cs typeface="Source Code Pro"/>
-                  <a:sym typeface="Source Code Pro"/>
-                </a:rPr>
-                <a:t>// </a:t>
-              </a:r>
-              <a:r>
-                <a:rPr lang="pt-BR" sz="1200" dirty="0" smtClean="0">
-                  <a:solidFill>
-                    <a:schemeClr val="dk1"/>
-                  </a:solidFill>
-                  <a:latin typeface="Source Code Pro"/>
-                  <a:ea typeface="Source Code Pro"/>
-                  <a:cs typeface="Source Code Pro"/>
-                  <a:sym typeface="Source Code Pro"/>
-                </a:rPr>
-                <a:t>Músico;</a:t>
-              </a:r>
-              <a:endParaRPr lang="pt-BR" sz="1200" dirty="0">
-                <a:solidFill>
-                  <a:schemeClr val="dk1"/>
-                </a:solidFill>
-                <a:latin typeface="Source Code Pro"/>
-                <a:ea typeface="Source Code Pro"/>
-                <a:cs typeface="Source Code Pro"/>
-                <a:sym typeface="Source Code Pro"/>
-              </a:endParaRPr>
-            </a:p>
-            <a:p>
-              <a:r>
-                <a:rPr lang="pt-BR" sz="1200" dirty="0">
-                  <a:solidFill>
-                    <a:schemeClr val="dk1"/>
-                  </a:solidFill>
-                  <a:latin typeface="Source Code Pro"/>
-                  <a:ea typeface="Source Code Pro"/>
-                  <a:cs typeface="Source Code Pro"/>
-                  <a:sym typeface="Source Code Pro"/>
-                </a:rPr>
-                <a:t>// </a:t>
-              </a:r>
-              <a:r>
-                <a:rPr lang="pt-BR" sz="1200" dirty="0" smtClean="0">
-                  <a:solidFill>
-                    <a:schemeClr val="dk1"/>
-                  </a:solidFill>
-                  <a:latin typeface="Source Code Pro"/>
-                  <a:ea typeface="Source Code Pro"/>
-                  <a:cs typeface="Source Code Pro"/>
-                  <a:sym typeface="Source Code Pro"/>
-                </a:rPr>
-                <a:t>Curioso;</a:t>
-              </a:r>
-            </a:p>
-            <a:p>
-              <a:r>
-                <a:rPr lang="pt-BR" sz="1200" dirty="0" smtClean="0">
-                  <a:solidFill>
-                    <a:schemeClr val="dk1"/>
-                  </a:solidFill>
-                  <a:latin typeface="Source Code Pro"/>
-                  <a:ea typeface="Source Code Pro"/>
-                  <a:cs typeface="Source Code Pro"/>
-                  <a:sym typeface="Source Code Pro"/>
-                </a:rPr>
-                <a:t>// Apaixonado por tecnologia e música.</a:t>
-              </a:r>
-            </a:p>
-          </p:txBody>
-        </p:sp>
-        <p:sp>
-          <p:nvSpPr>
-            <p:cNvPr id="16" name="Google Shape;216;p27"/>
-            <p:cNvSpPr/>
-            <p:nvPr/>
-          </p:nvSpPr>
-          <p:spPr>
-            <a:xfrm>
-              <a:off x="1054812" y="1029576"/>
-              <a:ext cx="3436200" cy="733618"/>
-            </a:xfrm>
-            <a:prstGeom prst="rect">
-              <a:avLst/>
-            </a:prstGeom>
-            <a:solidFill>
-              <a:schemeClr val="lt1"/>
-            </a:solidFill>
-            <a:ln w="9525" cap="flat" cmpd="sng">
-              <a:solidFill>
-                <a:schemeClr val="dk1"/>
-              </a:solidFill>
-              <a:prstDash val="solid"/>
-              <a:round/>
-              <a:headEnd type="none" w="sm" len="sm"/>
-              <a:tailEnd type="none" w="sm" len="sm"/>
-            </a:ln>
-          </p:spPr>
-          <p:txBody>
-            <a:bodyPr spcFirstLastPara="1" wrap="square" lIns="91425" tIns="91425" rIns="91425" bIns="91425" anchor="ctr" anchorCtr="0">
-              <a:noAutofit/>
-            </a:bodyPr>
-            <a:lstStyle/>
-            <a:p>
-              <a:pPr marL="0" lvl="0" indent="0" algn="l" rtl="0">
-                <a:spcBef>
-                  <a:spcPts val="0"/>
-                </a:spcBef>
-                <a:spcAft>
-                  <a:spcPts val="0"/>
-                </a:spcAft>
-                <a:buNone/>
-              </a:pPr>
-              <a:r>
-                <a:rPr lang="pt-BR" sz="1800" dirty="0">
-                  <a:solidFill>
-                    <a:schemeClr val="dk1"/>
-                  </a:solidFill>
-                  <a:latin typeface="Quantico"/>
-                  <a:ea typeface="Quantico"/>
-                  <a:cs typeface="Quantico"/>
-                  <a:sym typeface="Quantico"/>
-                </a:rPr>
-                <a:t>About.java</a:t>
-              </a:r>
-              <a:endParaRPr sz="1800" dirty="0">
-                <a:solidFill>
-                  <a:schemeClr val="dk1"/>
-                </a:solidFill>
-                <a:latin typeface="Quantico"/>
-                <a:ea typeface="Quantico"/>
-                <a:cs typeface="Quantico"/>
-                <a:sym typeface="Quantico"/>
-              </a:endParaRPr>
-            </a:p>
-          </p:txBody>
-        </p:sp>
-      </p:grpSp>
-      <p:grpSp>
-        <p:nvGrpSpPr>
-          <p:cNvPr id="18" name="Google Shape;214;p27"/>
-          <p:cNvGrpSpPr/>
-          <p:nvPr/>
-        </p:nvGrpSpPr>
-        <p:grpSpPr>
-          <a:xfrm>
-            <a:off x="4750755" y="2777576"/>
-            <a:ext cx="3673233" cy="1622544"/>
-            <a:chOff x="985361" y="1029576"/>
-            <a:chExt cx="3505651" cy="3912641"/>
-          </a:xfrm>
-        </p:grpSpPr>
-        <p:sp>
-          <p:nvSpPr>
-            <p:cNvPr id="19" name="Google Shape;215;p27"/>
-            <p:cNvSpPr/>
-            <p:nvPr/>
-          </p:nvSpPr>
-          <p:spPr>
-            <a:xfrm>
-              <a:off x="985361" y="1029616"/>
-              <a:ext cx="3505651" cy="3912601"/>
-            </a:xfrm>
-            <a:prstGeom prst="rect">
-              <a:avLst/>
-            </a:prstGeom>
-            <a:solidFill>
-              <a:schemeClr val="lt1"/>
-            </a:solidFill>
-            <a:ln w="9525" cap="flat" cmpd="sng">
-              <a:solidFill>
-                <a:schemeClr val="dk1"/>
-              </a:solidFill>
-              <a:prstDash val="solid"/>
-              <a:round/>
-              <a:headEnd type="none" w="sm" len="sm"/>
-              <a:tailEnd type="none" w="sm" len="sm"/>
-            </a:ln>
-          </p:spPr>
-          <p:txBody>
-            <a:bodyPr spcFirstLastPara="1" wrap="square" lIns="91425" tIns="91425" rIns="91425" bIns="91425" anchor="ctr" anchorCtr="0">
-              <a:noAutofit/>
-            </a:bodyPr>
-            <a:lstStyle/>
-            <a:p>
-              <a:pPr lvl="0"/>
-              <a:r>
-                <a:rPr lang="en" sz="1200" dirty="0">
-                  <a:solidFill>
-                    <a:schemeClr val="dk1"/>
-                  </a:solidFill>
-                  <a:latin typeface="Source Code Pro"/>
-                  <a:ea typeface="Source Code Pro"/>
-                  <a:cs typeface="Source Code Pro"/>
-                </a:rPr>
-                <a:t>// </a:t>
-              </a:r>
-              <a:r>
-                <a:rPr lang="en" sz="1200" dirty="0" smtClean="0">
-                  <a:solidFill>
-                    <a:schemeClr val="dk1"/>
-                  </a:solidFill>
-                  <a:latin typeface="Source Code Pro"/>
-                  <a:ea typeface="Source Code Pro"/>
-                  <a:cs typeface="Source Code Pro"/>
-                </a:rPr>
-                <a:t>Desenvolvedor Tech lead </a:t>
-              </a:r>
-              <a:r>
-                <a:rPr lang="en" sz="1200" dirty="0" smtClean="0">
-                  <a:solidFill>
-                    <a:schemeClr val="dk1"/>
-                  </a:solidFill>
-                  <a:latin typeface="Source Code Pro"/>
-                  <a:ea typeface="Source Code Pro"/>
-                  <a:cs typeface="Source Code Pro"/>
-                </a:rPr>
-                <a:t>no </a:t>
-              </a:r>
-              <a:r>
-                <a:rPr lang="en" sz="1200" dirty="0">
-                  <a:solidFill>
-                    <a:schemeClr val="dk1"/>
-                  </a:solidFill>
-                  <a:latin typeface="Source Code Pro"/>
-                  <a:ea typeface="Source Code Pro"/>
-                  <a:cs typeface="Source Code Pro"/>
-                </a:rPr>
-                <a:t>Segmento Logístico;</a:t>
-              </a:r>
-            </a:p>
-            <a:p>
-              <a:pPr lvl="0"/>
-              <a:r>
-                <a:rPr lang="en" sz="1200" dirty="0">
-                  <a:solidFill>
-                    <a:schemeClr val="dk1"/>
-                  </a:solidFill>
-                  <a:latin typeface="Source Code Pro"/>
-                  <a:ea typeface="Source Code Pro"/>
-                  <a:cs typeface="Source Code Pro"/>
-                </a:rPr>
-                <a:t>// Stack em Java, Angular, Cloud e </a:t>
-              </a:r>
-              <a:r>
-                <a:rPr lang="en" sz="1200" dirty="0" smtClean="0">
-                  <a:solidFill>
-                    <a:schemeClr val="dk1"/>
-                  </a:solidFill>
-                  <a:latin typeface="Source Code Pro"/>
-                  <a:ea typeface="Source Code Pro"/>
-                  <a:cs typeface="Source Code Pro"/>
-                </a:rPr>
-                <a:t>UX;</a:t>
-              </a:r>
-              <a:endParaRPr lang="en" sz="1200" dirty="0">
-                <a:solidFill>
-                  <a:schemeClr val="dk1"/>
-                </a:solidFill>
-                <a:latin typeface="Source Code Pro"/>
-                <a:ea typeface="Source Code Pro"/>
-                <a:cs typeface="Source Code Pro"/>
-              </a:endParaRPr>
-            </a:p>
-            <a:p>
-              <a:pPr lvl="0"/>
-              <a:r>
-                <a:rPr lang="en" sz="1200" dirty="0">
-                  <a:solidFill>
-                    <a:schemeClr val="dk1"/>
-                  </a:solidFill>
-                  <a:latin typeface="Source Code Pro"/>
-                  <a:ea typeface="Source Code Pro"/>
-                  <a:cs typeface="Source Code Pro"/>
-                </a:rPr>
-                <a:t>// Formação em Desenvolvimento </a:t>
-              </a:r>
-              <a:r>
-                <a:rPr lang="en" sz="1200" dirty="0" smtClean="0">
-                  <a:solidFill>
-                    <a:schemeClr val="dk1"/>
-                  </a:solidFill>
-                  <a:latin typeface="Source Code Pro"/>
-                  <a:ea typeface="Source Code Pro"/>
-                  <a:cs typeface="Source Code Pro"/>
-                </a:rPr>
-                <a:t>Web e UX;</a:t>
-              </a:r>
-            </a:p>
-            <a:p>
-              <a:pPr lvl="0"/>
-              <a:r>
-                <a:rPr lang="en" sz="1200" dirty="0" smtClean="0">
-                  <a:solidFill>
-                    <a:schemeClr val="dk1"/>
-                  </a:solidFill>
-                  <a:latin typeface="Source Code Pro"/>
-                  <a:ea typeface="Source Code Pro"/>
-                  <a:cs typeface="Source Code Pro"/>
-                  <a:sym typeface="Source Code Pro"/>
-                </a:rPr>
-                <a:t>// Mentor voluntário para desenvolvedores;</a:t>
-              </a:r>
-            </a:p>
-            <a:p>
-              <a:pPr lvl="0"/>
-              <a:r>
-                <a:rPr lang="en" sz="1200" dirty="0" smtClean="0">
-                  <a:solidFill>
-                    <a:schemeClr val="dk1"/>
-                  </a:solidFill>
-                  <a:latin typeface="Source Code Pro"/>
-                  <a:ea typeface="Source Code Pro"/>
-                  <a:cs typeface="Source Code Pro"/>
-                  <a:sym typeface="Source Code Pro"/>
-                </a:rPr>
-                <a:t>// Redator do blog TOTVS Developers;</a:t>
-              </a:r>
-              <a:endParaRPr lang="pt-BR" sz="1200" dirty="0">
-                <a:solidFill>
-                  <a:schemeClr val="dk1"/>
-                </a:solidFill>
-                <a:latin typeface="Source Code Pro"/>
-                <a:ea typeface="Source Code Pro"/>
-                <a:cs typeface="Source Code Pro"/>
-                <a:sym typeface="Source Code Pro"/>
-              </a:endParaRPr>
-            </a:p>
-          </p:txBody>
-        </p:sp>
-        <p:sp>
-          <p:nvSpPr>
-            <p:cNvPr id="20" name="Google Shape;216;p27"/>
-            <p:cNvSpPr/>
-            <p:nvPr/>
-          </p:nvSpPr>
-          <p:spPr>
-            <a:xfrm>
-              <a:off x="985361" y="1029576"/>
-              <a:ext cx="3505651" cy="733618"/>
-            </a:xfrm>
-            <a:prstGeom prst="rect">
-              <a:avLst/>
-            </a:prstGeom>
-            <a:solidFill>
-              <a:schemeClr val="lt1"/>
-            </a:solidFill>
-            <a:ln w="9525" cap="flat" cmpd="sng">
-              <a:solidFill>
-                <a:schemeClr val="dk1"/>
-              </a:solidFill>
-              <a:prstDash val="solid"/>
-              <a:round/>
-              <a:headEnd type="none" w="sm" len="sm"/>
-              <a:tailEnd type="none" w="sm" len="sm"/>
-            </a:ln>
-          </p:spPr>
-          <p:txBody>
-            <a:bodyPr spcFirstLastPara="1" wrap="square" lIns="91425" tIns="91425" rIns="91425" bIns="91425" anchor="ctr" anchorCtr="0">
-              <a:noAutofit/>
-            </a:bodyPr>
-            <a:lstStyle/>
-            <a:p>
-              <a:pPr marL="0" lvl="0" indent="0" algn="l" rtl="0">
-                <a:spcBef>
-                  <a:spcPts val="0"/>
-                </a:spcBef>
-                <a:spcAft>
-                  <a:spcPts val="0"/>
-                </a:spcAft>
-                <a:buNone/>
-              </a:pPr>
-              <a:r>
-                <a:rPr lang="pt-BR" sz="1800" dirty="0">
-                  <a:solidFill>
-                    <a:schemeClr val="dk1"/>
-                  </a:solidFill>
-                  <a:latin typeface="Quantico"/>
-                  <a:ea typeface="Quantico"/>
-                  <a:cs typeface="Quantico"/>
-                  <a:sym typeface="Quantico"/>
-                </a:rPr>
-                <a:t>Story.java</a:t>
-              </a:r>
-              <a:endParaRPr sz="1800" dirty="0">
-                <a:solidFill>
-                  <a:schemeClr val="dk1"/>
-                </a:solidFill>
-                <a:latin typeface="Quantico"/>
-                <a:ea typeface="Quantico"/>
-                <a:cs typeface="Quantico"/>
-                <a:sym typeface="Quantico"/>
-              </a:endParaRPr>
-            </a:p>
-          </p:txBody>
-        </p:sp>
-      </p:grpSp>
-    </p:spTree>
-    <p:extLst>
-      <p:ext uri="{BB962C8B-B14F-4D97-AF65-F5344CB8AC3E}">
-        <p14:creationId xmlns:p14="http://schemas.microsoft.com/office/powerpoint/2010/main" val="2237727304"/>
-      </p:ext>
-    </p:extLst>
-  </p:cSld>
-  <p:clrMapOvr>
-    <a:masterClrMapping/>
-  </p:clrMapOvr>
-  <p:timing>
-    <p:tnLst>
-      <p:par>
-        <p:cTn id="1" dur="indefinite" restart="never" nodeType="tmRoot"/>
-      </p:par>
-    </p:tnLst>
-  </p:timing>
-</p:sld>
-</file>
-
-<file path=ppt/slides/slide20.xml><?xml version="1.0" encoding="utf-8"?>
+<file path=ppt/slides/slide19.xml><?xml version="1.0" encoding="utf-8"?>
 <p:sld xmlns:a="http://schemas.openxmlformats.org/drawingml/2006/main" xmlns:r="http://schemas.openxmlformats.org/officeDocument/2006/relationships" xmlns:p="http://schemas.openxmlformats.org/presentationml/2006/main">
   <p:cSld>
     <p:spTree>
@@ -25519,7 +24212,4939 @@
 </p:sld>
 </file>
 
+<file path=ppt/slides/slide2.xml><?xml version="1.0" encoding="utf-8"?>
+<p:sld xmlns:a="http://schemas.openxmlformats.org/drawingml/2006/main" xmlns:r="http://schemas.openxmlformats.org/officeDocument/2006/relationships" xmlns:p="http://schemas.openxmlformats.org/presentationml/2006/main">
+  <p:cSld>
+    <p:spTree>
+      <p:nvGrpSpPr>
+        <p:cNvPr id="1" name="Shape 283"/>
+        <p:cNvGrpSpPr/>
+        <p:nvPr/>
+      </p:nvGrpSpPr>
+      <p:grpSpPr>
+        <a:xfrm>
+          <a:off x="0" y="0"/>
+          <a:ext cx="0" cy="0"/>
+          <a:chOff x="0" y="0"/>
+          <a:chExt cx="0" cy="0"/>
+        </a:xfrm>
+      </p:grpSpPr>
+      <p:sp>
+        <p:nvSpPr>
+          <p:cNvPr id="284" name="Google Shape;284;p32"/>
+          <p:cNvSpPr txBox="1">
+            <a:spLocks noGrp="1"/>
+          </p:cNvSpPr>
+          <p:nvPr>
+            <p:ph type="title"/>
+          </p:nvPr>
+        </p:nvSpPr>
+        <p:spPr>
+          <a:prstGeom prst="rect">
+            <a:avLst/>
+          </a:prstGeom>
+        </p:spPr>
+        <p:txBody>
+          <a:bodyPr spcFirstLastPara="1" wrap="square" lIns="91425" tIns="91425" rIns="91425" bIns="91425" anchor="t" anchorCtr="0">
+            <a:noAutofit/>
+          </a:bodyPr>
+          <a:lstStyle/>
+          <a:p>
+            <a:pPr lvl="0"/>
+            <a:r>
+              <a:rPr lang="en" dirty="0">
+                <a:solidFill>
+                  <a:schemeClr val="lt2"/>
+                </a:solidFill>
+              </a:rPr>
+              <a:t>&lt; </a:t>
+            </a:r>
+            <a:r>
+              <a:rPr lang="en" dirty="0"/>
+              <a:t>Alex Santos </a:t>
+            </a:r>
+            <a:r>
+              <a:rPr lang="en" dirty="0">
+                <a:solidFill>
+                  <a:schemeClr val="lt2"/>
+                </a:solidFill>
+              </a:rPr>
+              <a:t>/&gt;</a:t>
+            </a:r>
+            <a:endParaRPr dirty="0"/>
+          </a:p>
+        </p:txBody>
+      </p:sp>
+      <p:pic>
+        <p:nvPicPr>
+          <p:cNvPr id="3" name="Imagem 2"/>
+          <p:cNvPicPr>
+            <a:picLocks noChangeAspect="1"/>
+          </p:cNvPicPr>
+          <p:nvPr/>
+        </p:nvPicPr>
+        <p:blipFill>
+          <a:blip r:embed="rId3">
+            <a:extLst>
+              <a:ext uri="{28A0092B-C50C-407E-A947-70E740481C1C}">
+                <a14:useLocalDpi xmlns:a14="http://schemas.microsoft.com/office/drawing/2010/main" val="0"/>
+              </a:ext>
+            </a:extLst>
+          </a:blip>
+          <a:stretch>
+            <a:fillRect/>
+          </a:stretch>
+        </p:blipFill>
+        <p:spPr>
+          <a:xfrm>
+            <a:off x="5677477" y="641114"/>
+            <a:ext cx="1892559" cy="1814542"/>
+          </a:xfrm>
+          <a:prstGeom prst="ellipse">
+            <a:avLst/>
+          </a:prstGeom>
+          <a:ln w="63500" cap="rnd">
+            <a:solidFill>
+              <a:srgbClr val="333333"/>
+            </a:solidFill>
+          </a:ln>
+          <a:effectLst>
+            <a:outerShdw blurRad="381000" dist="292100" dir="5400000" sx="-80000" sy="-18000" rotWithShape="0">
+              <a:srgbClr val="000000">
+                <a:alpha val="22000"/>
+              </a:srgbClr>
+            </a:outerShdw>
+          </a:effectLst>
+          <a:scene3d>
+            <a:camera prst="orthographicFront"/>
+            <a:lightRig rig="contrasting" dir="t">
+              <a:rot lat="0" lon="0" rev="3000000"/>
+            </a:lightRig>
+          </a:scene3d>
+          <a:sp3d contourW="7620">
+            <a:bevelT w="95250" h="31750"/>
+            <a:contourClr>
+              <a:srgbClr val="333333"/>
+            </a:contourClr>
+          </a:sp3d>
+        </p:spPr>
+      </p:pic>
+      <p:grpSp>
+        <p:nvGrpSpPr>
+          <p:cNvPr id="14" name="Google Shape;214;p27"/>
+          <p:cNvGrpSpPr/>
+          <p:nvPr/>
+        </p:nvGrpSpPr>
+        <p:grpSpPr>
+          <a:xfrm>
+            <a:off x="652272" y="1548385"/>
+            <a:ext cx="3600462" cy="1658112"/>
+            <a:chOff x="1054812" y="1029576"/>
+            <a:chExt cx="3436200" cy="3912641"/>
+          </a:xfrm>
+        </p:grpSpPr>
+        <p:sp>
+          <p:nvSpPr>
+            <p:cNvPr id="15" name="Google Shape;215;p27"/>
+            <p:cNvSpPr/>
+            <p:nvPr/>
+          </p:nvSpPr>
+          <p:spPr>
+            <a:xfrm>
+              <a:off x="1054812" y="1029616"/>
+              <a:ext cx="3436200" cy="3912601"/>
+            </a:xfrm>
+            <a:prstGeom prst="rect">
+              <a:avLst/>
+            </a:prstGeom>
+            <a:solidFill>
+              <a:schemeClr val="lt1"/>
+            </a:solidFill>
+            <a:ln w="9525" cap="flat" cmpd="sng">
+              <a:solidFill>
+                <a:schemeClr val="dk1"/>
+              </a:solidFill>
+              <a:prstDash val="solid"/>
+              <a:round/>
+              <a:headEnd type="none" w="sm" len="sm"/>
+              <a:tailEnd type="none" w="sm" len="sm"/>
+            </a:ln>
+          </p:spPr>
+          <p:txBody>
+            <a:bodyPr spcFirstLastPara="1" wrap="square" lIns="91425" tIns="91425" rIns="91425" bIns="91425" anchor="ctr" anchorCtr="0">
+              <a:noAutofit/>
+            </a:bodyPr>
+            <a:lstStyle/>
+            <a:p>
+              <a:r>
+                <a:rPr lang="pt-BR" sz="1200" dirty="0">
+                  <a:solidFill>
+                    <a:schemeClr val="dk1"/>
+                  </a:solidFill>
+                  <a:latin typeface="Source Code Pro"/>
+                  <a:ea typeface="Source Code Pro"/>
+                  <a:cs typeface="Source Code Pro"/>
+                  <a:sym typeface="Source Code Pro"/>
+                </a:rPr>
+                <a:t>// Pai de duas </a:t>
+              </a:r>
+              <a:r>
+                <a:rPr lang="pt-BR" sz="1200" dirty="0" err="1" smtClean="0">
+                  <a:solidFill>
+                    <a:schemeClr val="dk1"/>
+                  </a:solidFill>
+                  <a:latin typeface="Source Code Pro"/>
+                  <a:ea typeface="Source Code Pro"/>
+                  <a:cs typeface="Source Code Pro"/>
+                  <a:sym typeface="Source Code Pro"/>
+                </a:rPr>
+                <a:t>brancheszinhas</a:t>
+              </a:r>
+              <a:r>
+                <a:rPr lang="pt-BR" sz="1200" dirty="0" smtClean="0">
+                  <a:solidFill>
+                    <a:schemeClr val="dk1"/>
+                  </a:solidFill>
+                  <a:latin typeface="Source Code Pro"/>
+                  <a:ea typeface="Source Code Pro"/>
+                  <a:cs typeface="Source Code Pro"/>
+                  <a:sym typeface="Source Code Pro"/>
+                </a:rPr>
+                <a:t>;</a:t>
+              </a:r>
+              <a:endParaRPr lang="pt-BR" sz="1200" dirty="0">
+                <a:solidFill>
+                  <a:schemeClr val="dk1"/>
+                </a:solidFill>
+                <a:latin typeface="Source Code Pro"/>
+                <a:ea typeface="Source Code Pro"/>
+                <a:cs typeface="Source Code Pro"/>
+                <a:sym typeface="Source Code Pro"/>
+              </a:endParaRPr>
+            </a:p>
+            <a:p>
+              <a:r>
+                <a:rPr lang="pt-BR" sz="1200" dirty="0">
+                  <a:solidFill>
+                    <a:schemeClr val="dk1"/>
+                  </a:solidFill>
+                  <a:latin typeface="Source Code Pro"/>
+                  <a:ea typeface="Source Code Pro"/>
+                  <a:cs typeface="Source Code Pro"/>
+                  <a:sym typeface="Source Code Pro"/>
+                </a:rPr>
+                <a:t>// </a:t>
+              </a:r>
+              <a:r>
+                <a:rPr lang="pt-BR" sz="1200" dirty="0" smtClean="0">
+                  <a:solidFill>
+                    <a:schemeClr val="dk1"/>
+                  </a:solidFill>
+                  <a:latin typeface="Source Code Pro"/>
+                  <a:ea typeface="Source Code Pro"/>
+                  <a:cs typeface="Source Code Pro"/>
+                  <a:sym typeface="Source Code Pro"/>
+                </a:rPr>
+                <a:t>Músico;</a:t>
+              </a:r>
+              <a:endParaRPr lang="pt-BR" sz="1200" dirty="0">
+                <a:solidFill>
+                  <a:schemeClr val="dk1"/>
+                </a:solidFill>
+                <a:latin typeface="Source Code Pro"/>
+                <a:ea typeface="Source Code Pro"/>
+                <a:cs typeface="Source Code Pro"/>
+                <a:sym typeface="Source Code Pro"/>
+              </a:endParaRPr>
+            </a:p>
+            <a:p>
+              <a:r>
+                <a:rPr lang="pt-BR" sz="1200" dirty="0">
+                  <a:solidFill>
+                    <a:schemeClr val="dk1"/>
+                  </a:solidFill>
+                  <a:latin typeface="Source Code Pro"/>
+                  <a:ea typeface="Source Code Pro"/>
+                  <a:cs typeface="Source Code Pro"/>
+                  <a:sym typeface="Source Code Pro"/>
+                </a:rPr>
+                <a:t>// </a:t>
+              </a:r>
+              <a:r>
+                <a:rPr lang="pt-BR" sz="1200" dirty="0" smtClean="0">
+                  <a:solidFill>
+                    <a:schemeClr val="dk1"/>
+                  </a:solidFill>
+                  <a:latin typeface="Source Code Pro"/>
+                  <a:ea typeface="Source Code Pro"/>
+                  <a:cs typeface="Source Code Pro"/>
+                  <a:sym typeface="Source Code Pro"/>
+                </a:rPr>
+                <a:t>Curioso;</a:t>
+              </a:r>
+            </a:p>
+            <a:p>
+              <a:r>
+                <a:rPr lang="pt-BR" sz="1200" dirty="0" smtClean="0">
+                  <a:solidFill>
+                    <a:schemeClr val="dk1"/>
+                  </a:solidFill>
+                  <a:latin typeface="Source Code Pro"/>
+                  <a:ea typeface="Source Code Pro"/>
+                  <a:cs typeface="Source Code Pro"/>
+                  <a:sym typeface="Source Code Pro"/>
+                </a:rPr>
+                <a:t>// Apaixonado por tecnologia e música.</a:t>
+              </a:r>
+            </a:p>
+          </p:txBody>
+        </p:sp>
+        <p:sp>
+          <p:nvSpPr>
+            <p:cNvPr id="16" name="Google Shape;216;p27"/>
+            <p:cNvSpPr/>
+            <p:nvPr/>
+          </p:nvSpPr>
+          <p:spPr>
+            <a:xfrm>
+              <a:off x="1054812" y="1029576"/>
+              <a:ext cx="3436200" cy="733618"/>
+            </a:xfrm>
+            <a:prstGeom prst="rect">
+              <a:avLst/>
+            </a:prstGeom>
+            <a:solidFill>
+              <a:schemeClr val="lt1"/>
+            </a:solidFill>
+            <a:ln w="9525" cap="flat" cmpd="sng">
+              <a:solidFill>
+                <a:schemeClr val="dk1"/>
+              </a:solidFill>
+              <a:prstDash val="solid"/>
+              <a:round/>
+              <a:headEnd type="none" w="sm" len="sm"/>
+              <a:tailEnd type="none" w="sm" len="sm"/>
+            </a:ln>
+          </p:spPr>
+          <p:txBody>
+            <a:bodyPr spcFirstLastPara="1" wrap="square" lIns="91425" tIns="91425" rIns="91425" bIns="91425" anchor="ctr" anchorCtr="0">
+              <a:noAutofit/>
+            </a:bodyPr>
+            <a:lstStyle/>
+            <a:p>
+              <a:pPr marL="0" lvl="0" indent="0" algn="l" rtl="0">
+                <a:spcBef>
+                  <a:spcPts val="0"/>
+                </a:spcBef>
+                <a:spcAft>
+                  <a:spcPts val="0"/>
+                </a:spcAft>
+                <a:buNone/>
+              </a:pPr>
+              <a:r>
+                <a:rPr lang="pt-BR" sz="1800" dirty="0">
+                  <a:solidFill>
+                    <a:schemeClr val="dk1"/>
+                  </a:solidFill>
+                  <a:latin typeface="Quantico"/>
+                  <a:ea typeface="Quantico"/>
+                  <a:cs typeface="Quantico"/>
+                  <a:sym typeface="Quantico"/>
+                </a:rPr>
+                <a:t>About.java</a:t>
+              </a:r>
+              <a:endParaRPr sz="1800" dirty="0">
+                <a:solidFill>
+                  <a:schemeClr val="dk1"/>
+                </a:solidFill>
+                <a:latin typeface="Quantico"/>
+                <a:ea typeface="Quantico"/>
+                <a:cs typeface="Quantico"/>
+                <a:sym typeface="Quantico"/>
+              </a:endParaRPr>
+            </a:p>
+          </p:txBody>
+        </p:sp>
+      </p:grpSp>
+      <p:grpSp>
+        <p:nvGrpSpPr>
+          <p:cNvPr id="18" name="Google Shape;214;p27"/>
+          <p:cNvGrpSpPr/>
+          <p:nvPr/>
+        </p:nvGrpSpPr>
+        <p:grpSpPr>
+          <a:xfrm>
+            <a:off x="4750755" y="2777576"/>
+            <a:ext cx="3673233" cy="1622544"/>
+            <a:chOff x="985361" y="1029576"/>
+            <a:chExt cx="3505651" cy="3912641"/>
+          </a:xfrm>
+        </p:grpSpPr>
+        <p:sp>
+          <p:nvSpPr>
+            <p:cNvPr id="19" name="Google Shape;215;p27"/>
+            <p:cNvSpPr/>
+            <p:nvPr/>
+          </p:nvSpPr>
+          <p:spPr>
+            <a:xfrm>
+              <a:off x="985361" y="1029616"/>
+              <a:ext cx="3505651" cy="3912601"/>
+            </a:xfrm>
+            <a:prstGeom prst="rect">
+              <a:avLst/>
+            </a:prstGeom>
+            <a:solidFill>
+              <a:schemeClr val="lt1"/>
+            </a:solidFill>
+            <a:ln w="9525" cap="flat" cmpd="sng">
+              <a:solidFill>
+                <a:schemeClr val="dk1"/>
+              </a:solidFill>
+              <a:prstDash val="solid"/>
+              <a:round/>
+              <a:headEnd type="none" w="sm" len="sm"/>
+              <a:tailEnd type="none" w="sm" len="sm"/>
+            </a:ln>
+          </p:spPr>
+          <p:txBody>
+            <a:bodyPr spcFirstLastPara="1" wrap="square" lIns="91425" tIns="91425" rIns="91425" bIns="91425" anchor="ctr" anchorCtr="0">
+              <a:noAutofit/>
+            </a:bodyPr>
+            <a:lstStyle/>
+            <a:p>
+              <a:pPr lvl="0"/>
+              <a:r>
+                <a:rPr lang="en" sz="1200" dirty="0">
+                  <a:solidFill>
+                    <a:schemeClr val="dk1"/>
+                  </a:solidFill>
+                  <a:latin typeface="Source Code Pro"/>
+                  <a:ea typeface="Source Code Pro"/>
+                  <a:cs typeface="Source Code Pro"/>
+                </a:rPr>
+                <a:t>// </a:t>
+              </a:r>
+              <a:r>
+                <a:rPr lang="en" sz="1200" dirty="0" smtClean="0">
+                  <a:solidFill>
+                    <a:schemeClr val="dk1"/>
+                  </a:solidFill>
+                  <a:latin typeface="Source Code Pro"/>
+                  <a:ea typeface="Source Code Pro"/>
+                  <a:cs typeface="Source Code Pro"/>
+                </a:rPr>
+                <a:t>Desenvolvedor Tech lead no </a:t>
+              </a:r>
+              <a:r>
+                <a:rPr lang="en" sz="1200" dirty="0">
+                  <a:solidFill>
+                    <a:schemeClr val="dk1"/>
+                  </a:solidFill>
+                  <a:latin typeface="Source Code Pro"/>
+                  <a:ea typeface="Source Code Pro"/>
+                  <a:cs typeface="Source Code Pro"/>
+                </a:rPr>
+                <a:t>Segmento Logístico;</a:t>
+              </a:r>
+            </a:p>
+            <a:p>
+              <a:pPr lvl="0"/>
+              <a:r>
+                <a:rPr lang="en" sz="1200" dirty="0">
+                  <a:solidFill>
+                    <a:schemeClr val="dk1"/>
+                  </a:solidFill>
+                  <a:latin typeface="Source Code Pro"/>
+                  <a:ea typeface="Source Code Pro"/>
+                  <a:cs typeface="Source Code Pro"/>
+                </a:rPr>
+                <a:t>// Stack em Java, Angular, Cloud e </a:t>
+              </a:r>
+              <a:r>
+                <a:rPr lang="en" sz="1200" dirty="0" smtClean="0">
+                  <a:solidFill>
+                    <a:schemeClr val="dk1"/>
+                  </a:solidFill>
+                  <a:latin typeface="Source Code Pro"/>
+                  <a:ea typeface="Source Code Pro"/>
+                  <a:cs typeface="Source Code Pro"/>
+                </a:rPr>
+                <a:t>UX;</a:t>
+              </a:r>
+              <a:endParaRPr lang="en" sz="1200" dirty="0">
+                <a:solidFill>
+                  <a:schemeClr val="dk1"/>
+                </a:solidFill>
+                <a:latin typeface="Source Code Pro"/>
+                <a:ea typeface="Source Code Pro"/>
+                <a:cs typeface="Source Code Pro"/>
+              </a:endParaRPr>
+            </a:p>
+            <a:p>
+              <a:pPr lvl="0"/>
+              <a:r>
+                <a:rPr lang="en" sz="1200" dirty="0">
+                  <a:solidFill>
+                    <a:schemeClr val="dk1"/>
+                  </a:solidFill>
+                  <a:latin typeface="Source Code Pro"/>
+                  <a:ea typeface="Source Code Pro"/>
+                  <a:cs typeface="Source Code Pro"/>
+                </a:rPr>
+                <a:t>// Formação em Desenvolvimento </a:t>
+              </a:r>
+              <a:r>
+                <a:rPr lang="en" sz="1200" dirty="0" smtClean="0">
+                  <a:solidFill>
+                    <a:schemeClr val="dk1"/>
+                  </a:solidFill>
+                  <a:latin typeface="Source Code Pro"/>
+                  <a:ea typeface="Source Code Pro"/>
+                  <a:cs typeface="Source Code Pro"/>
+                </a:rPr>
+                <a:t>Web e UX;</a:t>
+              </a:r>
+            </a:p>
+            <a:p>
+              <a:pPr lvl="0"/>
+              <a:r>
+                <a:rPr lang="en" sz="1200" dirty="0" smtClean="0">
+                  <a:solidFill>
+                    <a:schemeClr val="dk1"/>
+                  </a:solidFill>
+                  <a:latin typeface="Source Code Pro"/>
+                  <a:ea typeface="Source Code Pro"/>
+                  <a:cs typeface="Source Code Pro"/>
+                  <a:sym typeface="Source Code Pro"/>
+                </a:rPr>
+                <a:t>// Mentor voluntário para desenvolvedores;</a:t>
+              </a:r>
+            </a:p>
+            <a:p>
+              <a:pPr lvl="0"/>
+              <a:r>
+                <a:rPr lang="en" sz="1200" dirty="0" smtClean="0">
+                  <a:solidFill>
+                    <a:schemeClr val="dk1"/>
+                  </a:solidFill>
+                  <a:latin typeface="Source Code Pro"/>
+                  <a:ea typeface="Source Code Pro"/>
+                  <a:cs typeface="Source Code Pro"/>
+                  <a:sym typeface="Source Code Pro"/>
+                </a:rPr>
+                <a:t>// Redator do blog TOTVS Developers;</a:t>
+              </a:r>
+              <a:endParaRPr lang="pt-BR" sz="1200" dirty="0">
+                <a:solidFill>
+                  <a:schemeClr val="dk1"/>
+                </a:solidFill>
+                <a:latin typeface="Source Code Pro"/>
+                <a:ea typeface="Source Code Pro"/>
+                <a:cs typeface="Source Code Pro"/>
+                <a:sym typeface="Source Code Pro"/>
+              </a:endParaRPr>
+            </a:p>
+          </p:txBody>
+        </p:sp>
+        <p:sp>
+          <p:nvSpPr>
+            <p:cNvPr id="20" name="Google Shape;216;p27"/>
+            <p:cNvSpPr/>
+            <p:nvPr/>
+          </p:nvSpPr>
+          <p:spPr>
+            <a:xfrm>
+              <a:off x="985361" y="1029576"/>
+              <a:ext cx="3505651" cy="733618"/>
+            </a:xfrm>
+            <a:prstGeom prst="rect">
+              <a:avLst/>
+            </a:prstGeom>
+            <a:solidFill>
+              <a:schemeClr val="lt1"/>
+            </a:solidFill>
+            <a:ln w="9525" cap="flat" cmpd="sng">
+              <a:solidFill>
+                <a:schemeClr val="dk1"/>
+              </a:solidFill>
+              <a:prstDash val="solid"/>
+              <a:round/>
+              <a:headEnd type="none" w="sm" len="sm"/>
+              <a:tailEnd type="none" w="sm" len="sm"/>
+            </a:ln>
+          </p:spPr>
+          <p:txBody>
+            <a:bodyPr spcFirstLastPara="1" wrap="square" lIns="91425" tIns="91425" rIns="91425" bIns="91425" anchor="ctr" anchorCtr="0">
+              <a:noAutofit/>
+            </a:bodyPr>
+            <a:lstStyle/>
+            <a:p>
+              <a:pPr marL="0" lvl="0" indent="0" algn="l" rtl="0">
+                <a:spcBef>
+                  <a:spcPts val="0"/>
+                </a:spcBef>
+                <a:spcAft>
+                  <a:spcPts val="0"/>
+                </a:spcAft>
+                <a:buNone/>
+              </a:pPr>
+              <a:r>
+                <a:rPr lang="pt-BR" sz="1800" dirty="0">
+                  <a:solidFill>
+                    <a:schemeClr val="dk1"/>
+                  </a:solidFill>
+                  <a:latin typeface="Quantico"/>
+                  <a:ea typeface="Quantico"/>
+                  <a:cs typeface="Quantico"/>
+                  <a:sym typeface="Quantico"/>
+                </a:rPr>
+                <a:t>Story.java</a:t>
+              </a:r>
+              <a:endParaRPr sz="1800" dirty="0">
+                <a:solidFill>
+                  <a:schemeClr val="dk1"/>
+                </a:solidFill>
+                <a:latin typeface="Quantico"/>
+                <a:ea typeface="Quantico"/>
+                <a:cs typeface="Quantico"/>
+                <a:sym typeface="Quantico"/>
+              </a:endParaRPr>
+            </a:p>
+          </p:txBody>
+        </p:sp>
+      </p:grpSp>
+    </p:spTree>
+    <p:extLst>
+      <p:ext uri="{BB962C8B-B14F-4D97-AF65-F5344CB8AC3E}">
+        <p14:creationId xmlns:p14="http://schemas.microsoft.com/office/powerpoint/2010/main" val="2237727304"/>
+      </p:ext>
+    </p:extLst>
+  </p:cSld>
+  <p:clrMapOvr>
+    <a:masterClrMapping/>
+  </p:clrMapOvr>
+  <p:timing>
+    <p:tnLst>
+      <p:par>
+        <p:cTn id="1" dur="indefinite" restart="never" nodeType="tmRoot"/>
+      </p:par>
+    </p:tnLst>
+  </p:timing>
+</p:sld>
+</file>
+
+<file path=ppt/slides/slide20.xml><?xml version="1.0" encoding="utf-8"?>
+<p:sld xmlns:a="http://schemas.openxmlformats.org/drawingml/2006/main" xmlns:r="http://schemas.openxmlformats.org/officeDocument/2006/relationships" xmlns:p="http://schemas.openxmlformats.org/presentationml/2006/main">
+  <p:cSld>
+    <p:spTree>
+      <p:nvGrpSpPr>
+        <p:cNvPr id="1" name="Shape 283"/>
+        <p:cNvGrpSpPr/>
+        <p:nvPr/>
+      </p:nvGrpSpPr>
+      <p:grpSpPr>
+        <a:xfrm>
+          <a:off x="0" y="0"/>
+          <a:ext cx="0" cy="0"/>
+          <a:chOff x="0" y="0"/>
+          <a:chExt cx="0" cy="0"/>
+        </a:xfrm>
+      </p:grpSpPr>
+      <p:grpSp>
+        <p:nvGrpSpPr>
+          <p:cNvPr id="18" name="Google Shape;208;p27"/>
+          <p:cNvGrpSpPr/>
+          <p:nvPr/>
+        </p:nvGrpSpPr>
+        <p:grpSpPr>
+          <a:xfrm>
+            <a:off x="772525" y="726625"/>
+            <a:ext cx="6578100" cy="3438300"/>
+            <a:chOff x="772525" y="726625"/>
+            <a:chExt cx="6578100" cy="3438300"/>
+          </a:xfrm>
+        </p:grpSpPr>
+        <p:sp>
+          <p:nvSpPr>
+            <p:cNvPr id="19" name="Google Shape;209;p27"/>
+            <p:cNvSpPr/>
+            <p:nvPr/>
+          </p:nvSpPr>
+          <p:spPr>
+            <a:xfrm>
+              <a:off x="772525" y="726625"/>
+              <a:ext cx="6578100" cy="3438300"/>
+            </a:xfrm>
+            <a:prstGeom prst="rect">
+              <a:avLst/>
+            </a:prstGeom>
+            <a:solidFill>
+              <a:schemeClr val="lt1"/>
+            </a:solidFill>
+            <a:ln w="9525" cap="flat" cmpd="sng">
+              <a:solidFill>
+                <a:schemeClr val="dk1"/>
+              </a:solidFill>
+              <a:prstDash val="solid"/>
+              <a:round/>
+              <a:headEnd type="none" w="sm" len="sm"/>
+              <a:tailEnd type="none" w="sm" len="sm"/>
+            </a:ln>
+          </p:spPr>
+          <p:txBody>
+            <a:bodyPr spcFirstLastPara="1" wrap="square" lIns="91425" tIns="91425" rIns="91425" bIns="91425" anchor="ctr" anchorCtr="0">
+              <a:noAutofit/>
+            </a:bodyPr>
+            <a:lstStyle/>
+            <a:p>
+              <a:pPr marL="0" lvl="0" indent="0" algn="l" rtl="0">
+                <a:spcBef>
+                  <a:spcPts val="0"/>
+                </a:spcBef>
+                <a:spcAft>
+                  <a:spcPts val="0"/>
+                </a:spcAft>
+                <a:buNone/>
+              </a:pPr>
+              <a:endParaRPr/>
+            </a:p>
+          </p:txBody>
+        </p:sp>
+        <p:sp>
+          <p:nvSpPr>
+            <p:cNvPr id="20" name="Google Shape;210;p27"/>
+            <p:cNvSpPr/>
+            <p:nvPr/>
+          </p:nvSpPr>
+          <p:spPr>
+            <a:xfrm>
+              <a:off x="772525" y="726625"/>
+              <a:ext cx="6578100" cy="255300"/>
+            </a:xfrm>
+            <a:prstGeom prst="rect">
+              <a:avLst/>
+            </a:prstGeom>
+            <a:solidFill>
+              <a:schemeClr val="lt1"/>
+            </a:solidFill>
+            <a:ln w="9525" cap="flat" cmpd="sng">
+              <a:solidFill>
+                <a:schemeClr val="dk1"/>
+              </a:solidFill>
+              <a:prstDash val="solid"/>
+              <a:round/>
+              <a:headEnd type="none" w="sm" len="sm"/>
+              <a:tailEnd type="none" w="sm" len="sm"/>
+            </a:ln>
+          </p:spPr>
+          <p:txBody>
+            <a:bodyPr spcFirstLastPara="1" wrap="square" lIns="91425" tIns="91425" rIns="91425" bIns="91425" anchor="ctr" anchorCtr="0">
+              <a:noAutofit/>
+            </a:bodyPr>
+            <a:lstStyle/>
+            <a:p>
+              <a:pPr marL="0" lvl="0" indent="0" algn="l" rtl="0">
+                <a:spcBef>
+                  <a:spcPts val="0"/>
+                </a:spcBef>
+                <a:spcAft>
+                  <a:spcPts val="0"/>
+                </a:spcAft>
+                <a:buNone/>
+              </a:pPr>
+              <a:endParaRPr/>
+            </a:p>
+          </p:txBody>
+        </p:sp>
+      </p:grpSp>
+      <p:grpSp>
+        <p:nvGrpSpPr>
+          <p:cNvPr id="21" name="Google Shape;214;p27"/>
+          <p:cNvGrpSpPr/>
+          <p:nvPr/>
+        </p:nvGrpSpPr>
+        <p:grpSpPr>
+          <a:xfrm>
+            <a:off x="6849418" y="1309976"/>
+            <a:ext cx="1864833" cy="1637043"/>
+            <a:chOff x="1054812" y="1029590"/>
+            <a:chExt cx="3436214" cy="3912627"/>
+          </a:xfrm>
+        </p:grpSpPr>
+        <p:sp>
+          <p:nvSpPr>
+            <p:cNvPr id="22" name="Google Shape;215;p27"/>
+            <p:cNvSpPr/>
+            <p:nvPr/>
+          </p:nvSpPr>
+          <p:spPr>
+            <a:xfrm>
+              <a:off x="1054812" y="1029617"/>
+              <a:ext cx="3436200" cy="3912600"/>
+            </a:xfrm>
+            <a:prstGeom prst="rect">
+              <a:avLst/>
+            </a:prstGeom>
+            <a:solidFill>
+              <a:schemeClr val="lt1"/>
+            </a:solidFill>
+            <a:ln w="9525" cap="flat" cmpd="sng">
+              <a:solidFill>
+                <a:schemeClr val="dk1"/>
+              </a:solidFill>
+              <a:prstDash val="solid"/>
+              <a:round/>
+              <a:headEnd type="none" w="sm" len="sm"/>
+              <a:tailEnd type="none" w="sm" len="sm"/>
+            </a:ln>
+          </p:spPr>
+          <p:txBody>
+            <a:bodyPr spcFirstLastPara="1" wrap="square" lIns="91425" tIns="91425" rIns="91425" bIns="91425" anchor="ctr" anchorCtr="0">
+              <a:noAutofit/>
+            </a:bodyPr>
+            <a:lstStyle/>
+            <a:p>
+              <a:pPr marL="0" lvl="0" indent="0" algn="l" rtl="0">
+                <a:spcBef>
+                  <a:spcPts val="0"/>
+                </a:spcBef>
+                <a:spcAft>
+                  <a:spcPts val="0"/>
+                </a:spcAft>
+                <a:buNone/>
+              </a:pPr>
+              <a:endParaRPr/>
+            </a:p>
+          </p:txBody>
+        </p:sp>
+        <p:sp>
+          <p:nvSpPr>
+            <p:cNvPr id="23" name="Google Shape;216;p27"/>
+            <p:cNvSpPr/>
+            <p:nvPr/>
+          </p:nvSpPr>
+          <p:spPr>
+            <a:xfrm>
+              <a:off x="1054825" y="1029590"/>
+              <a:ext cx="3436200" cy="610200"/>
+            </a:xfrm>
+            <a:prstGeom prst="rect">
+              <a:avLst/>
+            </a:prstGeom>
+            <a:solidFill>
+              <a:schemeClr val="lt1"/>
+            </a:solidFill>
+            <a:ln w="9525" cap="flat" cmpd="sng">
+              <a:solidFill>
+                <a:schemeClr val="dk1"/>
+              </a:solidFill>
+              <a:prstDash val="solid"/>
+              <a:round/>
+              <a:headEnd type="none" w="sm" len="sm"/>
+              <a:tailEnd type="none" w="sm" len="sm"/>
+            </a:ln>
+          </p:spPr>
+          <p:txBody>
+            <a:bodyPr spcFirstLastPara="1" wrap="square" lIns="91425" tIns="91425" rIns="91425" bIns="91425" anchor="ctr" anchorCtr="0">
+              <a:noAutofit/>
+            </a:bodyPr>
+            <a:lstStyle/>
+            <a:p>
+              <a:pPr marL="0" lvl="0" indent="0" algn="l" rtl="0">
+                <a:spcBef>
+                  <a:spcPts val="0"/>
+                </a:spcBef>
+                <a:spcAft>
+                  <a:spcPts val="0"/>
+                </a:spcAft>
+                <a:buNone/>
+              </a:pPr>
+              <a:endParaRPr/>
+            </a:p>
+          </p:txBody>
+        </p:sp>
+      </p:grpSp>
+      <p:sp>
+        <p:nvSpPr>
+          <p:cNvPr id="24" name="Google Shape;219;p27"/>
+          <p:cNvSpPr txBox="1"/>
+          <p:nvPr/>
+        </p:nvSpPr>
+        <p:spPr>
+          <a:xfrm>
+            <a:off x="6950816" y="1873600"/>
+            <a:ext cx="1636294" cy="746100"/>
+          </a:xfrm>
+          <a:prstGeom prst="rect">
+            <a:avLst/>
+          </a:prstGeom>
+          <a:noFill/>
+          <a:ln>
+            <a:noFill/>
+          </a:ln>
+        </p:spPr>
+        <p:txBody>
+          <a:bodyPr spcFirstLastPara="1" wrap="square" lIns="91425" tIns="91425" rIns="91425" bIns="91425" anchor="t" anchorCtr="0">
+            <a:noAutofit/>
+          </a:bodyPr>
+          <a:lstStyle/>
+          <a:p>
+            <a:pPr algn="ctr">
+              <a:lnSpc>
+                <a:spcPct val="90000"/>
+              </a:lnSpc>
+            </a:pPr>
+            <a:r>
+              <a:rPr lang="en" sz="3200" dirty="0" smtClean="0">
+                <a:solidFill>
+                  <a:schemeClr val="accent1"/>
+                </a:solidFill>
+              </a:rPr>
+              <a:t>&lt;/&gt;</a:t>
+            </a:r>
+            <a:endParaRPr lang="en" sz="3200" dirty="0">
+              <a:solidFill>
+                <a:schemeClr val="accent1"/>
+              </a:solidFill>
+            </a:endParaRPr>
+          </a:p>
+          <a:p>
+            <a:pPr marL="0" lvl="0" indent="0" algn="ctr" rtl="0">
+              <a:lnSpc>
+                <a:spcPct val="90000"/>
+              </a:lnSpc>
+              <a:spcBef>
+                <a:spcPts val="0"/>
+              </a:spcBef>
+              <a:spcAft>
+                <a:spcPts val="0"/>
+              </a:spcAft>
+              <a:buNone/>
+            </a:pPr>
+            <a:endParaRPr sz="3600" dirty="0">
+              <a:solidFill>
+                <a:schemeClr val="accent1"/>
+              </a:solidFill>
+            </a:endParaRPr>
+          </a:p>
+        </p:txBody>
+      </p:sp>
+      <p:sp>
+        <p:nvSpPr>
+          <p:cNvPr id="32" name="Google Shape;220;p27"/>
+          <p:cNvSpPr txBox="1">
+            <a:spLocks/>
+          </p:cNvSpPr>
+          <p:nvPr/>
+        </p:nvSpPr>
+        <p:spPr>
+          <a:xfrm>
+            <a:off x="1161910" y="1322829"/>
+            <a:ext cx="5399527" cy="1114275"/>
+          </a:xfrm>
+          <a:prstGeom prst="rect">
+            <a:avLst/>
+          </a:prstGeom>
+          <a:noFill/>
+          <a:ln>
+            <a:noFill/>
+          </a:ln>
+        </p:spPr>
+        <p:txBody>
+          <a:bodyPr spcFirstLastPara="1" wrap="square" lIns="91425" tIns="91425" rIns="91425" bIns="91425" anchor="t" anchorCtr="0">
+            <a:noAutofit/>
+          </a:bodyPr>
+          <a:lstStyle>
+            <a:defPPr marR="0" lvl="0" algn="l" rtl="0">
+              <a:lnSpc>
+                <a:spcPct val="100000"/>
+              </a:lnSpc>
+              <a:spcBef>
+                <a:spcPts val="0"/>
+              </a:spcBef>
+              <a:spcAft>
+                <a:spcPts val="0"/>
+              </a:spcAft>
+            </a:defPPr>
+            <a:lvl1pPr marR="0" lvl="0" algn="l" rtl="0">
+              <a:lnSpc>
+                <a:spcPct val="100000"/>
+              </a:lnSpc>
+              <a:spcBef>
+                <a:spcPts val="0"/>
+              </a:spcBef>
+              <a:spcAft>
+                <a:spcPts val="0"/>
+              </a:spcAft>
+              <a:buClr>
+                <a:schemeClr val="dk1"/>
+              </a:buClr>
+              <a:buSzPts val="3300"/>
+              <a:buFont typeface="Quantico"/>
+              <a:buNone/>
+              <a:defRPr sz="3300" b="0" i="0" u="none" strike="noStrike" cap="none">
+                <a:solidFill>
+                  <a:schemeClr val="dk1"/>
+                </a:solidFill>
+                <a:latin typeface="Quantico"/>
+                <a:ea typeface="Quantico"/>
+                <a:cs typeface="Quantico"/>
+                <a:sym typeface="Quantico"/>
+              </a:defRPr>
+            </a:lvl1pPr>
+            <a:lvl2pPr marR="0" lvl="1" algn="l" rtl="0">
+              <a:lnSpc>
+                <a:spcPct val="100000"/>
+              </a:lnSpc>
+              <a:spcBef>
+                <a:spcPts val="0"/>
+              </a:spcBef>
+              <a:spcAft>
+                <a:spcPts val="0"/>
+              </a:spcAft>
+              <a:buClr>
+                <a:schemeClr val="dk1"/>
+              </a:buClr>
+              <a:buSzPts val="3300"/>
+              <a:buFont typeface="Quantico"/>
+              <a:buNone/>
+              <a:defRPr sz="3300" b="1" i="0" u="none" strike="noStrike" cap="none">
+                <a:solidFill>
+                  <a:schemeClr val="dk1"/>
+                </a:solidFill>
+                <a:latin typeface="Quantico"/>
+                <a:ea typeface="Quantico"/>
+                <a:cs typeface="Quantico"/>
+                <a:sym typeface="Quantico"/>
+              </a:defRPr>
+            </a:lvl2pPr>
+            <a:lvl3pPr marR="0" lvl="2" algn="l" rtl="0">
+              <a:lnSpc>
+                <a:spcPct val="100000"/>
+              </a:lnSpc>
+              <a:spcBef>
+                <a:spcPts val="0"/>
+              </a:spcBef>
+              <a:spcAft>
+                <a:spcPts val="0"/>
+              </a:spcAft>
+              <a:buClr>
+                <a:schemeClr val="dk1"/>
+              </a:buClr>
+              <a:buSzPts val="3300"/>
+              <a:buFont typeface="Quantico"/>
+              <a:buNone/>
+              <a:defRPr sz="3300" b="1" i="0" u="none" strike="noStrike" cap="none">
+                <a:solidFill>
+                  <a:schemeClr val="dk1"/>
+                </a:solidFill>
+                <a:latin typeface="Quantico"/>
+                <a:ea typeface="Quantico"/>
+                <a:cs typeface="Quantico"/>
+                <a:sym typeface="Quantico"/>
+              </a:defRPr>
+            </a:lvl3pPr>
+            <a:lvl4pPr marR="0" lvl="3" algn="l" rtl="0">
+              <a:lnSpc>
+                <a:spcPct val="100000"/>
+              </a:lnSpc>
+              <a:spcBef>
+                <a:spcPts val="0"/>
+              </a:spcBef>
+              <a:spcAft>
+                <a:spcPts val="0"/>
+              </a:spcAft>
+              <a:buClr>
+                <a:schemeClr val="dk1"/>
+              </a:buClr>
+              <a:buSzPts val="3300"/>
+              <a:buFont typeface="Quantico"/>
+              <a:buNone/>
+              <a:defRPr sz="3300" b="1" i="0" u="none" strike="noStrike" cap="none">
+                <a:solidFill>
+                  <a:schemeClr val="dk1"/>
+                </a:solidFill>
+                <a:latin typeface="Quantico"/>
+                <a:ea typeface="Quantico"/>
+                <a:cs typeface="Quantico"/>
+                <a:sym typeface="Quantico"/>
+              </a:defRPr>
+            </a:lvl4pPr>
+            <a:lvl5pPr marR="0" lvl="4" algn="l" rtl="0">
+              <a:lnSpc>
+                <a:spcPct val="100000"/>
+              </a:lnSpc>
+              <a:spcBef>
+                <a:spcPts val="0"/>
+              </a:spcBef>
+              <a:spcAft>
+                <a:spcPts val="0"/>
+              </a:spcAft>
+              <a:buClr>
+                <a:schemeClr val="dk1"/>
+              </a:buClr>
+              <a:buSzPts val="3300"/>
+              <a:buFont typeface="Quantico"/>
+              <a:buNone/>
+              <a:defRPr sz="3300" b="1" i="0" u="none" strike="noStrike" cap="none">
+                <a:solidFill>
+                  <a:schemeClr val="dk1"/>
+                </a:solidFill>
+                <a:latin typeface="Quantico"/>
+                <a:ea typeface="Quantico"/>
+                <a:cs typeface="Quantico"/>
+                <a:sym typeface="Quantico"/>
+              </a:defRPr>
+            </a:lvl5pPr>
+            <a:lvl6pPr marR="0" lvl="5" algn="l" rtl="0">
+              <a:lnSpc>
+                <a:spcPct val="100000"/>
+              </a:lnSpc>
+              <a:spcBef>
+                <a:spcPts val="0"/>
+              </a:spcBef>
+              <a:spcAft>
+                <a:spcPts val="0"/>
+              </a:spcAft>
+              <a:buClr>
+                <a:schemeClr val="dk1"/>
+              </a:buClr>
+              <a:buSzPts val="3300"/>
+              <a:buFont typeface="Quantico"/>
+              <a:buNone/>
+              <a:defRPr sz="3300" b="1" i="0" u="none" strike="noStrike" cap="none">
+                <a:solidFill>
+                  <a:schemeClr val="dk1"/>
+                </a:solidFill>
+                <a:latin typeface="Quantico"/>
+                <a:ea typeface="Quantico"/>
+                <a:cs typeface="Quantico"/>
+                <a:sym typeface="Quantico"/>
+              </a:defRPr>
+            </a:lvl6pPr>
+            <a:lvl7pPr marR="0" lvl="6" algn="l" rtl="0">
+              <a:lnSpc>
+                <a:spcPct val="100000"/>
+              </a:lnSpc>
+              <a:spcBef>
+                <a:spcPts val="0"/>
+              </a:spcBef>
+              <a:spcAft>
+                <a:spcPts val="0"/>
+              </a:spcAft>
+              <a:buClr>
+                <a:schemeClr val="dk1"/>
+              </a:buClr>
+              <a:buSzPts val="3300"/>
+              <a:buFont typeface="Quantico"/>
+              <a:buNone/>
+              <a:defRPr sz="3300" b="1" i="0" u="none" strike="noStrike" cap="none">
+                <a:solidFill>
+                  <a:schemeClr val="dk1"/>
+                </a:solidFill>
+                <a:latin typeface="Quantico"/>
+                <a:ea typeface="Quantico"/>
+                <a:cs typeface="Quantico"/>
+                <a:sym typeface="Quantico"/>
+              </a:defRPr>
+            </a:lvl7pPr>
+            <a:lvl8pPr marR="0" lvl="7" algn="l" rtl="0">
+              <a:lnSpc>
+                <a:spcPct val="100000"/>
+              </a:lnSpc>
+              <a:spcBef>
+                <a:spcPts val="0"/>
+              </a:spcBef>
+              <a:spcAft>
+                <a:spcPts val="0"/>
+              </a:spcAft>
+              <a:buClr>
+                <a:schemeClr val="dk1"/>
+              </a:buClr>
+              <a:buSzPts val="3300"/>
+              <a:buFont typeface="Quantico"/>
+              <a:buNone/>
+              <a:defRPr sz="3300" b="1" i="0" u="none" strike="noStrike" cap="none">
+                <a:solidFill>
+                  <a:schemeClr val="dk1"/>
+                </a:solidFill>
+                <a:latin typeface="Quantico"/>
+                <a:ea typeface="Quantico"/>
+                <a:cs typeface="Quantico"/>
+                <a:sym typeface="Quantico"/>
+              </a:defRPr>
+            </a:lvl8pPr>
+            <a:lvl9pPr marR="0" lvl="8" algn="l" rtl="0">
+              <a:lnSpc>
+                <a:spcPct val="100000"/>
+              </a:lnSpc>
+              <a:spcBef>
+                <a:spcPts val="0"/>
+              </a:spcBef>
+              <a:spcAft>
+                <a:spcPts val="0"/>
+              </a:spcAft>
+              <a:buClr>
+                <a:schemeClr val="dk1"/>
+              </a:buClr>
+              <a:buSzPts val="3300"/>
+              <a:buFont typeface="Quantico"/>
+              <a:buNone/>
+              <a:defRPr sz="3300" b="1" i="0" u="none" strike="noStrike" cap="none">
+                <a:solidFill>
+                  <a:schemeClr val="dk1"/>
+                </a:solidFill>
+                <a:latin typeface="Quantico"/>
+                <a:ea typeface="Quantico"/>
+                <a:cs typeface="Quantico"/>
+                <a:sym typeface="Quantico"/>
+              </a:defRPr>
+            </a:lvl9pPr>
+          </a:lstStyle>
+          <a:p>
+            <a:r>
+              <a:rPr lang="en-US" dirty="0" err="1" smtClean="0"/>
+              <a:t>Inovações</a:t>
+            </a:r>
+            <a:r>
+              <a:rPr lang="en-US" dirty="0" smtClean="0"/>
+              <a:t> </a:t>
+            </a:r>
+            <a:r>
+              <a:rPr lang="en-US" dirty="0" err="1" smtClean="0"/>
+              <a:t>não</a:t>
+            </a:r>
+            <a:r>
+              <a:rPr lang="en-US" dirty="0" smtClean="0"/>
+              <a:t> </a:t>
+            </a:r>
+            <a:r>
+              <a:rPr lang="en-US" dirty="0" err="1" smtClean="0"/>
+              <a:t>precisam</a:t>
+            </a:r>
+            <a:r>
+              <a:rPr lang="en-US" dirty="0" smtClean="0"/>
+              <a:t> </a:t>
+            </a:r>
+            <a:r>
+              <a:rPr lang="en-US" dirty="0" err="1" smtClean="0"/>
+              <a:t>ser</a:t>
+            </a:r>
+            <a:r>
+              <a:rPr lang="en-US" dirty="0" smtClean="0"/>
+              <a:t> </a:t>
+            </a:r>
+            <a:r>
+              <a:rPr lang="en-US" dirty="0" err="1" smtClean="0"/>
+              <a:t>grandes</a:t>
+            </a:r>
+            <a:r>
+              <a:rPr lang="en-US" dirty="0" smtClean="0"/>
+              <a:t> para </a:t>
+            </a:r>
+            <a:r>
+              <a:rPr lang="en-US" dirty="0" err="1" smtClean="0"/>
+              <a:t>causarem</a:t>
+            </a:r>
+            <a:r>
+              <a:rPr lang="en-US" dirty="0" smtClean="0"/>
+              <a:t> </a:t>
+            </a:r>
+            <a:r>
+              <a:rPr lang="en-US" dirty="0" err="1" smtClean="0"/>
+              <a:t>impactos</a:t>
+            </a:r>
+            <a:r>
+              <a:rPr lang="en-US" dirty="0" smtClean="0"/>
+              <a:t>!</a:t>
+            </a:r>
+            <a:endParaRPr lang="en-US" dirty="0">
+              <a:solidFill>
+                <a:schemeClr val="accent2"/>
+              </a:solidFill>
+            </a:endParaRPr>
+          </a:p>
+        </p:txBody>
+      </p:sp>
+      <p:sp>
+        <p:nvSpPr>
+          <p:cNvPr id="34" name="Google Shape;217;p27"/>
+          <p:cNvSpPr txBox="1"/>
+          <p:nvPr/>
+        </p:nvSpPr>
+        <p:spPr>
+          <a:xfrm>
+            <a:off x="794864" y="1404650"/>
+            <a:ext cx="702900" cy="606900"/>
+          </a:xfrm>
+          <a:prstGeom prst="rect">
+            <a:avLst/>
+          </a:prstGeom>
+          <a:noFill/>
+          <a:ln>
+            <a:noFill/>
+          </a:ln>
+        </p:spPr>
+        <p:txBody>
+          <a:bodyPr spcFirstLastPara="1" wrap="square" lIns="91425" tIns="91425" rIns="91425" bIns="91425" anchor="ctr" anchorCtr="0">
+            <a:noAutofit/>
+          </a:bodyPr>
+          <a:lstStyle/>
+          <a:p>
+            <a:pPr marL="0" lvl="0" indent="0" algn="l" rtl="0">
+              <a:lnSpc>
+                <a:spcPct val="90000"/>
+              </a:lnSpc>
+              <a:spcBef>
+                <a:spcPts val="0"/>
+              </a:spcBef>
+              <a:spcAft>
+                <a:spcPts val="0"/>
+              </a:spcAft>
+              <a:buNone/>
+            </a:pPr>
+            <a:r>
+              <a:rPr lang="en" sz="3600" dirty="0">
+                <a:solidFill>
+                  <a:schemeClr val="lt2"/>
+                </a:solidFill>
+                <a:latin typeface="Quantico"/>
+                <a:ea typeface="Quantico"/>
+                <a:cs typeface="Quantico"/>
+                <a:sym typeface="Quantico"/>
+              </a:rPr>
+              <a:t>&lt;</a:t>
+            </a:r>
+            <a:endParaRPr sz="3600" dirty="0">
+              <a:solidFill>
+                <a:schemeClr val="lt2"/>
+              </a:solidFill>
+            </a:endParaRPr>
+          </a:p>
+        </p:txBody>
+      </p:sp>
+      <p:sp>
+        <p:nvSpPr>
+          <p:cNvPr id="36" name="Google Shape;218;p27"/>
+          <p:cNvSpPr txBox="1"/>
+          <p:nvPr/>
+        </p:nvSpPr>
+        <p:spPr>
+          <a:xfrm>
+            <a:off x="3094704" y="2429983"/>
+            <a:ext cx="702900" cy="606900"/>
+          </a:xfrm>
+          <a:prstGeom prst="rect">
+            <a:avLst/>
+          </a:prstGeom>
+          <a:noFill/>
+          <a:ln>
+            <a:noFill/>
+          </a:ln>
+        </p:spPr>
+        <p:txBody>
+          <a:bodyPr spcFirstLastPara="1" wrap="square" lIns="91425" tIns="91425" rIns="91425" bIns="91425" anchor="ctr" anchorCtr="0">
+            <a:noAutofit/>
+          </a:bodyPr>
+          <a:lstStyle/>
+          <a:p>
+            <a:pPr>
+              <a:lnSpc>
+                <a:spcPct val="90000"/>
+              </a:lnSpc>
+            </a:pPr>
+            <a:r>
+              <a:rPr lang="en" sz="3600" dirty="0">
+                <a:solidFill>
+                  <a:schemeClr val="lt2"/>
+                </a:solidFill>
+                <a:latin typeface="Quantico"/>
+                <a:ea typeface="Quantico"/>
+                <a:cs typeface="Quantico"/>
+                <a:sym typeface="Quantico"/>
+              </a:rPr>
+              <a:t>/&gt;</a:t>
+            </a:r>
+            <a:endParaRPr sz="3600" dirty="0">
+              <a:solidFill>
+                <a:schemeClr val="lt2"/>
+              </a:solidFill>
+              <a:latin typeface="Quantico"/>
+              <a:ea typeface="Quantico"/>
+              <a:cs typeface="Quantico"/>
+            </a:endParaRPr>
+          </a:p>
+        </p:txBody>
+      </p:sp>
+    </p:spTree>
+    <p:extLst>
+      <p:ext uri="{BB962C8B-B14F-4D97-AF65-F5344CB8AC3E}">
+        <p14:creationId xmlns:p14="http://schemas.microsoft.com/office/powerpoint/2010/main" val="2311285298"/>
+      </p:ext>
+    </p:extLst>
+  </p:cSld>
+  <p:clrMapOvr>
+    <a:masterClrMapping/>
+  </p:clrMapOvr>
+  <p:timing>
+    <p:tnLst>
+      <p:par>
+        <p:cTn id="1" dur="indefinite" restart="never" nodeType="tmRoot"/>
+      </p:par>
+    </p:tnLst>
+  </p:timing>
+</p:sld>
+</file>
+
 <file path=ppt/slides/slide21.xml><?xml version="1.0" encoding="utf-8"?>
+<p:sld xmlns:a="http://schemas.openxmlformats.org/drawingml/2006/main" xmlns:r="http://schemas.openxmlformats.org/officeDocument/2006/relationships" xmlns:p="http://schemas.openxmlformats.org/presentationml/2006/main">
+  <p:cSld>
+    <p:spTree>
+      <p:nvGrpSpPr>
+        <p:cNvPr id="1" name="Shape 283"/>
+        <p:cNvGrpSpPr/>
+        <p:nvPr/>
+      </p:nvGrpSpPr>
+      <p:grpSpPr>
+        <a:xfrm>
+          <a:off x="0" y="0"/>
+          <a:ext cx="0" cy="0"/>
+          <a:chOff x="0" y="0"/>
+          <a:chExt cx="0" cy="0"/>
+        </a:xfrm>
+      </p:grpSpPr>
+      <p:sp>
+        <p:nvSpPr>
+          <p:cNvPr id="284" name="Google Shape;284;p32"/>
+          <p:cNvSpPr txBox="1">
+            <a:spLocks noGrp="1"/>
+          </p:cNvSpPr>
+          <p:nvPr>
+            <p:ph type="title"/>
+          </p:nvPr>
+        </p:nvSpPr>
+        <p:spPr>
+          <a:xfrm>
+            <a:off x="474388" y="459128"/>
+            <a:ext cx="8147098" cy="572700"/>
+          </a:xfrm>
+          <a:prstGeom prst="rect">
+            <a:avLst/>
+          </a:prstGeom>
+        </p:spPr>
+        <p:txBody>
+          <a:bodyPr spcFirstLastPara="1" wrap="square" lIns="91425" tIns="91425" rIns="91425" bIns="91425" anchor="t" anchorCtr="0">
+            <a:noAutofit/>
+          </a:bodyPr>
+          <a:lstStyle/>
+          <a:p>
+            <a:pPr lvl="0"/>
+            <a:r>
+              <a:rPr lang="en" dirty="0">
+                <a:solidFill>
+                  <a:schemeClr val="lt2"/>
+                </a:solidFill>
+              </a:rPr>
+              <a:t>&lt; </a:t>
+            </a:r>
+            <a:r>
+              <a:rPr lang="pt-BR" i="1" dirty="0" smtClean="0"/>
+              <a:t>Não há nada de novo embaixo do sol </a:t>
+            </a:r>
+            <a:r>
+              <a:rPr lang="en" dirty="0">
+                <a:solidFill>
+                  <a:schemeClr val="lt2"/>
+                </a:solidFill>
+              </a:rPr>
+              <a:t>/&gt;</a:t>
+            </a:r>
+            <a:endParaRPr dirty="0"/>
+          </a:p>
+        </p:txBody>
+      </p:sp>
+      <p:sp>
+        <p:nvSpPr>
+          <p:cNvPr id="7" name="Google Shape;284;p32"/>
+          <p:cNvSpPr txBox="1">
+            <a:spLocks/>
+          </p:cNvSpPr>
+          <p:nvPr/>
+        </p:nvSpPr>
+        <p:spPr>
+          <a:xfrm>
+            <a:off x="988503" y="4138499"/>
+            <a:ext cx="7704000" cy="572700"/>
+          </a:xfrm>
+          <a:prstGeom prst="rect">
+            <a:avLst/>
+          </a:prstGeom>
+          <a:noFill/>
+          <a:ln>
+            <a:noFill/>
+          </a:ln>
+        </p:spPr>
+        <p:txBody>
+          <a:bodyPr spcFirstLastPara="1" wrap="square" lIns="91425" tIns="91425" rIns="91425" bIns="91425" anchor="t" anchorCtr="0">
+            <a:noAutofit/>
+          </a:bodyPr>
+          <a:lstStyle>
+            <a:defPPr marR="0" lvl="0" algn="l" rtl="0">
+              <a:lnSpc>
+                <a:spcPct val="100000"/>
+              </a:lnSpc>
+              <a:spcBef>
+                <a:spcPts val="0"/>
+              </a:spcBef>
+              <a:spcAft>
+                <a:spcPts val="0"/>
+              </a:spcAft>
+            </a:defPPr>
+            <a:lvl1pPr marR="0" lvl="0" algn="l" rtl="0">
+              <a:lnSpc>
+                <a:spcPct val="100000"/>
+              </a:lnSpc>
+              <a:spcBef>
+                <a:spcPts val="0"/>
+              </a:spcBef>
+              <a:spcAft>
+                <a:spcPts val="0"/>
+              </a:spcAft>
+              <a:buClr>
+                <a:schemeClr val="dk1"/>
+              </a:buClr>
+              <a:buSzPts val="3300"/>
+              <a:buFont typeface="Quantico"/>
+              <a:buNone/>
+              <a:defRPr sz="3300" b="0" i="0" u="none" strike="noStrike" cap="none">
+                <a:solidFill>
+                  <a:schemeClr val="dk1"/>
+                </a:solidFill>
+                <a:latin typeface="Quantico"/>
+                <a:ea typeface="Quantico"/>
+                <a:cs typeface="Quantico"/>
+                <a:sym typeface="Quantico"/>
+              </a:defRPr>
+            </a:lvl1pPr>
+            <a:lvl2pPr marR="0" lvl="1" algn="l" rtl="0">
+              <a:lnSpc>
+                <a:spcPct val="100000"/>
+              </a:lnSpc>
+              <a:spcBef>
+                <a:spcPts val="0"/>
+              </a:spcBef>
+              <a:spcAft>
+                <a:spcPts val="0"/>
+              </a:spcAft>
+              <a:buClr>
+                <a:schemeClr val="dk1"/>
+              </a:buClr>
+              <a:buSzPts val="3300"/>
+              <a:buFont typeface="Quantico"/>
+              <a:buNone/>
+              <a:defRPr sz="3300" b="1" i="0" u="none" strike="noStrike" cap="none">
+                <a:solidFill>
+                  <a:schemeClr val="dk1"/>
+                </a:solidFill>
+                <a:latin typeface="Quantico"/>
+                <a:ea typeface="Quantico"/>
+                <a:cs typeface="Quantico"/>
+                <a:sym typeface="Quantico"/>
+              </a:defRPr>
+            </a:lvl2pPr>
+            <a:lvl3pPr marR="0" lvl="2" algn="l" rtl="0">
+              <a:lnSpc>
+                <a:spcPct val="100000"/>
+              </a:lnSpc>
+              <a:spcBef>
+                <a:spcPts val="0"/>
+              </a:spcBef>
+              <a:spcAft>
+                <a:spcPts val="0"/>
+              </a:spcAft>
+              <a:buClr>
+                <a:schemeClr val="dk1"/>
+              </a:buClr>
+              <a:buSzPts val="3300"/>
+              <a:buFont typeface="Quantico"/>
+              <a:buNone/>
+              <a:defRPr sz="3300" b="1" i="0" u="none" strike="noStrike" cap="none">
+                <a:solidFill>
+                  <a:schemeClr val="dk1"/>
+                </a:solidFill>
+                <a:latin typeface="Quantico"/>
+                <a:ea typeface="Quantico"/>
+                <a:cs typeface="Quantico"/>
+                <a:sym typeface="Quantico"/>
+              </a:defRPr>
+            </a:lvl3pPr>
+            <a:lvl4pPr marR="0" lvl="3" algn="l" rtl="0">
+              <a:lnSpc>
+                <a:spcPct val="100000"/>
+              </a:lnSpc>
+              <a:spcBef>
+                <a:spcPts val="0"/>
+              </a:spcBef>
+              <a:spcAft>
+                <a:spcPts val="0"/>
+              </a:spcAft>
+              <a:buClr>
+                <a:schemeClr val="dk1"/>
+              </a:buClr>
+              <a:buSzPts val="3300"/>
+              <a:buFont typeface="Quantico"/>
+              <a:buNone/>
+              <a:defRPr sz="3300" b="1" i="0" u="none" strike="noStrike" cap="none">
+                <a:solidFill>
+                  <a:schemeClr val="dk1"/>
+                </a:solidFill>
+                <a:latin typeface="Quantico"/>
+                <a:ea typeface="Quantico"/>
+                <a:cs typeface="Quantico"/>
+                <a:sym typeface="Quantico"/>
+              </a:defRPr>
+            </a:lvl4pPr>
+            <a:lvl5pPr marR="0" lvl="4" algn="l" rtl="0">
+              <a:lnSpc>
+                <a:spcPct val="100000"/>
+              </a:lnSpc>
+              <a:spcBef>
+                <a:spcPts val="0"/>
+              </a:spcBef>
+              <a:spcAft>
+                <a:spcPts val="0"/>
+              </a:spcAft>
+              <a:buClr>
+                <a:schemeClr val="dk1"/>
+              </a:buClr>
+              <a:buSzPts val="3300"/>
+              <a:buFont typeface="Quantico"/>
+              <a:buNone/>
+              <a:defRPr sz="3300" b="1" i="0" u="none" strike="noStrike" cap="none">
+                <a:solidFill>
+                  <a:schemeClr val="dk1"/>
+                </a:solidFill>
+                <a:latin typeface="Quantico"/>
+                <a:ea typeface="Quantico"/>
+                <a:cs typeface="Quantico"/>
+                <a:sym typeface="Quantico"/>
+              </a:defRPr>
+            </a:lvl5pPr>
+            <a:lvl6pPr marR="0" lvl="5" algn="l" rtl="0">
+              <a:lnSpc>
+                <a:spcPct val="100000"/>
+              </a:lnSpc>
+              <a:spcBef>
+                <a:spcPts val="0"/>
+              </a:spcBef>
+              <a:spcAft>
+                <a:spcPts val="0"/>
+              </a:spcAft>
+              <a:buClr>
+                <a:schemeClr val="dk1"/>
+              </a:buClr>
+              <a:buSzPts val="3300"/>
+              <a:buFont typeface="Quantico"/>
+              <a:buNone/>
+              <a:defRPr sz="3300" b="1" i="0" u="none" strike="noStrike" cap="none">
+                <a:solidFill>
+                  <a:schemeClr val="dk1"/>
+                </a:solidFill>
+                <a:latin typeface="Quantico"/>
+                <a:ea typeface="Quantico"/>
+                <a:cs typeface="Quantico"/>
+                <a:sym typeface="Quantico"/>
+              </a:defRPr>
+            </a:lvl6pPr>
+            <a:lvl7pPr marR="0" lvl="6" algn="l" rtl="0">
+              <a:lnSpc>
+                <a:spcPct val="100000"/>
+              </a:lnSpc>
+              <a:spcBef>
+                <a:spcPts val="0"/>
+              </a:spcBef>
+              <a:spcAft>
+                <a:spcPts val="0"/>
+              </a:spcAft>
+              <a:buClr>
+                <a:schemeClr val="dk1"/>
+              </a:buClr>
+              <a:buSzPts val="3300"/>
+              <a:buFont typeface="Quantico"/>
+              <a:buNone/>
+              <a:defRPr sz="3300" b="1" i="0" u="none" strike="noStrike" cap="none">
+                <a:solidFill>
+                  <a:schemeClr val="dk1"/>
+                </a:solidFill>
+                <a:latin typeface="Quantico"/>
+                <a:ea typeface="Quantico"/>
+                <a:cs typeface="Quantico"/>
+                <a:sym typeface="Quantico"/>
+              </a:defRPr>
+            </a:lvl7pPr>
+            <a:lvl8pPr marR="0" lvl="7" algn="l" rtl="0">
+              <a:lnSpc>
+                <a:spcPct val="100000"/>
+              </a:lnSpc>
+              <a:spcBef>
+                <a:spcPts val="0"/>
+              </a:spcBef>
+              <a:spcAft>
+                <a:spcPts val="0"/>
+              </a:spcAft>
+              <a:buClr>
+                <a:schemeClr val="dk1"/>
+              </a:buClr>
+              <a:buSzPts val="3300"/>
+              <a:buFont typeface="Quantico"/>
+              <a:buNone/>
+              <a:defRPr sz="3300" b="1" i="0" u="none" strike="noStrike" cap="none">
+                <a:solidFill>
+                  <a:schemeClr val="dk1"/>
+                </a:solidFill>
+                <a:latin typeface="Quantico"/>
+                <a:ea typeface="Quantico"/>
+                <a:cs typeface="Quantico"/>
+                <a:sym typeface="Quantico"/>
+              </a:defRPr>
+            </a:lvl8pPr>
+            <a:lvl9pPr marR="0" lvl="8" algn="l" rtl="0">
+              <a:lnSpc>
+                <a:spcPct val="100000"/>
+              </a:lnSpc>
+              <a:spcBef>
+                <a:spcPts val="0"/>
+              </a:spcBef>
+              <a:spcAft>
+                <a:spcPts val="0"/>
+              </a:spcAft>
+              <a:buClr>
+                <a:schemeClr val="dk1"/>
+              </a:buClr>
+              <a:buSzPts val="3300"/>
+              <a:buFont typeface="Quantico"/>
+              <a:buNone/>
+              <a:defRPr sz="3300" b="1" i="0" u="none" strike="noStrike" cap="none">
+                <a:solidFill>
+                  <a:schemeClr val="dk1"/>
+                </a:solidFill>
+                <a:latin typeface="Quantico"/>
+                <a:ea typeface="Quantico"/>
+                <a:cs typeface="Quantico"/>
+                <a:sym typeface="Quantico"/>
+              </a:defRPr>
+            </a:lvl9pPr>
+          </a:lstStyle>
+          <a:p>
+            <a:pPr algn="r"/>
+            <a:r>
+              <a:rPr lang="pt-BR" sz="1800" dirty="0">
+                <a:solidFill>
+                  <a:schemeClr val="lt2"/>
+                </a:solidFill>
+              </a:rPr>
+              <a:t>&lt; </a:t>
+            </a:r>
+            <a:r>
+              <a:rPr lang="pt-BR" sz="1800" dirty="0" smtClean="0"/>
+              <a:t>Inovação </a:t>
+            </a:r>
+            <a:r>
+              <a:rPr lang="pt-BR" sz="1800" dirty="0">
+                <a:solidFill>
+                  <a:schemeClr val="lt2"/>
+                </a:solidFill>
+              </a:rPr>
+              <a:t>/&gt;</a:t>
+            </a:r>
+            <a:endParaRPr lang="pt-BR" sz="1800" dirty="0"/>
+          </a:p>
+        </p:txBody>
+      </p:sp>
+      <p:sp>
+        <p:nvSpPr>
+          <p:cNvPr id="8" name="Google Shape;284;p32"/>
+          <p:cNvSpPr txBox="1">
+            <a:spLocks/>
+          </p:cNvSpPr>
+          <p:nvPr/>
+        </p:nvSpPr>
+        <p:spPr>
+          <a:xfrm>
+            <a:off x="474388" y="1574054"/>
+            <a:ext cx="8147098" cy="572700"/>
+          </a:xfrm>
+          <a:prstGeom prst="rect">
+            <a:avLst/>
+          </a:prstGeom>
+          <a:noFill/>
+          <a:ln>
+            <a:noFill/>
+          </a:ln>
+        </p:spPr>
+        <p:txBody>
+          <a:bodyPr spcFirstLastPara="1" wrap="square" lIns="91425" tIns="91425" rIns="91425" bIns="91425" anchor="t" anchorCtr="0">
+            <a:noAutofit/>
+          </a:bodyPr>
+          <a:lstStyle>
+            <a:defPPr marR="0" lvl="0" algn="l" rtl="0">
+              <a:lnSpc>
+                <a:spcPct val="100000"/>
+              </a:lnSpc>
+              <a:spcBef>
+                <a:spcPts val="0"/>
+              </a:spcBef>
+              <a:spcAft>
+                <a:spcPts val="0"/>
+              </a:spcAft>
+            </a:defPPr>
+            <a:lvl1pPr marR="0" lvl="0" algn="l" rtl="0">
+              <a:lnSpc>
+                <a:spcPct val="100000"/>
+              </a:lnSpc>
+              <a:spcBef>
+                <a:spcPts val="0"/>
+              </a:spcBef>
+              <a:spcAft>
+                <a:spcPts val="0"/>
+              </a:spcAft>
+              <a:buClr>
+                <a:schemeClr val="dk1"/>
+              </a:buClr>
+              <a:buSzPts val="3300"/>
+              <a:buFont typeface="Quantico"/>
+              <a:buNone/>
+              <a:defRPr sz="3300" b="0" i="0" u="none" strike="noStrike" cap="none">
+                <a:solidFill>
+                  <a:schemeClr val="dk1"/>
+                </a:solidFill>
+                <a:latin typeface="Quantico"/>
+                <a:ea typeface="Quantico"/>
+                <a:cs typeface="Quantico"/>
+                <a:sym typeface="Quantico"/>
+              </a:defRPr>
+            </a:lvl1pPr>
+            <a:lvl2pPr marR="0" lvl="1" algn="l" rtl="0">
+              <a:lnSpc>
+                <a:spcPct val="100000"/>
+              </a:lnSpc>
+              <a:spcBef>
+                <a:spcPts val="0"/>
+              </a:spcBef>
+              <a:spcAft>
+                <a:spcPts val="0"/>
+              </a:spcAft>
+              <a:buClr>
+                <a:schemeClr val="dk1"/>
+              </a:buClr>
+              <a:buSzPts val="3300"/>
+              <a:buFont typeface="Quantico"/>
+              <a:buNone/>
+              <a:defRPr sz="3300" b="1" i="0" u="none" strike="noStrike" cap="none">
+                <a:solidFill>
+                  <a:schemeClr val="dk1"/>
+                </a:solidFill>
+                <a:latin typeface="Quantico"/>
+                <a:ea typeface="Quantico"/>
+                <a:cs typeface="Quantico"/>
+                <a:sym typeface="Quantico"/>
+              </a:defRPr>
+            </a:lvl2pPr>
+            <a:lvl3pPr marR="0" lvl="2" algn="l" rtl="0">
+              <a:lnSpc>
+                <a:spcPct val="100000"/>
+              </a:lnSpc>
+              <a:spcBef>
+                <a:spcPts val="0"/>
+              </a:spcBef>
+              <a:spcAft>
+                <a:spcPts val="0"/>
+              </a:spcAft>
+              <a:buClr>
+                <a:schemeClr val="dk1"/>
+              </a:buClr>
+              <a:buSzPts val="3300"/>
+              <a:buFont typeface="Quantico"/>
+              <a:buNone/>
+              <a:defRPr sz="3300" b="1" i="0" u="none" strike="noStrike" cap="none">
+                <a:solidFill>
+                  <a:schemeClr val="dk1"/>
+                </a:solidFill>
+                <a:latin typeface="Quantico"/>
+                <a:ea typeface="Quantico"/>
+                <a:cs typeface="Quantico"/>
+                <a:sym typeface="Quantico"/>
+              </a:defRPr>
+            </a:lvl3pPr>
+            <a:lvl4pPr marR="0" lvl="3" algn="l" rtl="0">
+              <a:lnSpc>
+                <a:spcPct val="100000"/>
+              </a:lnSpc>
+              <a:spcBef>
+                <a:spcPts val="0"/>
+              </a:spcBef>
+              <a:spcAft>
+                <a:spcPts val="0"/>
+              </a:spcAft>
+              <a:buClr>
+                <a:schemeClr val="dk1"/>
+              </a:buClr>
+              <a:buSzPts val="3300"/>
+              <a:buFont typeface="Quantico"/>
+              <a:buNone/>
+              <a:defRPr sz="3300" b="1" i="0" u="none" strike="noStrike" cap="none">
+                <a:solidFill>
+                  <a:schemeClr val="dk1"/>
+                </a:solidFill>
+                <a:latin typeface="Quantico"/>
+                <a:ea typeface="Quantico"/>
+                <a:cs typeface="Quantico"/>
+                <a:sym typeface="Quantico"/>
+              </a:defRPr>
+            </a:lvl4pPr>
+            <a:lvl5pPr marR="0" lvl="4" algn="l" rtl="0">
+              <a:lnSpc>
+                <a:spcPct val="100000"/>
+              </a:lnSpc>
+              <a:spcBef>
+                <a:spcPts val="0"/>
+              </a:spcBef>
+              <a:spcAft>
+                <a:spcPts val="0"/>
+              </a:spcAft>
+              <a:buClr>
+                <a:schemeClr val="dk1"/>
+              </a:buClr>
+              <a:buSzPts val="3300"/>
+              <a:buFont typeface="Quantico"/>
+              <a:buNone/>
+              <a:defRPr sz="3300" b="1" i="0" u="none" strike="noStrike" cap="none">
+                <a:solidFill>
+                  <a:schemeClr val="dk1"/>
+                </a:solidFill>
+                <a:latin typeface="Quantico"/>
+                <a:ea typeface="Quantico"/>
+                <a:cs typeface="Quantico"/>
+                <a:sym typeface="Quantico"/>
+              </a:defRPr>
+            </a:lvl5pPr>
+            <a:lvl6pPr marR="0" lvl="5" algn="l" rtl="0">
+              <a:lnSpc>
+                <a:spcPct val="100000"/>
+              </a:lnSpc>
+              <a:spcBef>
+                <a:spcPts val="0"/>
+              </a:spcBef>
+              <a:spcAft>
+                <a:spcPts val="0"/>
+              </a:spcAft>
+              <a:buClr>
+                <a:schemeClr val="dk1"/>
+              </a:buClr>
+              <a:buSzPts val="3300"/>
+              <a:buFont typeface="Quantico"/>
+              <a:buNone/>
+              <a:defRPr sz="3300" b="1" i="0" u="none" strike="noStrike" cap="none">
+                <a:solidFill>
+                  <a:schemeClr val="dk1"/>
+                </a:solidFill>
+                <a:latin typeface="Quantico"/>
+                <a:ea typeface="Quantico"/>
+                <a:cs typeface="Quantico"/>
+                <a:sym typeface="Quantico"/>
+              </a:defRPr>
+            </a:lvl6pPr>
+            <a:lvl7pPr marR="0" lvl="6" algn="l" rtl="0">
+              <a:lnSpc>
+                <a:spcPct val="100000"/>
+              </a:lnSpc>
+              <a:spcBef>
+                <a:spcPts val="0"/>
+              </a:spcBef>
+              <a:spcAft>
+                <a:spcPts val="0"/>
+              </a:spcAft>
+              <a:buClr>
+                <a:schemeClr val="dk1"/>
+              </a:buClr>
+              <a:buSzPts val="3300"/>
+              <a:buFont typeface="Quantico"/>
+              <a:buNone/>
+              <a:defRPr sz="3300" b="1" i="0" u="none" strike="noStrike" cap="none">
+                <a:solidFill>
+                  <a:schemeClr val="dk1"/>
+                </a:solidFill>
+                <a:latin typeface="Quantico"/>
+                <a:ea typeface="Quantico"/>
+                <a:cs typeface="Quantico"/>
+                <a:sym typeface="Quantico"/>
+              </a:defRPr>
+            </a:lvl7pPr>
+            <a:lvl8pPr marR="0" lvl="7" algn="l" rtl="0">
+              <a:lnSpc>
+                <a:spcPct val="100000"/>
+              </a:lnSpc>
+              <a:spcBef>
+                <a:spcPts val="0"/>
+              </a:spcBef>
+              <a:spcAft>
+                <a:spcPts val="0"/>
+              </a:spcAft>
+              <a:buClr>
+                <a:schemeClr val="dk1"/>
+              </a:buClr>
+              <a:buSzPts val="3300"/>
+              <a:buFont typeface="Quantico"/>
+              <a:buNone/>
+              <a:defRPr sz="3300" b="1" i="0" u="none" strike="noStrike" cap="none">
+                <a:solidFill>
+                  <a:schemeClr val="dk1"/>
+                </a:solidFill>
+                <a:latin typeface="Quantico"/>
+                <a:ea typeface="Quantico"/>
+                <a:cs typeface="Quantico"/>
+                <a:sym typeface="Quantico"/>
+              </a:defRPr>
+            </a:lvl8pPr>
+            <a:lvl9pPr marR="0" lvl="8" algn="l" rtl="0">
+              <a:lnSpc>
+                <a:spcPct val="100000"/>
+              </a:lnSpc>
+              <a:spcBef>
+                <a:spcPts val="0"/>
+              </a:spcBef>
+              <a:spcAft>
+                <a:spcPts val="0"/>
+              </a:spcAft>
+              <a:buClr>
+                <a:schemeClr val="dk1"/>
+              </a:buClr>
+              <a:buSzPts val="3300"/>
+              <a:buFont typeface="Quantico"/>
+              <a:buNone/>
+              <a:defRPr sz="3300" b="1" i="0" u="none" strike="noStrike" cap="none">
+                <a:solidFill>
+                  <a:schemeClr val="dk1"/>
+                </a:solidFill>
+                <a:latin typeface="Quantico"/>
+                <a:ea typeface="Quantico"/>
+                <a:cs typeface="Quantico"/>
+                <a:sym typeface="Quantico"/>
+              </a:defRPr>
+            </a:lvl9pPr>
+          </a:lstStyle>
+          <a:p>
+            <a:r>
+              <a:rPr lang="pt-BR" dirty="0" smtClean="0">
+                <a:solidFill>
+                  <a:schemeClr val="lt2"/>
+                </a:solidFill>
+              </a:rPr>
+              <a:t>Imagens com </a:t>
+            </a:r>
+            <a:r>
+              <a:rPr lang="pt-BR" dirty="0" err="1" smtClean="0">
+                <a:solidFill>
+                  <a:schemeClr val="lt2"/>
+                </a:solidFill>
+              </a:rPr>
+              <a:t>touchscreen</a:t>
+            </a:r>
+            <a:r>
+              <a:rPr lang="pt-BR" dirty="0" smtClean="0">
+                <a:solidFill>
+                  <a:schemeClr val="lt2"/>
+                </a:solidFill>
+              </a:rPr>
+              <a:t>, carro elétrico, computadores antigos.</a:t>
+            </a:r>
+            <a:endParaRPr lang="pt-BR" dirty="0"/>
+          </a:p>
+        </p:txBody>
+      </p:sp>
+    </p:spTree>
+    <p:extLst>
+      <p:ext uri="{BB962C8B-B14F-4D97-AF65-F5344CB8AC3E}">
+        <p14:creationId xmlns:p14="http://schemas.microsoft.com/office/powerpoint/2010/main" val="663729252"/>
+      </p:ext>
+    </p:extLst>
+  </p:cSld>
+  <p:clrMapOvr>
+    <a:masterClrMapping/>
+  </p:clrMapOvr>
+  <p:timing>
+    <p:tnLst>
+      <p:par>
+        <p:cTn id="1" dur="indefinite" restart="never" nodeType="tmRoot"/>
+      </p:par>
+    </p:tnLst>
+  </p:timing>
+</p:sld>
+</file>
+
+<file path=ppt/slides/slide22.xml><?xml version="1.0" encoding="utf-8"?>
+<p:sld xmlns:a="http://schemas.openxmlformats.org/drawingml/2006/main" xmlns:r="http://schemas.openxmlformats.org/officeDocument/2006/relationships" xmlns:p="http://schemas.openxmlformats.org/presentationml/2006/main">
+  <p:cSld>
+    <p:spTree>
+      <p:nvGrpSpPr>
+        <p:cNvPr id="1" name="Shape 283"/>
+        <p:cNvGrpSpPr/>
+        <p:nvPr/>
+      </p:nvGrpSpPr>
+      <p:grpSpPr>
+        <a:xfrm>
+          <a:off x="0" y="0"/>
+          <a:ext cx="0" cy="0"/>
+          <a:chOff x="0" y="0"/>
+          <a:chExt cx="0" cy="0"/>
+        </a:xfrm>
+      </p:grpSpPr>
+      <p:sp>
+        <p:nvSpPr>
+          <p:cNvPr id="284" name="Google Shape;284;p32"/>
+          <p:cNvSpPr txBox="1">
+            <a:spLocks noGrp="1"/>
+          </p:cNvSpPr>
+          <p:nvPr>
+            <p:ph type="title"/>
+          </p:nvPr>
+        </p:nvSpPr>
+        <p:spPr>
+          <a:xfrm>
+            <a:off x="474388" y="459128"/>
+            <a:ext cx="8147098" cy="572700"/>
+          </a:xfrm>
+          <a:prstGeom prst="rect">
+            <a:avLst/>
+          </a:prstGeom>
+        </p:spPr>
+        <p:txBody>
+          <a:bodyPr spcFirstLastPara="1" wrap="square" lIns="91425" tIns="91425" rIns="91425" bIns="91425" anchor="t" anchorCtr="0">
+            <a:noAutofit/>
+          </a:bodyPr>
+          <a:lstStyle/>
+          <a:p>
+            <a:pPr lvl="0"/>
+            <a:r>
+              <a:rPr lang="en" dirty="0">
+                <a:solidFill>
+                  <a:schemeClr val="lt2"/>
+                </a:solidFill>
+              </a:rPr>
+              <a:t>&lt; </a:t>
+            </a:r>
+            <a:r>
+              <a:rPr lang="pt-BR" i="1" dirty="0" smtClean="0"/>
+              <a:t>Acessibilidade: </a:t>
+            </a:r>
+            <a:r>
+              <a:rPr lang="en" dirty="0" smtClean="0">
+                <a:solidFill>
+                  <a:schemeClr val="lt2"/>
+                </a:solidFill>
+              </a:rPr>
+              <a:t>/&gt;</a:t>
+            </a:r>
+            <a:endParaRPr dirty="0"/>
+          </a:p>
+        </p:txBody>
+      </p:sp>
+      <p:sp>
+        <p:nvSpPr>
+          <p:cNvPr id="7" name="Google Shape;284;p32"/>
+          <p:cNvSpPr txBox="1">
+            <a:spLocks/>
+          </p:cNvSpPr>
+          <p:nvPr/>
+        </p:nvSpPr>
+        <p:spPr>
+          <a:xfrm>
+            <a:off x="988503" y="4138499"/>
+            <a:ext cx="7704000" cy="572700"/>
+          </a:xfrm>
+          <a:prstGeom prst="rect">
+            <a:avLst/>
+          </a:prstGeom>
+          <a:noFill/>
+          <a:ln>
+            <a:noFill/>
+          </a:ln>
+        </p:spPr>
+        <p:txBody>
+          <a:bodyPr spcFirstLastPara="1" wrap="square" lIns="91425" tIns="91425" rIns="91425" bIns="91425" anchor="t" anchorCtr="0">
+            <a:noAutofit/>
+          </a:bodyPr>
+          <a:lstStyle>
+            <a:defPPr marR="0" lvl="0" algn="l" rtl="0">
+              <a:lnSpc>
+                <a:spcPct val="100000"/>
+              </a:lnSpc>
+              <a:spcBef>
+                <a:spcPts val="0"/>
+              </a:spcBef>
+              <a:spcAft>
+                <a:spcPts val="0"/>
+              </a:spcAft>
+            </a:defPPr>
+            <a:lvl1pPr marR="0" lvl="0" algn="l" rtl="0">
+              <a:lnSpc>
+                <a:spcPct val="100000"/>
+              </a:lnSpc>
+              <a:spcBef>
+                <a:spcPts val="0"/>
+              </a:spcBef>
+              <a:spcAft>
+                <a:spcPts val="0"/>
+              </a:spcAft>
+              <a:buClr>
+                <a:schemeClr val="dk1"/>
+              </a:buClr>
+              <a:buSzPts val="3300"/>
+              <a:buFont typeface="Quantico"/>
+              <a:buNone/>
+              <a:defRPr sz="3300" b="0" i="0" u="none" strike="noStrike" cap="none">
+                <a:solidFill>
+                  <a:schemeClr val="dk1"/>
+                </a:solidFill>
+                <a:latin typeface="Quantico"/>
+                <a:ea typeface="Quantico"/>
+                <a:cs typeface="Quantico"/>
+                <a:sym typeface="Quantico"/>
+              </a:defRPr>
+            </a:lvl1pPr>
+            <a:lvl2pPr marR="0" lvl="1" algn="l" rtl="0">
+              <a:lnSpc>
+                <a:spcPct val="100000"/>
+              </a:lnSpc>
+              <a:spcBef>
+                <a:spcPts val="0"/>
+              </a:spcBef>
+              <a:spcAft>
+                <a:spcPts val="0"/>
+              </a:spcAft>
+              <a:buClr>
+                <a:schemeClr val="dk1"/>
+              </a:buClr>
+              <a:buSzPts val="3300"/>
+              <a:buFont typeface="Quantico"/>
+              <a:buNone/>
+              <a:defRPr sz="3300" b="1" i="0" u="none" strike="noStrike" cap="none">
+                <a:solidFill>
+                  <a:schemeClr val="dk1"/>
+                </a:solidFill>
+                <a:latin typeface="Quantico"/>
+                <a:ea typeface="Quantico"/>
+                <a:cs typeface="Quantico"/>
+                <a:sym typeface="Quantico"/>
+              </a:defRPr>
+            </a:lvl2pPr>
+            <a:lvl3pPr marR="0" lvl="2" algn="l" rtl="0">
+              <a:lnSpc>
+                <a:spcPct val="100000"/>
+              </a:lnSpc>
+              <a:spcBef>
+                <a:spcPts val="0"/>
+              </a:spcBef>
+              <a:spcAft>
+                <a:spcPts val="0"/>
+              </a:spcAft>
+              <a:buClr>
+                <a:schemeClr val="dk1"/>
+              </a:buClr>
+              <a:buSzPts val="3300"/>
+              <a:buFont typeface="Quantico"/>
+              <a:buNone/>
+              <a:defRPr sz="3300" b="1" i="0" u="none" strike="noStrike" cap="none">
+                <a:solidFill>
+                  <a:schemeClr val="dk1"/>
+                </a:solidFill>
+                <a:latin typeface="Quantico"/>
+                <a:ea typeface="Quantico"/>
+                <a:cs typeface="Quantico"/>
+                <a:sym typeface="Quantico"/>
+              </a:defRPr>
+            </a:lvl3pPr>
+            <a:lvl4pPr marR="0" lvl="3" algn="l" rtl="0">
+              <a:lnSpc>
+                <a:spcPct val="100000"/>
+              </a:lnSpc>
+              <a:spcBef>
+                <a:spcPts val="0"/>
+              </a:spcBef>
+              <a:spcAft>
+                <a:spcPts val="0"/>
+              </a:spcAft>
+              <a:buClr>
+                <a:schemeClr val="dk1"/>
+              </a:buClr>
+              <a:buSzPts val="3300"/>
+              <a:buFont typeface="Quantico"/>
+              <a:buNone/>
+              <a:defRPr sz="3300" b="1" i="0" u="none" strike="noStrike" cap="none">
+                <a:solidFill>
+                  <a:schemeClr val="dk1"/>
+                </a:solidFill>
+                <a:latin typeface="Quantico"/>
+                <a:ea typeface="Quantico"/>
+                <a:cs typeface="Quantico"/>
+                <a:sym typeface="Quantico"/>
+              </a:defRPr>
+            </a:lvl4pPr>
+            <a:lvl5pPr marR="0" lvl="4" algn="l" rtl="0">
+              <a:lnSpc>
+                <a:spcPct val="100000"/>
+              </a:lnSpc>
+              <a:spcBef>
+                <a:spcPts val="0"/>
+              </a:spcBef>
+              <a:spcAft>
+                <a:spcPts val="0"/>
+              </a:spcAft>
+              <a:buClr>
+                <a:schemeClr val="dk1"/>
+              </a:buClr>
+              <a:buSzPts val="3300"/>
+              <a:buFont typeface="Quantico"/>
+              <a:buNone/>
+              <a:defRPr sz="3300" b="1" i="0" u="none" strike="noStrike" cap="none">
+                <a:solidFill>
+                  <a:schemeClr val="dk1"/>
+                </a:solidFill>
+                <a:latin typeface="Quantico"/>
+                <a:ea typeface="Quantico"/>
+                <a:cs typeface="Quantico"/>
+                <a:sym typeface="Quantico"/>
+              </a:defRPr>
+            </a:lvl5pPr>
+            <a:lvl6pPr marR="0" lvl="5" algn="l" rtl="0">
+              <a:lnSpc>
+                <a:spcPct val="100000"/>
+              </a:lnSpc>
+              <a:spcBef>
+                <a:spcPts val="0"/>
+              </a:spcBef>
+              <a:spcAft>
+                <a:spcPts val="0"/>
+              </a:spcAft>
+              <a:buClr>
+                <a:schemeClr val="dk1"/>
+              </a:buClr>
+              <a:buSzPts val="3300"/>
+              <a:buFont typeface="Quantico"/>
+              <a:buNone/>
+              <a:defRPr sz="3300" b="1" i="0" u="none" strike="noStrike" cap="none">
+                <a:solidFill>
+                  <a:schemeClr val="dk1"/>
+                </a:solidFill>
+                <a:latin typeface="Quantico"/>
+                <a:ea typeface="Quantico"/>
+                <a:cs typeface="Quantico"/>
+                <a:sym typeface="Quantico"/>
+              </a:defRPr>
+            </a:lvl6pPr>
+            <a:lvl7pPr marR="0" lvl="6" algn="l" rtl="0">
+              <a:lnSpc>
+                <a:spcPct val="100000"/>
+              </a:lnSpc>
+              <a:spcBef>
+                <a:spcPts val="0"/>
+              </a:spcBef>
+              <a:spcAft>
+                <a:spcPts val="0"/>
+              </a:spcAft>
+              <a:buClr>
+                <a:schemeClr val="dk1"/>
+              </a:buClr>
+              <a:buSzPts val="3300"/>
+              <a:buFont typeface="Quantico"/>
+              <a:buNone/>
+              <a:defRPr sz="3300" b="1" i="0" u="none" strike="noStrike" cap="none">
+                <a:solidFill>
+                  <a:schemeClr val="dk1"/>
+                </a:solidFill>
+                <a:latin typeface="Quantico"/>
+                <a:ea typeface="Quantico"/>
+                <a:cs typeface="Quantico"/>
+                <a:sym typeface="Quantico"/>
+              </a:defRPr>
+            </a:lvl7pPr>
+            <a:lvl8pPr marR="0" lvl="7" algn="l" rtl="0">
+              <a:lnSpc>
+                <a:spcPct val="100000"/>
+              </a:lnSpc>
+              <a:spcBef>
+                <a:spcPts val="0"/>
+              </a:spcBef>
+              <a:spcAft>
+                <a:spcPts val="0"/>
+              </a:spcAft>
+              <a:buClr>
+                <a:schemeClr val="dk1"/>
+              </a:buClr>
+              <a:buSzPts val="3300"/>
+              <a:buFont typeface="Quantico"/>
+              <a:buNone/>
+              <a:defRPr sz="3300" b="1" i="0" u="none" strike="noStrike" cap="none">
+                <a:solidFill>
+                  <a:schemeClr val="dk1"/>
+                </a:solidFill>
+                <a:latin typeface="Quantico"/>
+                <a:ea typeface="Quantico"/>
+                <a:cs typeface="Quantico"/>
+                <a:sym typeface="Quantico"/>
+              </a:defRPr>
+            </a:lvl8pPr>
+            <a:lvl9pPr marR="0" lvl="8" algn="l" rtl="0">
+              <a:lnSpc>
+                <a:spcPct val="100000"/>
+              </a:lnSpc>
+              <a:spcBef>
+                <a:spcPts val="0"/>
+              </a:spcBef>
+              <a:spcAft>
+                <a:spcPts val="0"/>
+              </a:spcAft>
+              <a:buClr>
+                <a:schemeClr val="dk1"/>
+              </a:buClr>
+              <a:buSzPts val="3300"/>
+              <a:buFont typeface="Quantico"/>
+              <a:buNone/>
+              <a:defRPr sz="3300" b="1" i="0" u="none" strike="noStrike" cap="none">
+                <a:solidFill>
+                  <a:schemeClr val="dk1"/>
+                </a:solidFill>
+                <a:latin typeface="Quantico"/>
+                <a:ea typeface="Quantico"/>
+                <a:cs typeface="Quantico"/>
+                <a:sym typeface="Quantico"/>
+              </a:defRPr>
+            </a:lvl9pPr>
+          </a:lstStyle>
+          <a:p>
+            <a:pPr algn="r"/>
+            <a:r>
+              <a:rPr lang="pt-BR" sz="1800" dirty="0">
+                <a:solidFill>
+                  <a:schemeClr val="lt2"/>
+                </a:solidFill>
+              </a:rPr>
+              <a:t>&lt; </a:t>
+            </a:r>
+            <a:r>
+              <a:rPr lang="pt-BR" sz="1800" dirty="0" smtClean="0"/>
+              <a:t>Inovação </a:t>
+            </a:r>
+            <a:r>
+              <a:rPr lang="pt-BR" sz="1800" dirty="0">
+                <a:solidFill>
+                  <a:schemeClr val="lt2"/>
+                </a:solidFill>
+              </a:rPr>
+              <a:t>/&gt;</a:t>
+            </a:r>
+            <a:endParaRPr lang="pt-BR" sz="1800" dirty="0"/>
+          </a:p>
+        </p:txBody>
+      </p:sp>
+      <p:sp>
+        <p:nvSpPr>
+          <p:cNvPr id="4" name="Google Shape;284;p32"/>
+          <p:cNvSpPr txBox="1">
+            <a:spLocks/>
+          </p:cNvSpPr>
+          <p:nvPr/>
+        </p:nvSpPr>
+        <p:spPr>
+          <a:xfrm>
+            <a:off x="545405" y="1546554"/>
+            <a:ext cx="8147098" cy="572700"/>
+          </a:xfrm>
+          <a:prstGeom prst="rect">
+            <a:avLst/>
+          </a:prstGeom>
+          <a:noFill/>
+          <a:ln>
+            <a:noFill/>
+          </a:ln>
+        </p:spPr>
+        <p:txBody>
+          <a:bodyPr spcFirstLastPara="1" wrap="square" lIns="91425" tIns="91425" rIns="91425" bIns="91425" anchor="t" anchorCtr="0">
+            <a:noAutofit/>
+          </a:bodyPr>
+          <a:lstStyle>
+            <a:defPPr marR="0" lvl="0" algn="l" rtl="0">
+              <a:lnSpc>
+                <a:spcPct val="100000"/>
+              </a:lnSpc>
+              <a:spcBef>
+                <a:spcPts val="0"/>
+              </a:spcBef>
+              <a:spcAft>
+                <a:spcPts val="0"/>
+              </a:spcAft>
+            </a:defPPr>
+            <a:lvl1pPr marR="0" lvl="0" algn="l" rtl="0">
+              <a:lnSpc>
+                <a:spcPct val="100000"/>
+              </a:lnSpc>
+              <a:spcBef>
+                <a:spcPts val="0"/>
+              </a:spcBef>
+              <a:spcAft>
+                <a:spcPts val="0"/>
+              </a:spcAft>
+              <a:buClr>
+                <a:schemeClr val="dk1"/>
+              </a:buClr>
+              <a:buSzPts val="3300"/>
+              <a:buFont typeface="Quantico"/>
+              <a:buNone/>
+              <a:defRPr sz="3300" b="0" i="0" u="none" strike="noStrike" cap="none">
+                <a:solidFill>
+                  <a:schemeClr val="dk1"/>
+                </a:solidFill>
+                <a:latin typeface="Quantico"/>
+                <a:ea typeface="Quantico"/>
+                <a:cs typeface="Quantico"/>
+                <a:sym typeface="Quantico"/>
+              </a:defRPr>
+            </a:lvl1pPr>
+            <a:lvl2pPr marR="0" lvl="1" algn="l" rtl="0">
+              <a:lnSpc>
+                <a:spcPct val="100000"/>
+              </a:lnSpc>
+              <a:spcBef>
+                <a:spcPts val="0"/>
+              </a:spcBef>
+              <a:spcAft>
+                <a:spcPts val="0"/>
+              </a:spcAft>
+              <a:buClr>
+                <a:schemeClr val="dk1"/>
+              </a:buClr>
+              <a:buSzPts val="3300"/>
+              <a:buFont typeface="Quantico"/>
+              <a:buNone/>
+              <a:defRPr sz="3300" b="1" i="0" u="none" strike="noStrike" cap="none">
+                <a:solidFill>
+                  <a:schemeClr val="dk1"/>
+                </a:solidFill>
+                <a:latin typeface="Quantico"/>
+                <a:ea typeface="Quantico"/>
+                <a:cs typeface="Quantico"/>
+                <a:sym typeface="Quantico"/>
+              </a:defRPr>
+            </a:lvl2pPr>
+            <a:lvl3pPr marR="0" lvl="2" algn="l" rtl="0">
+              <a:lnSpc>
+                <a:spcPct val="100000"/>
+              </a:lnSpc>
+              <a:spcBef>
+                <a:spcPts val="0"/>
+              </a:spcBef>
+              <a:spcAft>
+                <a:spcPts val="0"/>
+              </a:spcAft>
+              <a:buClr>
+                <a:schemeClr val="dk1"/>
+              </a:buClr>
+              <a:buSzPts val="3300"/>
+              <a:buFont typeface="Quantico"/>
+              <a:buNone/>
+              <a:defRPr sz="3300" b="1" i="0" u="none" strike="noStrike" cap="none">
+                <a:solidFill>
+                  <a:schemeClr val="dk1"/>
+                </a:solidFill>
+                <a:latin typeface="Quantico"/>
+                <a:ea typeface="Quantico"/>
+                <a:cs typeface="Quantico"/>
+                <a:sym typeface="Quantico"/>
+              </a:defRPr>
+            </a:lvl3pPr>
+            <a:lvl4pPr marR="0" lvl="3" algn="l" rtl="0">
+              <a:lnSpc>
+                <a:spcPct val="100000"/>
+              </a:lnSpc>
+              <a:spcBef>
+                <a:spcPts val="0"/>
+              </a:spcBef>
+              <a:spcAft>
+                <a:spcPts val="0"/>
+              </a:spcAft>
+              <a:buClr>
+                <a:schemeClr val="dk1"/>
+              </a:buClr>
+              <a:buSzPts val="3300"/>
+              <a:buFont typeface="Quantico"/>
+              <a:buNone/>
+              <a:defRPr sz="3300" b="1" i="0" u="none" strike="noStrike" cap="none">
+                <a:solidFill>
+                  <a:schemeClr val="dk1"/>
+                </a:solidFill>
+                <a:latin typeface="Quantico"/>
+                <a:ea typeface="Quantico"/>
+                <a:cs typeface="Quantico"/>
+                <a:sym typeface="Quantico"/>
+              </a:defRPr>
+            </a:lvl4pPr>
+            <a:lvl5pPr marR="0" lvl="4" algn="l" rtl="0">
+              <a:lnSpc>
+                <a:spcPct val="100000"/>
+              </a:lnSpc>
+              <a:spcBef>
+                <a:spcPts val="0"/>
+              </a:spcBef>
+              <a:spcAft>
+                <a:spcPts val="0"/>
+              </a:spcAft>
+              <a:buClr>
+                <a:schemeClr val="dk1"/>
+              </a:buClr>
+              <a:buSzPts val="3300"/>
+              <a:buFont typeface="Quantico"/>
+              <a:buNone/>
+              <a:defRPr sz="3300" b="1" i="0" u="none" strike="noStrike" cap="none">
+                <a:solidFill>
+                  <a:schemeClr val="dk1"/>
+                </a:solidFill>
+                <a:latin typeface="Quantico"/>
+                <a:ea typeface="Quantico"/>
+                <a:cs typeface="Quantico"/>
+                <a:sym typeface="Quantico"/>
+              </a:defRPr>
+            </a:lvl5pPr>
+            <a:lvl6pPr marR="0" lvl="5" algn="l" rtl="0">
+              <a:lnSpc>
+                <a:spcPct val="100000"/>
+              </a:lnSpc>
+              <a:spcBef>
+                <a:spcPts val="0"/>
+              </a:spcBef>
+              <a:spcAft>
+                <a:spcPts val="0"/>
+              </a:spcAft>
+              <a:buClr>
+                <a:schemeClr val="dk1"/>
+              </a:buClr>
+              <a:buSzPts val="3300"/>
+              <a:buFont typeface="Quantico"/>
+              <a:buNone/>
+              <a:defRPr sz="3300" b="1" i="0" u="none" strike="noStrike" cap="none">
+                <a:solidFill>
+                  <a:schemeClr val="dk1"/>
+                </a:solidFill>
+                <a:latin typeface="Quantico"/>
+                <a:ea typeface="Quantico"/>
+                <a:cs typeface="Quantico"/>
+                <a:sym typeface="Quantico"/>
+              </a:defRPr>
+            </a:lvl6pPr>
+            <a:lvl7pPr marR="0" lvl="6" algn="l" rtl="0">
+              <a:lnSpc>
+                <a:spcPct val="100000"/>
+              </a:lnSpc>
+              <a:spcBef>
+                <a:spcPts val="0"/>
+              </a:spcBef>
+              <a:spcAft>
+                <a:spcPts val="0"/>
+              </a:spcAft>
+              <a:buClr>
+                <a:schemeClr val="dk1"/>
+              </a:buClr>
+              <a:buSzPts val="3300"/>
+              <a:buFont typeface="Quantico"/>
+              <a:buNone/>
+              <a:defRPr sz="3300" b="1" i="0" u="none" strike="noStrike" cap="none">
+                <a:solidFill>
+                  <a:schemeClr val="dk1"/>
+                </a:solidFill>
+                <a:latin typeface="Quantico"/>
+                <a:ea typeface="Quantico"/>
+                <a:cs typeface="Quantico"/>
+                <a:sym typeface="Quantico"/>
+              </a:defRPr>
+            </a:lvl7pPr>
+            <a:lvl8pPr marR="0" lvl="7" algn="l" rtl="0">
+              <a:lnSpc>
+                <a:spcPct val="100000"/>
+              </a:lnSpc>
+              <a:spcBef>
+                <a:spcPts val="0"/>
+              </a:spcBef>
+              <a:spcAft>
+                <a:spcPts val="0"/>
+              </a:spcAft>
+              <a:buClr>
+                <a:schemeClr val="dk1"/>
+              </a:buClr>
+              <a:buSzPts val="3300"/>
+              <a:buFont typeface="Quantico"/>
+              <a:buNone/>
+              <a:defRPr sz="3300" b="1" i="0" u="none" strike="noStrike" cap="none">
+                <a:solidFill>
+                  <a:schemeClr val="dk1"/>
+                </a:solidFill>
+                <a:latin typeface="Quantico"/>
+                <a:ea typeface="Quantico"/>
+                <a:cs typeface="Quantico"/>
+                <a:sym typeface="Quantico"/>
+              </a:defRPr>
+            </a:lvl8pPr>
+            <a:lvl9pPr marR="0" lvl="8" algn="l" rtl="0">
+              <a:lnSpc>
+                <a:spcPct val="100000"/>
+              </a:lnSpc>
+              <a:spcBef>
+                <a:spcPts val="0"/>
+              </a:spcBef>
+              <a:spcAft>
+                <a:spcPts val="0"/>
+              </a:spcAft>
+              <a:buClr>
+                <a:schemeClr val="dk1"/>
+              </a:buClr>
+              <a:buSzPts val="3300"/>
+              <a:buFont typeface="Quantico"/>
+              <a:buNone/>
+              <a:defRPr sz="3300" b="1" i="0" u="none" strike="noStrike" cap="none">
+                <a:solidFill>
+                  <a:schemeClr val="dk1"/>
+                </a:solidFill>
+                <a:latin typeface="Quantico"/>
+                <a:ea typeface="Quantico"/>
+                <a:cs typeface="Quantico"/>
+                <a:sym typeface="Quantico"/>
+              </a:defRPr>
+            </a:lvl9pPr>
+          </a:lstStyle>
+          <a:p>
+            <a:r>
+              <a:rPr lang="pt-BR" dirty="0" smtClean="0"/>
+              <a:t>Imagens sobre Rampa de acesso, legendas, sites com contraste e leitores de tela.</a:t>
+            </a:r>
+            <a:endParaRPr lang="pt-BR" dirty="0"/>
+          </a:p>
+        </p:txBody>
+      </p:sp>
+    </p:spTree>
+    <p:extLst>
+      <p:ext uri="{BB962C8B-B14F-4D97-AF65-F5344CB8AC3E}">
+        <p14:creationId xmlns:p14="http://schemas.microsoft.com/office/powerpoint/2010/main" val="1788196644"/>
+      </p:ext>
+    </p:extLst>
+  </p:cSld>
+  <p:clrMapOvr>
+    <a:masterClrMapping/>
+  </p:clrMapOvr>
+  <p:timing>
+    <p:tnLst>
+      <p:par>
+        <p:cTn id="1" dur="indefinite" restart="never" nodeType="tmRoot"/>
+      </p:par>
+    </p:tnLst>
+  </p:timing>
+</p:sld>
+</file>
+
+<file path=ppt/slides/slide23.xml><?xml version="1.0" encoding="utf-8"?>
+<p:sld xmlns:a="http://schemas.openxmlformats.org/drawingml/2006/main" xmlns:r="http://schemas.openxmlformats.org/officeDocument/2006/relationships" xmlns:p="http://schemas.openxmlformats.org/presentationml/2006/main">
+  <p:cSld>
+    <p:spTree>
+      <p:nvGrpSpPr>
+        <p:cNvPr id="1" name="Shape 283"/>
+        <p:cNvGrpSpPr/>
+        <p:nvPr/>
+      </p:nvGrpSpPr>
+      <p:grpSpPr>
+        <a:xfrm>
+          <a:off x="0" y="0"/>
+          <a:ext cx="0" cy="0"/>
+          <a:chOff x="0" y="0"/>
+          <a:chExt cx="0" cy="0"/>
+        </a:xfrm>
+      </p:grpSpPr>
+      <p:sp>
+        <p:nvSpPr>
+          <p:cNvPr id="284" name="Google Shape;284;p32"/>
+          <p:cNvSpPr txBox="1">
+            <a:spLocks noGrp="1"/>
+          </p:cNvSpPr>
+          <p:nvPr>
+            <p:ph type="title"/>
+          </p:nvPr>
+        </p:nvSpPr>
+        <p:spPr>
+          <a:prstGeom prst="rect">
+            <a:avLst/>
+          </a:prstGeom>
+        </p:spPr>
+        <p:txBody>
+          <a:bodyPr spcFirstLastPara="1" wrap="square" lIns="91425" tIns="91425" rIns="91425" bIns="91425" anchor="t" anchorCtr="0">
+            <a:noAutofit/>
+          </a:bodyPr>
+          <a:lstStyle/>
+          <a:p>
+            <a:pPr lvl="0"/>
+            <a:r>
+              <a:rPr lang="en" dirty="0">
+                <a:solidFill>
+                  <a:schemeClr val="lt2"/>
+                </a:solidFill>
+              </a:rPr>
+              <a:t>&lt; </a:t>
+            </a:r>
+            <a:r>
+              <a:rPr lang="pt-BR" dirty="0" smtClean="0"/>
+              <a:t>Pontos de vista: </a:t>
+            </a:r>
+            <a:r>
+              <a:rPr lang="en" dirty="0">
+                <a:solidFill>
+                  <a:schemeClr val="lt2"/>
+                </a:solidFill>
+              </a:rPr>
+              <a:t>/&gt;</a:t>
+            </a:r>
+            <a:endParaRPr dirty="0"/>
+          </a:p>
+        </p:txBody>
+      </p:sp>
+      <p:sp>
+        <p:nvSpPr>
+          <p:cNvPr id="7" name="Google Shape;284;p32"/>
+          <p:cNvSpPr txBox="1">
+            <a:spLocks/>
+          </p:cNvSpPr>
+          <p:nvPr/>
+        </p:nvSpPr>
+        <p:spPr>
+          <a:xfrm>
+            <a:off x="988503" y="4138499"/>
+            <a:ext cx="7704000" cy="572700"/>
+          </a:xfrm>
+          <a:prstGeom prst="rect">
+            <a:avLst/>
+          </a:prstGeom>
+          <a:noFill/>
+          <a:ln>
+            <a:noFill/>
+          </a:ln>
+        </p:spPr>
+        <p:txBody>
+          <a:bodyPr spcFirstLastPara="1" wrap="square" lIns="91425" tIns="91425" rIns="91425" bIns="91425" anchor="t" anchorCtr="0">
+            <a:noAutofit/>
+          </a:bodyPr>
+          <a:lstStyle>
+            <a:defPPr marR="0" lvl="0" algn="l" rtl="0">
+              <a:lnSpc>
+                <a:spcPct val="100000"/>
+              </a:lnSpc>
+              <a:spcBef>
+                <a:spcPts val="0"/>
+              </a:spcBef>
+              <a:spcAft>
+                <a:spcPts val="0"/>
+              </a:spcAft>
+            </a:defPPr>
+            <a:lvl1pPr marR="0" lvl="0" algn="l" rtl="0">
+              <a:lnSpc>
+                <a:spcPct val="100000"/>
+              </a:lnSpc>
+              <a:spcBef>
+                <a:spcPts val="0"/>
+              </a:spcBef>
+              <a:spcAft>
+                <a:spcPts val="0"/>
+              </a:spcAft>
+              <a:buClr>
+                <a:schemeClr val="dk1"/>
+              </a:buClr>
+              <a:buSzPts val="3300"/>
+              <a:buFont typeface="Quantico"/>
+              <a:buNone/>
+              <a:defRPr sz="3300" b="0" i="0" u="none" strike="noStrike" cap="none">
+                <a:solidFill>
+                  <a:schemeClr val="dk1"/>
+                </a:solidFill>
+                <a:latin typeface="Quantico"/>
+                <a:ea typeface="Quantico"/>
+                <a:cs typeface="Quantico"/>
+                <a:sym typeface="Quantico"/>
+              </a:defRPr>
+            </a:lvl1pPr>
+            <a:lvl2pPr marR="0" lvl="1" algn="l" rtl="0">
+              <a:lnSpc>
+                <a:spcPct val="100000"/>
+              </a:lnSpc>
+              <a:spcBef>
+                <a:spcPts val="0"/>
+              </a:spcBef>
+              <a:spcAft>
+                <a:spcPts val="0"/>
+              </a:spcAft>
+              <a:buClr>
+                <a:schemeClr val="dk1"/>
+              </a:buClr>
+              <a:buSzPts val="3300"/>
+              <a:buFont typeface="Quantico"/>
+              <a:buNone/>
+              <a:defRPr sz="3300" b="1" i="0" u="none" strike="noStrike" cap="none">
+                <a:solidFill>
+                  <a:schemeClr val="dk1"/>
+                </a:solidFill>
+                <a:latin typeface="Quantico"/>
+                <a:ea typeface="Quantico"/>
+                <a:cs typeface="Quantico"/>
+                <a:sym typeface="Quantico"/>
+              </a:defRPr>
+            </a:lvl2pPr>
+            <a:lvl3pPr marR="0" lvl="2" algn="l" rtl="0">
+              <a:lnSpc>
+                <a:spcPct val="100000"/>
+              </a:lnSpc>
+              <a:spcBef>
+                <a:spcPts val="0"/>
+              </a:spcBef>
+              <a:spcAft>
+                <a:spcPts val="0"/>
+              </a:spcAft>
+              <a:buClr>
+                <a:schemeClr val="dk1"/>
+              </a:buClr>
+              <a:buSzPts val="3300"/>
+              <a:buFont typeface="Quantico"/>
+              <a:buNone/>
+              <a:defRPr sz="3300" b="1" i="0" u="none" strike="noStrike" cap="none">
+                <a:solidFill>
+                  <a:schemeClr val="dk1"/>
+                </a:solidFill>
+                <a:latin typeface="Quantico"/>
+                <a:ea typeface="Quantico"/>
+                <a:cs typeface="Quantico"/>
+                <a:sym typeface="Quantico"/>
+              </a:defRPr>
+            </a:lvl3pPr>
+            <a:lvl4pPr marR="0" lvl="3" algn="l" rtl="0">
+              <a:lnSpc>
+                <a:spcPct val="100000"/>
+              </a:lnSpc>
+              <a:spcBef>
+                <a:spcPts val="0"/>
+              </a:spcBef>
+              <a:spcAft>
+                <a:spcPts val="0"/>
+              </a:spcAft>
+              <a:buClr>
+                <a:schemeClr val="dk1"/>
+              </a:buClr>
+              <a:buSzPts val="3300"/>
+              <a:buFont typeface="Quantico"/>
+              <a:buNone/>
+              <a:defRPr sz="3300" b="1" i="0" u="none" strike="noStrike" cap="none">
+                <a:solidFill>
+                  <a:schemeClr val="dk1"/>
+                </a:solidFill>
+                <a:latin typeface="Quantico"/>
+                <a:ea typeface="Quantico"/>
+                <a:cs typeface="Quantico"/>
+                <a:sym typeface="Quantico"/>
+              </a:defRPr>
+            </a:lvl4pPr>
+            <a:lvl5pPr marR="0" lvl="4" algn="l" rtl="0">
+              <a:lnSpc>
+                <a:spcPct val="100000"/>
+              </a:lnSpc>
+              <a:spcBef>
+                <a:spcPts val="0"/>
+              </a:spcBef>
+              <a:spcAft>
+                <a:spcPts val="0"/>
+              </a:spcAft>
+              <a:buClr>
+                <a:schemeClr val="dk1"/>
+              </a:buClr>
+              <a:buSzPts val="3300"/>
+              <a:buFont typeface="Quantico"/>
+              <a:buNone/>
+              <a:defRPr sz="3300" b="1" i="0" u="none" strike="noStrike" cap="none">
+                <a:solidFill>
+                  <a:schemeClr val="dk1"/>
+                </a:solidFill>
+                <a:latin typeface="Quantico"/>
+                <a:ea typeface="Quantico"/>
+                <a:cs typeface="Quantico"/>
+                <a:sym typeface="Quantico"/>
+              </a:defRPr>
+            </a:lvl5pPr>
+            <a:lvl6pPr marR="0" lvl="5" algn="l" rtl="0">
+              <a:lnSpc>
+                <a:spcPct val="100000"/>
+              </a:lnSpc>
+              <a:spcBef>
+                <a:spcPts val="0"/>
+              </a:spcBef>
+              <a:spcAft>
+                <a:spcPts val="0"/>
+              </a:spcAft>
+              <a:buClr>
+                <a:schemeClr val="dk1"/>
+              </a:buClr>
+              <a:buSzPts val="3300"/>
+              <a:buFont typeface="Quantico"/>
+              <a:buNone/>
+              <a:defRPr sz="3300" b="1" i="0" u="none" strike="noStrike" cap="none">
+                <a:solidFill>
+                  <a:schemeClr val="dk1"/>
+                </a:solidFill>
+                <a:latin typeface="Quantico"/>
+                <a:ea typeface="Quantico"/>
+                <a:cs typeface="Quantico"/>
+                <a:sym typeface="Quantico"/>
+              </a:defRPr>
+            </a:lvl6pPr>
+            <a:lvl7pPr marR="0" lvl="6" algn="l" rtl="0">
+              <a:lnSpc>
+                <a:spcPct val="100000"/>
+              </a:lnSpc>
+              <a:spcBef>
+                <a:spcPts val="0"/>
+              </a:spcBef>
+              <a:spcAft>
+                <a:spcPts val="0"/>
+              </a:spcAft>
+              <a:buClr>
+                <a:schemeClr val="dk1"/>
+              </a:buClr>
+              <a:buSzPts val="3300"/>
+              <a:buFont typeface="Quantico"/>
+              <a:buNone/>
+              <a:defRPr sz="3300" b="1" i="0" u="none" strike="noStrike" cap="none">
+                <a:solidFill>
+                  <a:schemeClr val="dk1"/>
+                </a:solidFill>
+                <a:latin typeface="Quantico"/>
+                <a:ea typeface="Quantico"/>
+                <a:cs typeface="Quantico"/>
+                <a:sym typeface="Quantico"/>
+              </a:defRPr>
+            </a:lvl7pPr>
+            <a:lvl8pPr marR="0" lvl="7" algn="l" rtl="0">
+              <a:lnSpc>
+                <a:spcPct val="100000"/>
+              </a:lnSpc>
+              <a:spcBef>
+                <a:spcPts val="0"/>
+              </a:spcBef>
+              <a:spcAft>
+                <a:spcPts val="0"/>
+              </a:spcAft>
+              <a:buClr>
+                <a:schemeClr val="dk1"/>
+              </a:buClr>
+              <a:buSzPts val="3300"/>
+              <a:buFont typeface="Quantico"/>
+              <a:buNone/>
+              <a:defRPr sz="3300" b="1" i="0" u="none" strike="noStrike" cap="none">
+                <a:solidFill>
+                  <a:schemeClr val="dk1"/>
+                </a:solidFill>
+                <a:latin typeface="Quantico"/>
+                <a:ea typeface="Quantico"/>
+                <a:cs typeface="Quantico"/>
+                <a:sym typeface="Quantico"/>
+              </a:defRPr>
+            </a:lvl8pPr>
+            <a:lvl9pPr marR="0" lvl="8" algn="l" rtl="0">
+              <a:lnSpc>
+                <a:spcPct val="100000"/>
+              </a:lnSpc>
+              <a:spcBef>
+                <a:spcPts val="0"/>
+              </a:spcBef>
+              <a:spcAft>
+                <a:spcPts val="0"/>
+              </a:spcAft>
+              <a:buClr>
+                <a:schemeClr val="dk1"/>
+              </a:buClr>
+              <a:buSzPts val="3300"/>
+              <a:buFont typeface="Quantico"/>
+              <a:buNone/>
+              <a:defRPr sz="3300" b="1" i="0" u="none" strike="noStrike" cap="none">
+                <a:solidFill>
+                  <a:schemeClr val="dk1"/>
+                </a:solidFill>
+                <a:latin typeface="Quantico"/>
+                <a:ea typeface="Quantico"/>
+                <a:cs typeface="Quantico"/>
+                <a:sym typeface="Quantico"/>
+              </a:defRPr>
+            </a:lvl9pPr>
+          </a:lstStyle>
+          <a:p>
+            <a:pPr algn="r"/>
+            <a:r>
+              <a:rPr lang="pt-BR" sz="1800" dirty="0">
+                <a:solidFill>
+                  <a:schemeClr val="lt2"/>
+                </a:solidFill>
+              </a:rPr>
+              <a:t>&lt; </a:t>
+            </a:r>
+            <a:r>
+              <a:rPr lang="pt-BR" sz="1800" dirty="0" smtClean="0"/>
+              <a:t>Inovação </a:t>
+            </a:r>
+            <a:r>
+              <a:rPr lang="pt-BR" sz="1800" dirty="0">
+                <a:solidFill>
+                  <a:schemeClr val="lt2"/>
+                </a:solidFill>
+              </a:rPr>
+              <a:t>/&gt;</a:t>
+            </a:r>
+            <a:endParaRPr lang="pt-BR" sz="1800" dirty="0"/>
+          </a:p>
+        </p:txBody>
+      </p:sp>
+      <p:grpSp>
+        <p:nvGrpSpPr>
+          <p:cNvPr id="10" name="Google Shape;214;p27"/>
+          <p:cNvGrpSpPr/>
+          <p:nvPr/>
+        </p:nvGrpSpPr>
+        <p:grpSpPr>
+          <a:xfrm>
+            <a:off x="719988" y="1354576"/>
+            <a:ext cx="7704000" cy="2783923"/>
+            <a:chOff x="1054812" y="1029576"/>
+            <a:chExt cx="3436200" cy="3912641"/>
+          </a:xfrm>
+        </p:grpSpPr>
+        <p:sp>
+          <p:nvSpPr>
+            <p:cNvPr id="11" name="Google Shape;215;p27"/>
+            <p:cNvSpPr/>
+            <p:nvPr/>
+          </p:nvSpPr>
+          <p:spPr>
+            <a:xfrm>
+              <a:off x="1054812" y="1029617"/>
+              <a:ext cx="3436200" cy="3912600"/>
+            </a:xfrm>
+            <a:prstGeom prst="rect">
+              <a:avLst/>
+            </a:prstGeom>
+            <a:solidFill>
+              <a:schemeClr val="lt1"/>
+            </a:solidFill>
+            <a:ln w="9525" cap="flat" cmpd="sng">
+              <a:solidFill>
+                <a:schemeClr val="dk1"/>
+              </a:solidFill>
+              <a:prstDash val="solid"/>
+              <a:round/>
+              <a:headEnd type="none" w="sm" len="sm"/>
+              <a:tailEnd type="none" w="sm" len="sm"/>
+            </a:ln>
+          </p:spPr>
+          <p:txBody>
+            <a:bodyPr spcFirstLastPara="1" wrap="square" lIns="91425" tIns="91425" rIns="91425" bIns="91425" anchor="ctr" anchorCtr="0">
+              <a:noAutofit/>
+            </a:bodyPr>
+            <a:lstStyle/>
+            <a:p>
+              <a:pPr marL="0" lvl="0" indent="0" algn="l" rtl="0">
+                <a:spcBef>
+                  <a:spcPts val="0"/>
+                </a:spcBef>
+                <a:spcAft>
+                  <a:spcPts val="0"/>
+                </a:spcAft>
+                <a:buNone/>
+              </a:pPr>
+              <a:endParaRPr dirty="0">
+                <a:solidFill>
+                  <a:schemeClr val="tx1"/>
+                </a:solidFill>
+              </a:endParaRPr>
+            </a:p>
+          </p:txBody>
+        </p:sp>
+        <p:sp>
+          <p:nvSpPr>
+            <p:cNvPr id="12" name="Google Shape;216;p27"/>
+            <p:cNvSpPr/>
+            <p:nvPr/>
+          </p:nvSpPr>
+          <p:spPr>
+            <a:xfrm>
+              <a:off x="1054812" y="1029576"/>
+              <a:ext cx="3436200" cy="610201"/>
+            </a:xfrm>
+            <a:prstGeom prst="rect">
+              <a:avLst/>
+            </a:prstGeom>
+            <a:solidFill>
+              <a:schemeClr val="lt1"/>
+            </a:solidFill>
+            <a:ln w="9525" cap="flat" cmpd="sng">
+              <a:solidFill>
+                <a:schemeClr val="dk1"/>
+              </a:solidFill>
+              <a:prstDash val="solid"/>
+              <a:round/>
+              <a:headEnd type="none" w="sm" len="sm"/>
+              <a:tailEnd type="none" w="sm" len="sm"/>
+            </a:ln>
+          </p:spPr>
+          <p:txBody>
+            <a:bodyPr spcFirstLastPara="1" wrap="square" lIns="91425" tIns="91425" rIns="91425" bIns="91425" anchor="ctr" anchorCtr="0">
+              <a:noAutofit/>
+            </a:bodyPr>
+            <a:lstStyle/>
+            <a:p>
+              <a:pPr marL="0" lvl="0" indent="0" algn="l" rtl="0">
+                <a:spcBef>
+                  <a:spcPts val="0"/>
+                </a:spcBef>
+                <a:spcAft>
+                  <a:spcPts val="0"/>
+                </a:spcAft>
+                <a:buNone/>
+              </a:pPr>
+              <a:r>
+                <a:rPr lang="pt-BR" sz="1800" dirty="0" smtClean="0">
+                  <a:solidFill>
+                    <a:schemeClr val="dk1"/>
+                  </a:solidFill>
+                  <a:latin typeface="Quantico"/>
+                  <a:ea typeface="Quantico"/>
+                  <a:cs typeface="Quantico"/>
+                  <a:sym typeface="Quantico"/>
+                </a:rPr>
+                <a:t>inovation.js</a:t>
+              </a:r>
+              <a:endParaRPr sz="1800" dirty="0">
+                <a:solidFill>
+                  <a:schemeClr val="dk1"/>
+                </a:solidFill>
+                <a:latin typeface="Quantico"/>
+                <a:ea typeface="Quantico"/>
+                <a:cs typeface="Quantico"/>
+                <a:sym typeface="Quantico"/>
+              </a:endParaRPr>
+            </a:p>
+          </p:txBody>
+        </p:sp>
+      </p:grpSp>
+      <p:sp>
+        <p:nvSpPr>
+          <p:cNvPr id="3" name="CaixaDeTexto 2">
+            <a:extLst>
+              <a:ext uri="{FF2B5EF4-FFF2-40B4-BE49-F238E27FC236}">
+                <a16:creationId xmlns="" xmlns:a16="http://schemas.microsoft.com/office/drawing/2014/main" id="{309B08B6-9145-B3D6-2411-56E137E90BFF}"/>
+              </a:ext>
+            </a:extLst>
+          </p:cNvPr>
+          <p:cNvSpPr txBox="1"/>
+          <p:nvPr/>
+        </p:nvSpPr>
+        <p:spPr>
+          <a:xfrm>
+            <a:off x="847493" y="1937425"/>
+            <a:ext cx="7576493" cy="2246769"/>
+          </a:xfrm>
+          <a:prstGeom prst="rect">
+            <a:avLst/>
+          </a:prstGeom>
+          <a:noFill/>
+        </p:spPr>
+        <p:txBody>
+          <a:bodyPr wrap="square">
+            <a:spAutoFit/>
+          </a:bodyPr>
+          <a:lstStyle/>
+          <a:p>
+            <a:r>
+              <a:rPr lang="en" dirty="0" smtClean="0">
+                <a:solidFill>
+                  <a:schemeClr val="accent2"/>
+                </a:solidFill>
+                <a:latin typeface="+mj-lt"/>
+                <a:sym typeface="Quantico"/>
+              </a:rPr>
+              <a:t>// </a:t>
+            </a:r>
+            <a:r>
+              <a:rPr lang="en" dirty="0" smtClean="0">
+                <a:solidFill>
+                  <a:schemeClr val="tx1"/>
+                </a:solidFill>
+                <a:latin typeface="+mj-lt"/>
+                <a:sym typeface="Quantico"/>
+              </a:rPr>
+              <a:t>: Inovação cultural.</a:t>
+            </a:r>
+          </a:p>
+          <a:p>
+            <a:endParaRPr lang="en" dirty="0">
+              <a:solidFill>
+                <a:schemeClr val="tx1"/>
+              </a:solidFill>
+              <a:latin typeface="+mj-lt"/>
+              <a:sym typeface="Quantico"/>
+            </a:endParaRPr>
+          </a:p>
+          <a:p>
+            <a:r>
+              <a:rPr lang="en" dirty="0">
+                <a:solidFill>
+                  <a:schemeClr val="accent2"/>
+                </a:solidFill>
+                <a:sym typeface="Quantico"/>
+              </a:rPr>
+              <a:t>// </a:t>
+            </a:r>
+            <a:r>
+              <a:rPr lang="en" dirty="0">
+                <a:solidFill>
+                  <a:schemeClr val="tx1"/>
+                </a:solidFill>
+                <a:sym typeface="Quantico"/>
+              </a:rPr>
+              <a:t>: </a:t>
+            </a:r>
+            <a:r>
+              <a:rPr lang="en" dirty="0" smtClean="0">
+                <a:solidFill>
+                  <a:schemeClr val="tx1"/>
+                </a:solidFill>
+                <a:sym typeface="Quantico"/>
+              </a:rPr>
+              <a:t>Acessibilidade também é inovação</a:t>
+            </a:r>
+            <a:r>
+              <a:rPr lang="en" dirty="0" smtClean="0">
+                <a:solidFill>
+                  <a:schemeClr val="tx1"/>
+                </a:solidFill>
+                <a:sym typeface="Quantico"/>
+              </a:rPr>
+              <a:t>.</a:t>
+            </a:r>
+            <a:endParaRPr lang="en" dirty="0">
+              <a:solidFill>
+                <a:schemeClr val="tx1"/>
+              </a:solidFill>
+              <a:sym typeface="Quantico"/>
+            </a:endParaRPr>
+          </a:p>
+          <a:p>
+            <a:endParaRPr lang="en" dirty="0" smtClean="0">
+              <a:solidFill>
+                <a:schemeClr val="tx1"/>
+              </a:solidFill>
+              <a:latin typeface="+mj-lt"/>
+              <a:sym typeface="Quantico"/>
+            </a:endParaRPr>
+          </a:p>
+          <a:p>
+            <a:r>
+              <a:rPr lang="en" dirty="0">
+                <a:solidFill>
+                  <a:schemeClr val="accent2"/>
+                </a:solidFill>
+                <a:sym typeface="Quantico"/>
+              </a:rPr>
+              <a:t>// </a:t>
+            </a:r>
+            <a:r>
+              <a:rPr lang="en" dirty="0">
+                <a:solidFill>
+                  <a:schemeClr val="tx1"/>
+                </a:solidFill>
+                <a:sym typeface="Quantico"/>
+              </a:rPr>
+              <a:t>: </a:t>
+            </a:r>
+            <a:r>
+              <a:rPr lang="en" dirty="0" smtClean="0">
+                <a:solidFill>
+                  <a:schemeClr val="tx1"/>
+                </a:solidFill>
+                <a:sym typeface="Quantico"/>
+              </a:rPr>
+              <a:t>Inovação com organização.</a:t>
+            </a:r>
+            <a:endParaRPr lang="en" dirty="0">
+              <a:solidFill>
+                <a:schemeClr val="tx1"/>
+              </a:solidFill>
+              <a:sym typeface="Quantico"/>
+            </a:endParaRPr>
+          </a:p>
+          <a:p>
+            <a:endParaRPr lang="en" dirty="0" smtClean="0">
+              <a:solidFill>
+                <a:schemeClr val="tx1"/>
+              </a:solidFill>
+              <a:latin typeface="+mj-lt"/>
+              <a:sym typeface="Quantico"/>
+            </a:endParaRPr>
+          </a:p>
+          <a:p>
+            <a:r>
+              <a:rPr lang="en" dirty="0">
+                <a:solidFill>
+                  <a:schemeClr val="accent2"/>
+                </a:solidFill>
+                <a:sym typeface="Quantico"/>
+              </a:rPr>
+              <a:t>// </a:t>
+            </a:r>
+            <a:r>
+              <a:rPr lang="en" dirty="0">
+                <a:solidFill>
+                  <a:schemeClr val="tx1"/>
+                </a:solidFill>
+                <a:sym typeface="Quantico"/>
+              </a:rPr>
+              <a:t>: </a:t>
+            </a:r>
+            <a:r>
+              <a:rPr lang="en" dirty="0" smtClean="0">
+                <a:solidFill>
+                  <a:schemeClr val="tx1"/>
+                </a:solidFill>
+                <a:sym typeface="Quantico"/>
+              </a:rPr>
+              <a:t>Cultura e engajamento.</a:t>
+            </a:r>
+            <a:endParaRPr lang="en" dirty="0">
+              <a:solidFill>
+                <a:schemeClr val="tx1"/>
+              </a:solidFill>
+              <a:sym typeface="Quantico"/>
+            </a:endParaRPr>
+          </a:p>
+          <a:p>
+            <a:endParaRPr lang="pt-BR" dirty="0">
+              <a:solidFill>
+                <a:schemeClr val="tx1"/>
+              </a:solidFill>
+              <a:latin typeface="+mj-lt"/>
+            </a:endParaRPr>
+          </a:p>
+          <a:p>
+            <a:r>
+              <a:rPr lang="en" dirty="0">
+                <a:solidFill>
+                  <a:schemeClr val="accent2"/>
+                </a:solidFill>
+                <a:sym typeface="Quantico"/>
+              </a:rPr>
+              <a:t>// </a:t>
+            </a:r>
+            <a:r>
+              <a:rPr lang="en" dirty="0">
+                <a:solidFill>
+                  <a:schemeClr val="tx1"/>
+                </a:solidFill>
+                <a:sym typeface="Quantico"/>
+              </a:rPr>
+              <a:t>: </a:t>
+            </a:r>
+            <a:r>
+              <a:rPr lang="en" dirty="0" smtClean="0">
+                <a:solidFill>
+                  <a:schemeClr val="tx1"/>
+                </a:solidFill>
+                <a:sym typeface="Quantico"/>
+              </a:rPr>
+              <a:t>Objetividade.</a:t>
+            </a:r>
+            <a:endParaRPr lang="en" dirty="0">
+              <a:solidFill>
+                <a:schemeClr val="tx1"/>
+              </a:solidFill>
+              <a:sym typeface="Quantico"/>
+            </a:endParaRPr>
+          </a:p>
+          <a:p>
+            <a:endParaRPr lang="pt-BR" dirty="0">
+              <a:solidFill>
+                <a:schemeClr val="tx1"/>
+              </a:solidFill>
+              <a:latin typeface="+mj-lt"/>
+            </a:endParaRPr>
+          </a:p>
+        </p:txBody>
+      </p:sp>
+    </p:spTree>
+    <p:extLst>
+      <p:ext uri="{BB962C8B-B14F-4D97-AF65-F5344CB8AC3E}">
+        <p14:creationId xmlns:p14="http://schemas.microsoft.com/office/powerpoint/2010/main" val="230926379"/>
+      </p:ext>
+    </p:extLst>
+  </p:cSld>
+  <p:clrMapOvr>
+    <a:masterClrMapping/>
+  </p:clrMapOvr>
+  <p:timing>
+    <p:tnLst>
+      <p:par>
+        <p:cTn id="1" dur="indefinite" restart="never" nodeType="tmRoot"/>
+      </p:par>
+    </p:tnLst>
+  </p:timing>
+</p:sld>
+</file>
+
+<file path=ppt/slides/slide24.xml><?xml version="1.0" encoding="utf-8"?>
+<p:sld xmlns:a="http://schemas.openxmlformats.org/drawingml/2006/main" xmlns:r="http://schemas.openxmlformats.org/officeDocument/2006/relationships" xmlns:p="http://schemas.openxmlformats.org/presentationml/2006/main">
+  <p:cSld>
+    <p:spTree>
+      <p:nvGrpSpPr>
+        <p:cNvPr id="1" name="Shape 283"/>
+        <p:cNvGrpSpPr/>
+        <p:nvPr/>
+      </p:nvGrpSpPr>
+      <p:grpSpPr>
+        <a:xfrm>
+          <a:off x="0" y="0"/>
+          <a:ext cx="0" cy="0"/>
+          <a:chOff x="0" y="0"/>
+          <a:chExt cx="0" cy="0"/>
+        </a:xfrm>
+      </p:grpSpPr>
+      <p:sp>
+        <p:nvSpPr>
+          <p:cNvPr id="284" name="Google Shape;284;p32"/>
+          <p:cNvSpPr txBox="1">
+            <a:spLocks noGrp="1"/>
+          </p:cNvSpPr>
+          <p:nvPr>
+            <p:ph type="title"/>
+          </p:nvPr>
+        </p:nvSpPr>
+        <p:spPr>
+          <a:prstGeom prst="rect">
+            <a:avLst/>
+          </a:prstGeom>
+        </p:spPr>
+        <p:txBody>
+          <a:bodyPr spcFirstLastPara="1" wrap="square" lIns="91425" tIns="91425" rIns="91425" bIns="91425" anchor="t" anchorCtr="0">
+            <a:noAutofit/>
+          </a:bodyPr>
+          <a:lstStyle/>
+          <a:p>
+            <a:pPr lvl="0"/>
+            <a:r>
+              <a:rPr lang="en" dirty="0">
+                <a:solidFill>
+                  <a:schemeClr val="lt2"/>
+                </a:solidFill>
+              </a:rPr>
+              <a:t>&lt; </a:t>
+            </a:r>
+            <a:r>
+              <a:rPr lang="pt-BR" dirty="0" smtClean="0"/>
+              <a:t>Exemplo de implementações</a:t>
+            </a:r>
+            <a:r>
+              <a:rPr lang="pt-BR" dirty="0" smtClean="0"/>
+              <a:t>: </a:t>
+            </a:r>
+            <a:r>
+              <a:rPr lang="en" dirty="0">
+                <a:solidFill>
+                  <a:schemeClr val="lt2"/>
+                </a:solidFill>
+              </a:rPr>
+              <a:t>/&gt;</a:t>
+            </a:r>
+            <a:endParaRPr dirty="0"/>
+          </a:p>
+        </p:txBody>
+      </p:sp>
+      <p:sp>
+        <p:nvSpPr>
+          <p:cNvPr id="7" name="Google Shape;284;p32"/>
+          <p:cNvSpPr txBox="1">
+            <a:spLocks/>
+          </p:cNvSpPr>
+          <p:nvPr/>
+        </p:nvSpPr>
+        <p:spPr>
+          <a:xfrm>
+            <a:off x="988503" y="4138499"/>
+            <a:ext cx="7704000" cy="572700"/>
+          </a:xfrm>
+          <a:prstGeom prst="rect">
+            <a:avLst/>
+          </a:prstGeom>
+          <a:noFill/>
+          <a:ln>
+            <a:noFill/>
+          </a:ln>
+        </p:spPr>
+        <p:txBody>
+          <a:bodyPr spcFirstLastPara="1" wrap="square" lIns="91425" tIns="91425" rIns="91425" bIns="91425" anchor="t" anchorCtr="0">
+            <a:noAutofit/>
+          </a:bodyPr>
+          <a:lstStyle>
+            <a:defPPr marR="0" lvl="0" algn="l" rtl="0">
+              <a:lnSpc>
+                <a:spcPct val="100000"/>
+              </a:lnSpc>
+              <a:spcBef>
+                <a:spcPts val="0"/>
+              </a:spcBef>
+              <a:spcAft>
+                <a:spcPts val="0"/>
+              </a:spcAft>
+            </a:defPPr>
+            <a:lvl1pPr marR="0" lvl="0" algn="l" rtl="0">
+              <a:lnSpc>
+                <a:spcPct val="100000"/>
+              </a:lnSpc>
+              <a:spcBef>
+                <a:spcPts val="0"/>
+              </a:spcBef>
+              <a:spcAft>
+                <a:spcPts val="0"/>
+              </a:spcAft>
+              <a:buClr>
+                <a:schemeClr val="dk1"/>
+              </a:buClr>
+              <a:buSzPts val="3300"/>
+              <a:buFont typeface="Quantico"/>
+              <a:buNone/>
+              <a:defRPr sz="3300" b="0" i="0" u="none" strike="noStrike" cap="none">
+                <a:solidFill>
+                  <a:schemeClr val="dk1"/>
+                </a:solidFill>
+                <a:latin typeface="Quantico"/>
+                <a:ea typeface="Quantico"/>
+                <a:cs typeface="Quantico"/>
+                <a:sym typeface="Quantico"/>
+              </a:defRPr>
+            </a:lvl1pPr>
+            <a:lvl2pPr marR="0" lvl="1" algn="l" rtl="0">
+              <a:lnSpc>
+                <a:spcPct val="100000"/>
+              </a:lnSpc>
+              <a:spcBef>
+                <a:spcPts val="0"/>
+              </a:spcBef>
+              <a:spcAft>
+                <a:spcPts val="0"/>
+              </a:spcAft>
+              <a:buClr>
+                <a:schemeClr val="dk1"/>
+              </a:buClr>
+              <a:buSzPts val="3300"/>
+              <a:buFont typeface="Quantico"/>
+              <a:buNone/>
+              <a:defRPr sz="3300" b="1" i="0" u="none" strike="noStrike" cap="none">
+                <a:solidFill>
+                  <a:schemeClr val="dk1"/>
+                </a:solidFill>
+                <a:latin typeface="Quantico"/>
+                <a:ea typeface="Quantico"/>
+                <a:cs typeface="Quantico"/>
+                <a:sym typeface="Quantico"/>
+              </a:defRPr>
+            </a:lvl2pPr>
+            <a:lvl3pPr marR="0" lvl="2" algn="l" rtl="0">
+              <a:lnSpc>
+                <a:spcPct val="100000"/>
+              </a:lnSpc>
+              <a:spcBef>
+                <a:spcPts val="0"/>
+              </a:spcBef>
+              <a:spcAft>
+                <a:spcPts val="0"/>
+              </a:spcAft>
+              <a:buClr>
+                <a:schemeClr val="dk1"/>
+              </a:buClr>
+              <a:buSzPts val="3300"/>
+              <a:buFont typeface="Quantico"/>
+              <a:buNone/>
+              <a:defRPr sz="3300" b="1" i="0" u="none" strike="noStrike" cap="none">
+                <a:solidFill>
+                  <a:schemeClr val="dk1"/>
+                </a:solidFill>
+                <a:latin typeface="Quantico"/>
+                <a:ea typeface="Quantico"/>
+                <a:cs typeface="Quantico"/>
+                <a:sym typeface="Quantico"/>
+              </a:defRPr>
+            </a:lvl3pPr>
+            <a:lvl4pPr marR="0" lvl="3" algn="l" rtl="0">
+              <a:lnSpc>
+                <a:spcPct val="100000"/>
+              </a:lnSpc>
+              <a:spcBef>
+                <a:spcPts val="0"/>
+              </a:spcBef>
+              <a:spcAft>
+                <a:spcPts val="0"/>
+              </a:spcAft>
+              <a:buClr>
+                <a:schemeClr val="dk1"/>
+              </a:buClr>
+              <a:buSzPts val="3300"/>
+              <a:buFont typeface="Quantico"/>
+              <a:buNone/>
+              <a:defRPr sz="3300" b="1" i="0" u="none" strike="noStrike" cap="none">
+                <a:solidFill>
+                  <a:schemeClr val="dk1"/>
+                </a:solidFill>
+                <a:latin typeface="Quantico"/>
+                <a:ea typeface="Quantico"/>
+                <a:cs typeface="Quantico"/>
+                <a:sym typeface="Quantico"/>
+              </a:defRPr>
+            </a:lvl4pPr>
+            <a:lvl5pPr marR="0" lvl="4" algn="l" rtl="0">
+              <a:lnSpc>
+                <a:spcPct val="100000"/>
+              </a:lnSpc>
+              <a:spcBef>
+                <a:spcPts val="0"/>
+              </a:spcBef>
+              <a:spcAft>
+                <a:spcPts val="0"/>
+              </a:spcAft>
+              <a:buClr>
+                <a:schemeClr val="dk1"/>
+              </a:buClr>
+              <a:buSzPts val="3300"/>
+              <a:buFont typeface="Quantico"/>
+              <a:buNone/>
+              <a:defRPr sz="3300" b="1" i="0" u="none" strike="noStrike" cap="none">
+                <a:solidFill>
+                  <a:schemeClr val="dk1"/>
+                </a:solidFill>
+                <a:latin typeface="Quantico"/>
+                <a:ea typeface="Quantico"/>
+                <a:cs typeface="Quantico"/>
+                <a:sym typeface="Quantico"/>
+              </a:defRPr>
+            </a:lvl5pPr>
+            <a:lvl6pPr marR="0" lvl="5" algn="l" rtl="0">
+              <a:lnSpc>
+                <a:spcPct val="100000"/>
+              </a:lnSpc>
+              <a:spcBef>
+                <a:spcPts val="0"/>
+              </a:spcBef>
+              <a:spcAft>
+                <a:spcPts val="0"/>
+              </a:spcAft>
+              <a:buClr>
+                <a:schemeClr val="dk1"/>
+              </a:buClr>
+              <a:buSzPts val="3300"/>
+              <a:buFont typeface="Quantico"/>
+              <a:buNone/>
+              <a:defRPr sz="3300" b="1" i="0" u="none" strike="noStrike" cap="none">
+                <a:solidFill>
+                  <a:schemeClr val="dk1"/>
+                </a:solidFill>
+                <a:latin typeface="Quantico"/>
+                <a:ea typeface="Quantico"/>
+                <a:cs typeface="Quantico"/>
+                <a:sym typeface="Quantico"/>
+              </a:defRPr>
+            </a:lvl6pPr>
+            <a:lvl7pPr marR="0" lvl="6" algn="l" rtl="0">
+              <a:lnSpc>
+                <a:spcPct val="100000"/>
+              </a:lnSpc>
+              <a:spcBef>
+                <a:spcPts val="0"/>
+              </a:spcBef>
+              <a:spcAft>
+                <a:spcPts val="0"/>
+              </a:spcAft>
+              <a:buClr>
+                <a:schemeClr val="dk1"/>
+              </a:buClr>
+              <a:buSzPts val="3300"/>
+              <a:buFont typeface="Quantico"/>
+              <a:buNone/>
+              <a:defRPr sz="3300" b="1" i="0" u="none" strike="noStrike" cap="none">
+                <a:solidFill>
+                  <a:schemeClr val="dk1"/>
+                </a:solidFill>
+                <a:latin typeface="Quantico"/>
+                <a:ea typeface="Quantico"/>
+                <a:cs typeface="Quantico"/>
+                <a:sym typeface="Quantico"/>
+              </a:defRPr>
+            </a:lvl7pPr>
+            <a:lvl8pPr marR="0" lvl="7" algn="l" rtl="0">
+              <a:lnSpc>
+                <a:spcPct val="100000"/>
+              </a:lnSpc>
+              <a:spcBef>
+                <a:spcPts val="0"/>
+              </a:spcBef>
+              <a:spcAft>
+                <a:spcPts val="0"/>
+              </a:spcAft>
+              <a:buClr>
+                <a:schemeClr val="dk1"/>
+              </a:buClr>
+              <a:buSzPts val="3300"/>
+              <a:buFont typeface="Quantico"/>
+              <a:buNone/>
+              <a:defRPr sz="3300" b="1" i="0" u="none" strike="noStrike" cap="none">
+                <a:solidFill>
+                  <a:schemeClr val="dk1"/>
+                </a:solidFill>
+                <a:latin typeface="Quantico"/>
+                <a:ea typeface="Quantico"/>
+                <a:cs typeface="Quantico"/>
+                <a:sym typeface="Quantico"/>
+              </a:defRPr>
+            </a:lvl8pPr>
+            <a:lvl9pPr marR="0" lvl="8" algn="l" rtl="0">
+              <a:lnSpc>
+                <a:spcPct val="100000"/>
+              </a:lnSpc>
+              <a:spcBef>
+                <a:spcPts val="0"/>
+              </a:spcBef>
+              <a:spcAft>
+                <a:spcPts val="0"/>
+              </a:spcAft>
+              <a:buClr>
+                <a:schemeClr val="dk1"/>
+              </a:buClr>
+              <a:buSzPts val="3300"/>
+              <a:buFont typeface="Quantico"/>
+              <a:buNone/>
+              <a:defRPr sz="3300" b="1" i="0" u="none" strike="noStrike" cap="none">
+                <a:solidFill>
+                  <a:schemeClr val="dk1"/>
+                </a:solidFill>
+                <a:latin typeface="Quantico"/>
+                <a:ea typeface="Quantico"/>
+                <a:cs typeface="Quantico"/>
+                <a:sym typeface="Quantico"/>
+              </a:defRPr>
+            </a:lvl9pPr>
+          </a:lstStyle>
+          <a:p>
+            <a:pPr algn="r"/>
+            <a:r>
+              <a:rPr lang="pt-BR" sz="1800" dirty="0">
+                <a:solidFill>
+                  <a:schemeClr val="lt2"/>
+                </a:solidFill>
+              </a:rPr>
+              <a:t>&lt; </a:t>
+            </a:r>
+            <a:r>
+              <a:rPr lang="pt-BR" sz="1800" dirty="0" smtClean="0"/>
+              <a:t>Inovação </a:t>
+            </a:r>
+            <a:r>
+              <a:rPr lang="pt-BR" sz="1800" dirty="0">
+                <a:solidFill>
+                  <a:schemeClr val="lt2"/>
+                </a:solidFill>
+              </a:rPr>
+              <a:t>/&gt;</a:t>
+            </a:r>
+            <a:endParaRPr lang="pt-BR" sz="1800" dirty="0"/>
+          </a:p>
+        </p:txBody>
+      </p:sp>
+      <p:grpSp>
+        <p:nvGrpSpPr>
+          <p:cNvPr id="10" name="Google Shape;214;p27"/>
+          <p:cNvGrpSpPr/>
+          <p:nvPr/>
+        </p:nvGrpSpPr>
+        <p:grpSpPr>
+          <a:xfrm>
+            <a:off x="719988" y="1354576"/>
+            <a:ext cx="7704000" cy="2783923"/>
+            <a:chOff x="1054812" y="1029576"/>
+            <a:chExt cx="3436200" cy="3912641"/>
+          </a:xfrm>
+        </p:grpSpPr>
+        <p:sp>
+          <p:nvSpPr>
+            <p:cNvPr id="11" name="Google Shape;215;p27"/>
+            <p:cNvSpPr/>
+            <p:nvPr/>
+          </p:nvSpPr>
+          <p:spPr>
+            <a:xfrm>
+              <a:off x="1054812" y="1029617"/>
+              <a:ext cx="3436200" cy="3912600"/>
+            </a:xfrm>
+            <a:prstGeom prst="rect">
+              <a:avLst/>
+            </a:prstGeom>
+            <a:solidFill>
+              <a:schemeClr val="lt1"/>
+            </a:solidFill>
+            <a:ln w="9525" cap="flat" cmpd="sng">
+              <a:solidFill>
+                <a:schemeClr val="dk1"/>
+              </a:solidFill>
+              <a:prstDash val="solid"/>
+              <a:round/>
+              <a:headEnd type="none" w="sm" len="sm"/>
+              <a:tailEnd type="none" w="sm" len="sm"/>
+            </a:ln>
+          </p:spPr>
+          <p:txBody>
+            <a:bodyPr spcFirstLastPara="1" wrap="square" lIns="91425" tIns="91425" rIns="91425" bIns="91425" anchor="ctr" anchorCtr="0">
+              <a:noAutofit/>
+            </a:bodyPr>
+            <a:lstStyle/>
+            <a:p>
+              <a:pPr marL="0" lvl="0" indent="0" algn="l" rtl="0">
+                <a:spcBef>
+                  <a:spcPts val="0"/>
+                </a:spcBef>
+                <a:spcAft>
+                  <a:spcPts val="0"/>
+                </a:spcAft>
+                <a:buNone/>
+              </a:pPr>
+              <a:endParaRPr dirty="0">
+                <a:solidFill>
+                  <a:schemeClr val="tx1"/>
+                </a:solidFill>
+              </a:endParaRPr>
+            </a:p>
+          </p:txBody>
+        </p:sp>
+        <p:sp>
+          <p:nvSpPr>
+            <p:cNvPr id="12" name="Google Shape;216;p27"/>
+            <p:cNvSpPr/>
+            <p:nvPr/>
+          </p:nvSpPr>
+          <p:spPr>
+            <a:xfrm>
+              <a:off x="1054812" y="1029576"/>
+              <a:ext cx="3436200" cy="610201"/>
+            </a:xfrm>
+            <a:prstGeom prst="rect">
+              <a:avLst/>
+            </a:prstGeom>
+            <a:solidFill>
+              <a:schemeClr val="lt1"/>
+            </a:solidFill>
+            <a:ln w="9525" cap="flat" cmpd="sng">
+              <a:solidFill>
+                <a:schemeClr val="dk1"/>
+              </a:solidFill>
+              <a:prstDash val="solid"/>
+              <a:round/>
+              <a:headEnd type="none" w="sm" len="sm"/>
+              <a:tailEnd type="none" w="sm" len="sm"/>
+            </a:ln>
+          </p:spPr>
+          <p:txBody>
+            <a:bodyPr spcFirstLastPara="1" wrap="square" lIns="91425" tIns="91425" rIns="91425" bIns="91425" anchor="ctr" anchorCtr="0">
+              <a:noAutofit/>
+            </a:bodyPr>
+            <a:lstStyle/>
+            <a:p>
+              <a:pPr marL="0" lvl="0" indent="0" algn="l" rtl="0">
+                <a:spcBef>
+                  <a:spcPts val="0"/>
+                </a:spcBef>
+                <a:spcAft>
+                  <a:spcPts val="0"/>
+                </a:spcAft>
+                <a:buNone/>
+              </a:pPr>
+              <a:r>
+                <a:rPr lang="pt-BR" sz="1800" dirty="0" smtClean="0">
+                  <a:solidFill>
+                    <a:schemeClr val="dk1"/>
+                  </a:solidFill>
+                  <a:latin typeface="Quantico"/>
+                  <a:ea typeface="Quantico"/>
+                  <a:cs typeface="Quantico"/>
+                  <a:sym typeface="Quantico"/>
+                </a:rPr>
+                <a:t>inovation.js</a:t>
+              </a:r>
+              <a:endParaRPr sz="1800" dirty="0">
+                <a:solidFill>
+                  <a:schemeClr val="dk1"/>
+                </a:solidFill>
+                <a:latin typeface="Quantico"/>
+                <a:ea typeface="Quantico"/>
+                <a:cs typeface="Quantico"/>
+                <a:sym typeface="Quantico"/>
+              </a:endParaRPr>
+            </a:p>
+          </p:txBody>
+        </p:sp>
+      </p:grpSp>
+      <p:sp>
+        <p:nvSpPr>
+          <p:cNvPr id="3" name="CaixaDeTexto 2">
+            <a:extLst>
+              <a:ext uri="{FF2B5EF4-FFF2-40B4-BE49-F238E27FC236}">
+                <a16:creationId xmlns="" xmlns:a16="http://schemas.microsoft.com/office/drawing/2014/main" id="{309B08B6-9145-B3D6-2411-56E137E90BFF}"/>
+              </a:ext>
+            </a:extLst>
+          </p:cNvPr>
+          <p:cNvSpPr txBox="1"/>
+          <p:nvPr/>
+        </p:nvSpPr>
+        <p:spPr>
+          <a:xfrm>
+            <a:off x="847493" y="1937425"/>
+            <a:ext cx="7576493" cy="1169551"/>
+          </a:xfrm>
+          <a:prstGeom prst="rect">
+            <a:avLst/>
+          </a:prstGeom>
+          <a:noFill/>
+        </p:spPr>
+        <p:txBody>
+          <a:bodyPr wrap="square">
+            <a:spAutoFit/>
+          </a:bodyPr>
+          <a:lstStyle/>
+          <a:p>
+            <a:r>
+              <a:rPr lang="en" dirty="0" smtClean="0">
+                <a:solidFill>
+                  <a:schemeClr val="accent2"/>
+                </a:solidFill>
+                <a:latin typeface="+mj-lt"/>
+                <a:sym typeface="Quantico"/>
+              </a:rPr>
+              <a:t>// </a:t>
+            </a:r>
+            <a:r>
+              <a:rPr lang="en" dirty="0" smtClean="0">
+                <a:solidFill>
+                  <a:schemeClr val="tx1"/>
+                </a:solidFill>
+                <a:latin typeface="+mj-lt"/>
+                <a:sym typeface="Quantico"/>
+              </a:rPr>
+              <a:t>: </a:t>
+            </a:r>
+            <a:r>
+              <a:rPr lang="en" dirty="0" smtClean="0">
+                <a:solidFill>
+                  <a:schemeClr val="tx1"/>
+                </a:solidFill>
+                <a:latin typeface="+mj-lt"/>
+                <a:sym typeface="Quantico"/>
+              </a:rPr>
+              <a:t>Testes parametrizados.</a:t>
+            </a:r>
+            <a:endParaRPr lang="en" dirty="0" smtClean="0">
+              <a:solidFill>
+                <a:schemeClr val="tx1"/>
+              </a:solidFill>
+              <a:latin typeface="+mj-lt"/>
+              <a:sym typeface="Quantico"/>
+            </a:endParaRPr>
+          </a:p>
+          <a:p>
+            <a:endParaRPr lang="en" dirty="0">
+              <a:solidFill>
+                <a:schemeClr val="tx1"/>
+              </a:solidFill>
+              <a:latin typeface="+mj-lt"/>
+              <a:sym typeface="Quantico"/>
+            </a:endParaRPr>
+          </a:p>
+          <a:p>
+            <a:r>
+              <a:rPr lang="en" dirty="0">
+                <a:solidFill>
+                  <a:schemeClr val="accent2"/>
+                </a:solidFill>
+                <a:sym typeface="Quantico"/>
+              </a:rPr>
+              <a:t>// </a:t>
+            </a:r>
+            <a:r>
+              <a:rPr lang="en" dirty="0" smtClean="0">
+                <a:solidFill>
+                  <a:schemeClr val="tx1"/>
+                </a:solidFill>
+                <a:sym typeface="Quantico"/>
+              </a:rPr>
+              <a:t>: Refatoração.</a:t>
+            </a:r>
+            <a:endParaRPr lang="en" dirty="0">
+              <a:solidFill>
+                <a:schemeClr val="tx1"/>
+              </a:solidFill>
+              <a:sym typeface="Quantico"/>
+            </a:endParaRPr>
+          </a:p>
+          <a:p>
+            <a:endParaRPr lang="en" dirty="0" smtClean="0">
+              <a:solidFill>
+                <a:schemeClr val="tx1"/>
+              </a:solidFill>
+              <a:latin typeface="+mj-lt"/>
+              <a:sym typeface="Quantico"/>
+            </a:endParaRPr>
+          </a:p>
+          <a:p>
+            <a:r>
+              <a:rPr lang="en" dirty="0">
+                <a:solidFill>
+                  <a:schemeClr val="accent2"/>
+                </a:solidFill>
+                <a:sym typeface="Quantico"/>
+              </a:rPr>
+              <a:t>// </a:t>
+            </a:r>
+            <a:r>
+              <a:rPr lang="en" dirty="0">
+                <a:solidFill>
+                  <a:schemeClr val="tx1"/>
+                </a:solidFill>
+                <a:sym typeface="Quantico"/>
+              </a:rPr>
+              <a:t>: </a:t>
+            </a:r>
+            <a:r>
+              <a:rPr lang="en" dirty="0" smtClean="0">
+                <a:solidFill>
+                  <a:schemeClr val="tx1"/>
+                </a:solidFill>
+                <a:sym typeface="Quantico"/>
+              </a:rPr>
+              <a:t>Cobertura de testes sensíveis.</a:t>
+            </a:r>
+            <a:endParaRPr lang="en" dirty="0">
+              <a:solidFill>
+                <a:schemeClr val="tx1"/>
+              </a:solidFill>
+              <a:sym typeface="Quantico"/>
+            </a:endParaRPr>
+          </a:p>
+        </p:txBody>
+      </p:sp>
+    </p:spTree>
+    <p:extLst>
+      <p:ext uri="{BB962C8B-B14F-4D97-AF65-F5344CB8AC3E}">
+        <p14:creationId xmlns:p14="http://schemas.microsoft.com/office/powerpoint/2010/main" val="1091590058"/>
+      </p:ext>
+    </p:extLst>
+  </p:cSld>
+  <p:clrMapOvr>
+    <a:masterClrMapping/>
+  </p:clrMapOvr>
+  <p:timing>
+    <p:tnLst>
+      <p:par>
+        <p:cTn id="1" dur="indefinite" restart="never" nodeType="tmRoot"/>
+      </p:par>
+    </p:tnLst>
+  </p:timing>
+</p:sld>
+</file>
+
+<file path=ppt/slides/slide25.xml><?xml version="1.0" encoding="utf-8"?>
+<p:sld xmlns:a="http://schemas.openxmlformats.org/drawingml/2006/main" xmlns:r="http://schemas.openxmlformats.org/officeDocument/2006/relationships" xmlns:p="http://schemas.openxmlformats.org/presentationml/2006/main">
+  <p:cSld>
+    <p:spTree>
+      <p:nvGrpSpPr>
+        <p:cNvPr id="1" name="Shape 283"/>
+        <p:cNvGrpSpPr/>
+        <p:nvPr/>
+      </p:nvGrpSpPr>
+      <p:grpSpPr>
+        <a:xfrm>
+          <a:off x="0" y="0"/>
+          <a:ext cx="0" cy="0"/>
+          <a:chOff x="0" y="0"/>
+          <a:chExt cx="0" cy="0"/>
+        </a:xfrm>
+      </p:grpSpPr>
+      <p:sp>
+        <p:nvSpPr>
+          <p:cNvPr id="284" name="Google Shape;284;p32"/>
+          <p:cNvSpPr txBox="1">
+            <a:spLocks noGrp="1"/>
+          </p:cNvSpPr>
+          <p:nvPr>
+            <p:ph type="title"/>
+          </p:nvPr>
+        </p:nvSpPr>
+        <p:spPr>
+          <a:prstGeom prst="rect">
+            <a:avLst/>
+          </a:prstGeom>
+        </p:spPr>
+        <p:txBody>
+          <a:bodyPr spcFirstLastPara="1" wrap="square" lIns="91425" tIns="91425" rIns="91425" bIns="91425" anchor="t" anchorCtr="0">
+            <a:noAutofit/>
+          </a:bodyPr>
+          <a:lstStyle/>
+          <a:p>
+            <a:pPr lvl="0"/>
+            <a:r>
+              <a:rPr lang="en" dirty="0">
+                <a:solidFill>
+                  <a:schemeClr val="lt2"/>
+                </a:solidFill>
+              </a:rPr>
+              <a:t>&lt; </a:t>
+            </a:r>
+            <a:r>
+              <a:rPr lang="pt-BR" dirty="0" smtClean="0"/>
+              <a:t>Insights</a:t>
+            </a:r>
+            <a:r>
+              <a:rPr lang="pt-BR" dirty="0" smtClean="0"/>
+              <a:t>: </a:t>
+            </a:r>
+            <a:r>
+              <a:rPr lang="en" dirty="0">
+                <a:solidFill>
+                  <a:schemeClr val="lt2"/>
+                </a:solidFill>
+              </a:rPr>
+              <a:t>/&gt;</a:t>
+            </a:r>
+            <a:endParaRPr dirty="0"/>
+          </a:p>
+        </p:txBody>
+      </p:sp>
+      <p:sp>
+        <p:nvSpPr>
+          <p:cNvPr id="7" name="Google Shape;284;p32"/>
+          <p:cNvSpPr txBox="1">
+            <a:spLocks/>
+          </p:cNvSpPr>
+          <p:nvPr/>
+        </p:nvSpPr>
+        <p:spPr>
+          <a:xfrm>
+            <a:off x="988503" y="4138499"/>
+            <a:ext cx="7704000" cy="572700"/>
+          </a:xfrm>
+          <a:prstGeom prst="rect">
+            <a:avLst/>
+          </a:prstGeom>
+          <a:noFill/>
+          <a:ln>
+            <a:noFill/>
+          </a:ln>
+        </p:spPr>
+        <p:txBody>
+          <a:bodyPr spcFirstLastPara="1" wrap="square" lIns="91425" tIns="91425" rIns="91425" bIns="91425" anchor="t" anchorCtr="0">
+            <a:noAutofit/>
+          </a:bodyPr>
+          <a:lstStyle>
+            <a:defPPr marR="0" lvl="0" algn="l" rtl="0">
+              <a:lnSpc>
+                <a:spcPct val="100000"/>
+              </a:lnSpc>
+              <a:spcBef>
+                <a:spcPts val="0"/>
+              </a:spcBef>
+              <a:spcAft>
+                <a:spcPts val="0"/>
+              </a:spcAft>
+            </a:defPPr>
+            <a:lvl1pPr marR="0" lvl="0" algn="l" rtl="0">
+              <a:lnSpc>
+                <a:spcPct val="100000"/>
+              </a:lnSpc>
+              <a:spcBef>
+                <a:spcPts val="0"/>
+              </a:spcBef>
+              <a:spcAft>
+                <a:spcPts val="0"/>
+              </a:spcAft>
+              <a:buClr>
+                <a:schemeClr val="dk1"/>
+              </a:buClr>
+              <a:buSzPts val="3300"/>
+              <a:buFont typeface="Quantico"/>
+              <a:buNone/>
+              <a:defRPr sz="3300" b="0" i="0" u="none" strike="noStrike" cap="none">
+                <a:solidFill>
+                  <a:schemeClr val="dk1"/>
+                </a:solidFill>
+                <a:latin typeface="Quantico"/>
+                <a:ea typeface="Quantico"/>
+                <a:cs typeface="Quantico"/>
+                <a:sym typeface="Quantico"/>
+              </a:defRPr>
+            </a:lvl1pPr>
+            <a:lvl2pPr marR="0" lvl="1" algn="l" rtl="0">
+              <a:lnSpc>
+                <a:spcPct val="100000"/>
+              </a:lnSpc>
+              <a:spcBef>
+                <a:spcPts val="0"/>
+              </a:spcBef>
+              <a:spcAft>
+                <a:spcPts val="0"/>
+              </a:spcAft>
+              <a:buClr>
+                <a:schemeClr val="dk1"/>
+              </a:buClr>
+              <a:buSzPts val="3300"/>
+              <a:buFont typeface="Quantico"/>
+              <a:buNone/>
+              <a:defRPr sz="3300" b="1" i="0" u="none" strike="noStrike" cap="none">
+                <a:solidFill>
+                  <a:schemeClr val="dk1"/>
+                </a:solidFill>
+                <a:latin typeface="Quantico"/>
+                <a:ea typeface="Quantico"/>
+                <a:cs typeface="Quantico"/>
+                <a:sym typeface="Quantico"/>
+              </a:defRPr>
+            </a:lvl2pPr>
+            <a:lvl3pPr marR="0" lvl="2" algn="l" rtl="0">
+              <a:lnSpc>
+                <a:spcPct val="100000"/>
+              </a:lnSpc>
+              <a:spcBef>
+                <a:spcPts val="0"/>
+              </a:spcBef>
+              <a:spcAft>
+                <a:spcPts val="0"/>
+              </a:spcAft>
+              <a:buClr>
+                <a:schemeClr val="dk1"/>
+              </a:buClr>
+              <a:buSzPts val="3300"/>
+              <a:buFont typeface="Quantico"/>
+              <a:buNone/>
+              <a:defRPr sz="3300" b="1" i="0" u="none" strike="noStrike" cap="none">
+                <a:solidFill>
+                  <a:schemeClr val="dk1"/>
+                </a:solidFill>
+                <a:latin typeface="Quantico"/>
+                <a:ea typeface="Quantico"/>
+                <a:cs typeface="Quantico"/>
+                <a:sym typeface="Quantico"/>
+              </a:defRPr>
+            </a:lvl3pPr>
+            <a:lvl4pPr marR="0" lvl="3" algn="l" rtl="0">
+              <a:lnSpc>
+                <a:spcPct val="100000"/>
+              </a:lnSpc>
+              <a:spcBef>
+                <a:spcPts val="0"/>
+              </a:spcBef>
+              <a:spcAft>
+                <a:spcPts val="0"/>
+              </a:spcAft>
+              <a:buClr>
+                <a:schemeClr val="dk1"/>
+              </a:buClr>
+              <a:buSzPts val="3300"/>
+              <a:buFont typeface="Quantico"/>
+              <a:buNone/>
+              <a:defRPr sz="3300" b="1" i="0" u="none" strike="noStrike" cap="none">
+                <a:solidFill>
+                  <a:schemeClr val="dk1"/>
+                </a:solidFill>
+                <a:latin typeface="Quantico"/>
+                <a:ea typeface="Quantico"/>
+                <a:cs typeface="Quantico"/>
+                <a:sym typeface="Quantico"/>
+              </a:defRPr>
+            </a:lvl4pPr>
+            <a:lvl5pPr marR="0" lvl="4" algn="l" rtl="0">
+              <a:lnSpc>
+                <a:spcPct val="100000"/>
+              </a:lnSpc>
+              <a:spcBef>
+                <a:spcPts val="0"/>
+              </a:spcBef>
+              <a:spcAft>
+                <a:spcPts val="0"/>
+              </a:spcAft>
+              <a:buClr>
+                <a:schemeClr val="dk1"/>
+              </a:buClr>
+              <a:buSzPts val="3300"/>
+              <a:buFont typeface="Quantico"/>
+              <a:buNone/>
+              <a:defRPr sz="3300" b="1" i="0" u="none" strike="noStrike" cap="none">
+                <a:solidFill>
+                  <a:schemeClr val="dk1"/>
+                </a:solidFill>
+                <a:latin typeface="Quantico"/>
+                <a:ea typeface="Quantico"/>
+                <a:cs typeface="Quantico"/>
+                <a:sym typeface="Quantico"/>
+              </a:defRPr>
+            </a:lvl5pPr>
+            <a:lvl6pPr marR="0" lvl="5" algn="l" rtl="0">
+              <a:lnSpc>
+                <a:spcPct val="100000"/>
+              </a:lnSpc>
+              <a:spcBef>
+                <a:spcPts val="0"/>
+              </a:spcBef>
+              <a:spcAft>
+                <a:spcPts val="0"/>
+              </a:spcAft>
+              <a:buClr>
+                <a:schemeClr val="dk1"/>
+              </a:buClr>
+              <a:buSzPts val="3300"/>
+              <a:buFont typeface="Quantico"/>
+              <a:buNone/>
+              <a:defRPr sz="3300" b="1" i="0" u="none" strike="noStrike" cap="none">
+                <a:solidFill>
+                  <a:schemeClr val="dk1"/>
+                </a:solidFill>
+                <a:latin typeface="Quantico"/>
+                <a:ea typeface="Quantico"/>
+                <a:cs typeface="Quantico"/>
+                <a:sym typeface="Quantico"/>
+              </a:defRPr>
+            </a:lvl6pPr>
+            <a:lvl7pPr marR="0" lvl="6" algn="l" rtl="0">
+              <a:lnSpc>
+                <a:spcPct val="100000"/>
+              </a:lnSpc>
+              <a:spcBef>
+                <a:spcPts val="0"/>
+              </a:spcBef>
+              <a:spcAft>
+                <a:spcPts val="0"/>
+              </a:spcAft>
+              <a:buClr>
+                <a:schemeClr val="dk1"/>
+              </a:buClr>
+              <a:buSzPts val="3300"/>
+              <a:buFont typeface="Quantico"/>
+              <a:buNone/>
+              <a:defRPr sz="3300" b="1" i="0" u="none" strike="noStrike" cap="none">
+                <a:solidFill>
+                  <a:schemeClr val="dk1"/>
+                </a:solidFill>
+                <a:latin typeface="Quantico"/>
+                <a:ea typeface="Quantico"/>
+                <a:cs typeface="Quantico"/>
+                <a:sym typeface="Quantico"/>
+              </a:defRPr>
+            </a:lvl7pPr>
+            <a:lvl8pPr marR="0" lvl="7" algn="l" rtl="0">
+              <a:lnSpc>
+                <a:spcPct val="100000"/>
+              </a:lnSpc>
+              <a:spcBef>
+                <a:spcPts val="0"/>
+              </a:spcBef>
+              <a:spcAft>
+                <a:spcPts val="0"/>
+              </a:spcAft>
+              <a:buClr>
+                <a:schemeClr val="dk1"/>
+              </a:buClr>
+              <a:buSzPts val="3300"/>
+              <a:buFont typeface="Quantico"/>
+              <a:buNone/>
+              <a:defRPr sz="3300" b="1" i="0" u="none" strike="noStrike" cap="none">
+                <a:solidFill>
+                  <a:schemeClr val="dk1"/>
+                </a:solidFill>
+                <a:latin typeface="Quantico"/>
+                <a:ea typeface="Quantico"/>
+                <a:cs typeface="Quantico"/>
+                <a:sym typeface="Quantico"/>
+              </a:defRPr>
+            </a:lvl8pPr>
+            <a:lvl9pPr marR="0" lvl="8" algn="l" rtl="0">
+              <a:lnSpc>
+                <a:spcPct val="100000"/>
+              </a:lnSpc>
+              <a:spcBef>
+                <a:spcPts val="0"/>
+              </a:spcBef>
+              <a:spcAft>
+                <a:spcPts val="0"/>
+              </a:spcAft>
+              <a:buClr>
+                <a:schemeClr val="dk1"/>
+              </a:buClr>
+              <a:buSzPts val="3300"/>
+              <a:buFont typeface="Quantico"/>
+              <a:buNone/>
+              <a:defRPr sz="3300" b="1" i="0" u="none" strike="noStrike" cap="none">
+                <a:solidFill>
+                  <a:schemeClr val="dk1"/>
+                </a:solidFill>
+                <a:latin typeface="Quantico"/>
+                <a:ea typeface="Quantico"/>
+                <a:cs typeface="Quantico"/>
+                <a:sym typeface="Quantico"/>
+              </a:defRPr>
+            </a:lvl9pPr>
+          </a:lstStyle>
+          <a:p>
+            <a:pPr algn="r"/>
+            <a:r>
+              <a:rPr lang="pt-BR" sz="1800" dirty="0">
+                <a:solidFill>
+                  <a:schemeClr val="lt2"/>
+                </a:solidFill>
+              </a:rPr>
+              <a:t>&lt; </a:t>
+            </a:r>
+            <a:r>
+              <a:rPr lang="pt-BR" sz="1800" dirty="0" smtClean="0"/>
+              <a:t>Inovação </a:t>
+            </a:r>
+            <a:r>
+              <a:rPr lang="pt-BR" sz="1800" dirty="0">
+                <a:solidFill>
+                  <a:schemeClr val="lt2"/>
+                </a:solidFill>
+              </a:rPr>
+              <a:t>/&gt;</a:t>
+            </a:r>
+            <a:endParaRPr lang="pt-BR" sz="1800" dirty="0"/>
+          </a:p>
+        </p:txBody>
+      </p:sp>
+      <p:grpSp>
+        <p:nvGrpSpPr>
+          <p:cNvPr id="10" name="Google Shape;214;p27"/>
+          <p:cNvGrpSpPr/>
+          <p:nvPr/>
+        </p:nvGrpSpPr>
+        <p:grpSpPr>
+          <a:xfrm>
+            <a:off x="556890" y="1354576"/>
+            <a:ext cx="8043970" cy="2783923"/>
+            <a:chOff x="1054812" y="1029576"/>
+            <a:chExt cx="3436200" cy="3912641"/>
+          </a:xfrm>
+        </p:grpSpPr>
+        <p:sp>
+          <p:nvSpPr>
+            <p:cNvPr id="11" name="Google Shape;215;p27"/>
+            <p:cNvSpPr/>
+            <p:nvPr/>
+          </p:nvSpPr>
+          <p:spPr>
+            <a:xfrm>
+              <a:off x="1054812" y="1029617"/>
+              <a:ext cx="3436200" cy="3912600"/>
+            </a:xfrm>
+            <a:prstGeom prst="rect">
+              <a:avLst/>
+            </a:prstGeom>
+            <a:solidFill>
+              <a:schemeClr val="lt1"/>
+            </a:solidFill>
+            <a:ln w="9525" cap="flat" cmpd="sng">
+              <a:solidFill>
+                <a:schemeClr val="dk1"/>
+              </a:solidFill>
+              <a:prstDash val="solid"/>
+              <a:round/>
+              <a:headEnd type="none" w="sm" len="sm"/>
+              <a:tailEnd type="none" w="sm" len="sm"/>
+            </a:ln>
+          </p:spPr>
+          <p:txBody>
+            <a:bodyPr spcFirstLastPara="1" wrap="square" lIns="91425" tIns="91425" rIns="91425" bIns="91425" anchor="ctr" anchorCtr="0">
+              <a:noAutofit/>
+            </a:bodyPr>
+            <a:lstStyle/>
+            <a:p>
+              <a:pPr marL="0" lvl="0" indent="0" algn="l" rtl="0">
+                <a:spcBef>
+                  <a:spcPts val="0"/>
+                </a:spcBef>
+                <a:spcAft>
+                  <a:spcPts val="0"/>
+                </a:spcAft>
+                <a:buNone/>
+              </a:pPr>
+              <a:endParaRPr dirty="0">
+                <a:solidFill>
+                  <a:schemeClr val="tx1"/>
+                </a:solidFill>
+              </a:endParaRPr>
+            </a:p>
+          </p:txBody>
+        </p:sp>
+        <p:sp>
+          <p:nvSpPr>
+            <p:cNvPr id="12" name="Google Shape;216;p27"/>
+            <p:cNvSpPr/>
+            <p:nvPr/>
+          </p:nvSpPr>
+          <p:spPr>
+            <a:xfrm>
+              <a:off x="1054812" y="1029576"/>
+              <a:ext cx="3436200" cy="610201"/>
+            </a:xfrm>
+            <a:prstGeom prst="rect">
+              <a:avLst/>
+            </a:prstGeom>
+            <a:solidFill>
+              <a:schemeClr val="lt1"/>
+            </a:solidFill>
+            <a:ln w="9525" cap="flat" cmpd="sng">
+              <a:solidFill>
+                <a:schemeClr val="dk1"/>
+              </a:solidFill>
+              <a:prstDash val="solid"/>
+              <a:round/>
+              <a:headEnd type="none" w="sm" len="sm"/>
+              <a:tailEnd type="none" w="sm" len="sm"/>
+            </a:ln>
+          </p:spPr>
+          <p:txBody>
+            <a:bodyPr spcFirstLastPara="1" wrap="square" lIns="91425" tIns="91425" rIns="91425" bIns="91425" anchor="ctr" anchorCtr="0">
+              <a:noAutofit/>
+            </a:bodyPr>
+            <a:lstStyle/>
+            <a:p>
+              <a:pPr marL="0" lvl="0" indent="0" algn="l" rtl="0">
+                <a:spcBef>
+                  <a:spcPts val="0"/>
+                </a:spcBef>
+                <a:spcAft>
+                  <a:spcPts val="0"/>
+                </a:spcAft>
+                <a:buNone/>
+              </a:pPr>
+              <a:r>
+                <a:rPr lang="pt-BR" sz="1800" dirty="0" smtClean="0">
+                  <a:solidFill>
+                    <a:schemeClr val="dk1"/>
+                  </a:solidFill>
+                  <a:latin typeface="Quantico"/>
+                  <a:ea typeface="Quantico"/>
+                  <a:cs typeface="Quantico"/>
+                  <a:sym typeface="Quantico"/>
+                </a:rPr>
+                <a:t>inovation.js</a:t>
+              </a:r>
+              <a:endParaRPr sz="1800" dirty="0">
+                <a:solidFill>
+                  <a:schemeClr val="dk1"/>
+                </a:solidFill>
+                <a:latin typeface="Quantico"/>
+                <a:ea typeface="Quantico"/>
+                <a:cs typeface="Quantico"/>
+                <a:sym typeface="Quantico"/>
+              </a:endParaRPr>
+            </a:p>
+          </p:txBody>
+        </p:sp>
+      </p:grpSp>
+      <p:sp>
+        <p:nvSpPr>
+          <p:cNvPr id="3" name="CaixaDeTexto 2">
+            <a:extLst>
+              <a:ext uri="{FF2B5EF4-FFF2-40B4-BE49-F238E27FC236}">
+                <a16:creationId xmlns="" xmlns:a16="http://schemas.microsoft.com/office/drawing/2014/main" id="{309B08B6-9145-B3D6-2411-56E137E90BFF}"/>
+              </a:ext>
+            </a:extLst>
+          </p:cNvPr>
+          <p:cNvSpPr txBox="1"/>
+          <p:nvPr/>
+        </p:nvSpPr>
+        <p:spPr>
+          <a:xfrm>
+            <a:off x="556891" y="1937425"/>
+            <a:ext cx="8043969" cy="2246769"/>
+          </a:xfrm>
+          <a:prstGeom prst="rect">
+            <a:avLst/>
+          </a:prstGeom>
+          <a:noFill/>
+        </p:spPr>
+        <p:txBody>
+          <a:bodyPr wrap="square">
+            <a:spAutoFit/>
+          </a:bodyPr>
+          <a:lstStyle/>
+          <a:p>
+            <a:r>
+              <a:rPr lang="en" dirty="0" smtClean="0">
+                <a:solidFill>
+                  <a:schemeClr val="accent2"/>
+                </a:solidFill>
+                <a:latin typeface="+mj-lt"/>
+                <a:sym typeface="Quantico"/>
+              </a:rPr>
+              <a:t>// </a:t>
+            </a:r>
+            <a:r>
+              <a:rPr lang="en" dirty="0" smtClean="0">
+                <a:solidFill>
+                  <a:schemeClr val="tx1"/>
+                </a:solidFill>
+                <a:latin typeface="+mj-lt"/>
+                <a:sym typeface="Quantico"/>
+              </a:rPr>
+              <a:t>: </a:t>
+            </a:r>
+            <a:r>
+              <a:rPr lang="en" i="1" dirty="0" smtClean="0">
+                <a:solidFill>
+                  <a:schemeClr val="tx1"/>
+                </a:solidFill>
+                <a:latin typeface="+mj-lt"/>
+                <a:sym typeface="Quantico"/>
+              </a:rPr>
+              <a:t>“É mais fácil pedir perdão do que permissão.” </a:t>
+            </a:r>
+            <a:r>
+              <a:rPr lang="en" dirty="0" smtClean="0">
+                <a:solidFill>
+                  <a:schemeClr val="tx1"/>
+                </a:solidFill>
+                <a:latin typeface="+mj-lt"/>
+                <a:sym typeface="Quantico"/>
+              </a:rPr>
+              <a:t>– Grace Hopper</a:t>
+            </a:r>
+            <a:endParaRPr lang="en" dirty="0" smtClean="0">
+              <a:solidFill>
+                <a:schemeClr val="tx1"/>
+              </a:solidFill>
+              <a:latin typeface="+mj-lt"/>
+              <a:sym typeface="Quantico"/>
+            </a:endParaRPr>
+          </a:p>
+          <a:p>
+            <a:endParaRPr lang="en" dirty="0" smtClean="0">
+              <a:solidFill>
+                <a:schemeClr val="tx1"/>
+              </a:solidFill>
+              <a:latin typeface="+mj-lt"/>
+              <a:sym typeface="Quantico"/>
+            </a:endParaRPr>
+          </a:p>
+          <a:p>
+            <a:r>
+              <a:rPr lang="en" dirty="0">
+                <a:solidFill>
+                  <a:schemeClr val="accent2"/>
+                </a:solidFill>
+                <a:sym typeface="Quantico"/>
+              </a:rPr>
+              <a:t>// </a:t>
+            </a:r>
+            <a:r>
+              <a:rPr lang="en" dirty="0">
+                <a:solidFill>
+                  <a:schemeClr val="tx1"/>
+                </a:solidFill>
+                <a:sym typeface="Quantico"/>
+              </a:rPr>
+              <a:t>: </a:t>
+            </a:r>
+            <a:r>
+              <a:rPr lang="en" i="1" dirty="0" smtClean="0">
+                <a:solidFill>
+                  <a:schemeClr val="tx1"/>
+                </a:solidFill>
+                <a:sym typeface="Quantico"/>
+              </a:rPr>
+              <a:t>“A vida não se resume a se encontrar, a vida se resume em se criar.” </a:t>
+            </a:r>
+            <a:r>
+              <a:rPr lang="en" dirty="0" smtClean="0">
+                <a:solidFill>
+                  <a:schemeClr val="tx1"/>
+                </a:solidFill>
+                <a:sym typeface="Quantico"/>
+              </a:rPr>
+              <a:t>– George Bernard Shaw</a:t>
+            </a:r>
+          </a:p>
+          <a:p>
+            <a:endParaRPr lang="en" dirty="0">
+              <a:solidFill>
+                <a:schemeClr val="tx1"/>
+              </a:solidFill>
+              <a:sym typeface="Quantico"/>
+            </a:endParaRPr>
+          </a:p>
+          <a:p>
+            <a:r>
+              <a:rPr lang="en" dirty="0">
+                <a:solidFill>
+                  <a:schemeClr val="accent2"/>
+                </a:solidFill>
+                <a:sym typeface="Quantico"/>
+              </a:rPr>
+              <a:t>// </a:t>
+            </a:r>
+            <a:r>
+              <a:rPr lang="en" dirty="0">
+                <a:solidFill>
+                  <a:schemeClr val="tx1"/>
+                </a:solidFill>
+                <a:sym typeface="Quantico"/>
+              </a:rPr>
+              <a:t>: </a:t>
+            </a:r>
+            <a:r>
+              <a:rPr lang="en" i="1" dirty="0" smtClean="0">
+                <a:solidFill>
+                  <a:schemeClr val="tx1"/>
+                </a:solidFill>
+                <a:sym typeface="Quantico"/>
+              </a:rPr>
+              <a:t>“Não </a:t>
+            </a:r>
+            <a:r>
+              <a:rPr lang="en" i="1" dirty="0" smtClean="0">
+                <a:solidFill>
+                  <a:schemeClr val="tx1"/>
+                </a:solidFill>
+                <a:sym typeface="Quantico"/>
+              </a:rPr>
+              <a:t>fique esperando os outros, se você ver algo que poderia funcionar melhor, pergunte, tente, corra alguns riscos.” </a:t>
+            </a:r>
+            <a:r>
+              <a:rPr lang="en" dirty="0" smtClean="0">
+                <a:solidFill>
+                  <a:schemeClr val="tx1"/>
+                </a:solidFill>
+                <a:sym typeface="Quantico"/>
+              </a:rPr>
+              <a:t>– O Programador Pragmático.</a:t>
+            </a:r>
+          </a:p>
+          <a:p>
+            <a:endParaRPr lang="en" dirty="0" smtClean="0">
+              <a:solidFill>
+                <a:schemeClr val="tx1"/>
+              </a:solidFill>
+              <a:sym typeface="Quantico"/>
+            </a:endParaRPr>
+          </a:p>
+          <a:p>
+            <a:r>
+              <a:rPr lang="en" dirty="0">
+                <a:solidFill>
+                  <a:schemeClr val="accent2"/>
+                </a:solidFill>
+                <a:sym typeface="Quantico"/>
+              </a:rPr>
+              <a:t>// </a:t>
+            </a:r>
+            <a:r>
+              <a:rPr lang="en" dirty="0">
+                <a:solidFill>
+                  <a:schemeClr val="tx1"/>
+                </a:solidFill>
+                <a:sym typeface="Quantico"/>
+              </a:rPr>
+              <a:t>: </a:t>
+            </a:r>
+            <a:r>
+              <a:rPr lang="en" i="1" dirty="0" smtClean="0">
+                <a:solidFill>
+                  <a:schemeClr val="tx1"/>
+                </a:solidFill>
+                <a:sym typeface="Quantico"/>
+              </a:rPr>
+              <a:t>“Não </a:t>
+            </a:r>
+            <a:r>
+              <a:rPr lang="en" i="1" dirty="0">
+                <a:solidFill>
+                  <a:schemeClr val="tx1"/>
+                </a:solidFill>
+                <a:sym typeface="Quantico"/>
+              </a:rPr>
+              <a:t>tenha medo de errar. Ao errar, significa que as suas tentativas estão em </a:t>
+            </a:r>
+            <a:r>
+              <a:rPr lang="en" i="1" dirty="0" smtClean="0">
+                <a:solidFill>
+                  <a:schemeClr val="tx1"/>
+                </a:solidFill>
+                <a:sym typeface="Quantico"/>
+              </a:rPr>
+              <a:t>movimento.” - </a:t>
+            </a:r>
+            <a:r>
+              <a:rPr lang="en" dirty="0" smtClean="0">
+                <a:solidFill>
+                  <a:schemeClr val="tx1"/>
+                </a:solidFill>
+                <a:sym typeface="Quantico"/>
+              </a:rPr>
+              <a:t>Alex </a:t>
+            </a:r>
+            <a:r>
+              <a:rPr lang="en" dirty="0">
+                <a:solidFill>
+                  <a:schemeClr val="tx1"/>
+                </a:solidFill>
+                <a:sym typeface="Quantico"/>
+              </a:rPr>
+              <a:t>Santos</a:t>
+            </a:r>
+          </a:p>
+          <a:p>
+            <a:endParaRPr lang="en" dirty="0">
+              <a:solidFill>
+                <a:schemeClr val="tx1"/>
+              </a:solidFill>
+              <a:sym typeface="Quantico"/>
+            </a:endParaRPr>
+          </a:p>
+        </p:txBody>
+      </p:sp>
+    </p:spTree>
+    <p:extLst>
+      <p:ext uri="{BB962C8B-B14F-4D97-AF65-F5344CB8AC3E}">
+        <p14:creationId xmlns:p14="http://schemas.microsoft.com/office/powerpoint/2010/main" val="4161875130"/>
+      </p:ext>
+    </p:extLst>
+  </p:cSld>
+  <p:clrMapOvr>
+    <a:masterClrMapping/>
+  </p:clrMapOvr>
+  <p:timing>
+    <p:tnLst>
+      <p:par>
+        <p:cTn id="1" dur="indefinite" restart="never" nodeType="tmRoot"/>
+      </p:par>
+    </p:tnLst>
+  </p:timing>
+</p:sld>
+</file>
+
+<file path=ppt/slides/slide26.xml><?xml version="1.0" encoding="utf-8"?>
 <p:sld xmlns:a="http://schemas.openxmlformats.org/drawingml/2006/main" xmlns:r="http://schemas.openxmlformats.org/officeDocument/2006/relationships" xmlns:p="http://schemas.openxmlformats.org/presentationml/2006/main">
   <p:cSld>
     <p:spTree>
@@ -25548,7 +29173,7 @@
         </p:nvSpPr>
         <p:spPr>
           <a:xfrm>
-            <a:off x="719988" y="2321139"/>
+            <a:off x="719988" y="2788651"/>
             <a:ext cx="7704000" cy="421800"/>
           </a:xfrm>
           <a:prstGeom prst="rect">
@@ -25641,7 +29266,7 @@
         <p:spPr>
           <a:xfrm>
             <a:off x="719987" y="1802140"/>
-            <a:ext cx="5151423" cy="421800"/>
+            <a:ext cx="6629589" cy="421800"/>
           </a:xfrm>
           <a:prstGeom prst="rect">
             <a:avLst/>
@@ -25655,7 +29280,7 @@
           <a:p>
             <a:pPr marL="0" lvl="0" indent="0"/>
             <a:r>
-              <a:rPr lang="en" sz="2400" dirty="0">
+              <a:rPr lang="en" sz="2400" dirty="0" smtClean="0">
                 <a:solidFill>
                   <a:schemeClr val="accent2"/>
                 </a:solidFill>
@@ -25663,8 +29288,8 @@
               <a:t>* </a:t>
             </a:r>
             <a:r>
-              <a:rPr lang="en" dirty="0"/>
-              <a:t>Clean Code – Robert C. Martin</a:t>
+              <a:rPr lang="en" dirty="0" smtClean="0"/>
+              <a:t>Roube Como um Artista – Austin Kleon</a:t>
             </a:r>
             <a:endParaRPr sz="1800" dirty="0"/>
           </a:p>
@@ -25716,6 +29341,107 @@
           </a:p>
         </p:txBody>
       </p:sp>
+      <p:sp>
+        <p:nvSpPr>
+          <p:cNvPr id="5" name="Google Shape;285;p32"/>
+          <p:cNvSpPr txBox="1">
+            <a:spLocks noGrp="1"/>
+          </p:cNvSpPr>
+          <p:nvPr>
+            <p:ph type="subTitle" idx="2"/>
+          </p:nvPr>
+        </p:nvSpPr>
+        <p:spPr>
+          <a:xfrm>
+            <a:off x="719988" y="2321139"/>
+            <a:ext cx="7704000" cy="421800"/>
+          </a:xfrm>
+          <a:prstGeom prst="rect">
+            <a:avLst/>
+          </a:prstGeom>
+        </p:spPr>
+        <p:txBody>
+          <a:bodyPr spcFirstLastPara="1" wrap="square" lIns="91425" tIns="91425" rIns="91425" bIns="91425" anchor="ctr" anchorCtr="0">
+            <a:noAutofit/>
+          </a:bodyPr>
+          <a:lstStyle/>
+          <a:p>
+            <a:pPr marL="0" lvl="0" indent="0"/>
+            <a:r>
+              <a:rPr lang="en" sz="2400" dirty="0">
+                <a:solidFill>
+                  <a:schemeClr val="accent2"/>
+                </a:solidFill>
+                <a:latin typeface="Quantico"/>
+                <a:ea typeface="Quantico"/>
+                <a:cs typeface="Quantico"/>
+                <a:sym typeface="Quantico"/>
+              </a:rPr>
+              <a:t>* </a:t>
+            </a:r>
+            <a:r>
+              <a:rPr lang="en-US" sz="2200" dirty="0" smtClean="0">
+                <a:latin typeface="Quantico"/>
+                <a:ea typeface="Quantico"/>
+                <a:cs typeface="Quantico"/>
+                <a:sym typeface="Quantico"/>
+              </a:rPr>
+              <a:t>O </a:t>
+            </a:r>
+            <a:r>
+              <a:rPr lang="en-US" sz="2200" dirty="0" err="1" smtClean="0">
+                <a:latin typeface="Quantico"/>
+                <a:ea typeface="Quantico"/>
+                <a:cs typeface="Quantico"/>
+                <a:sym typeface="Quantico"/>
+              </a:rPr>
+              <a:t>Poder</a:t>
+            </a:r>
+            <a:r>
+              <a:rPr lang="en-US" sz="2200" dirty="0" smtClean="0">
+                <a:latin typeface="Quantico"/>
+                <a:ea typeface="Quantico"/>
+                <a:cs typeface="Quantico"/>
+                <a:sym typeface="Quantico"/>
+              </a:rPr>
+              <a:t> do </a:t>
+            </a:r>
+            <a:r>
+              <a:rPr lang="en-US" sz="2200" dirty="0" err="1" smtClean="0">
+                <a:latin typeface="Quantico"/>
+                <a:ea typeface="Quantico"/>
+                <a:cs typeface="Quantico"/>
+                <a:sym typeface="Quantico"/>
+              </a:rPr>
+              <a:t>Hábito</a:t>
+            </a:r>
+            <a:r>
+              <a:rPr lang="en-US" sz="2200" dirty="0" smtClean="0">
+                <a:latin typeface="Quantico"/>
+                <a:ea typeface="Quantico"/>
+                <a:cs typeface="Quantico"/>
+                <a:sym typeface="Quantico"/>
+              </a:rPr>
+              <a:t> – Charles </a:t>
+            </a:r>
+            <a:r>
+              <a:rPr lang="en-US" sz="2200" dirty="0" err="1" smtClean="0">
+                <a:latin typeface="Quantico"/>
+                <a:ea typeface="Quantico"/>
+                <a:cs typeface="Quantico"/>
+                <a:sym typeface="Quantico"/>
+              </a:rPr>
+              <a:t>Duhigg</a:t>
+            </a:r>
+            <a:endParaRPr sz="2200" dirty="0">
+              <a:latin typeface="Quantico"/>
+              <a:ea typeface="Quantico"/>
+              <a:cs typeface="Quantico"/>
+              <a:sym typeface="Quantico"/>
+            </a:endParaRPr>
+          </a:p>
+        </p:txBody>
+      </p:sp>
     </p:spTree>
     <p:extLst>
       <p:ext uri="{BB962C8B-B14F-4D97-AF65-F5344CB8AC3E}">
@@ -25736,7 +29462,7 @@
 </p:sld>
 </file>
 
-<file path=ppt/slides/slide22.xml><?xml version="1.0" encoding="utf-8"?>
+<file path=ppt/slides/slide27.xml><?xml version="1.0" encoding="utf-8"?>
 <p:sld xmlns:a="http://schemas.openxmlformats.org/drawingml/2006/main" xmlns:r="http://schemas.openxmlformats.org/officeDocument/2006/relationships" xmlns:p="http://schemas.openxmlformats.org/presentationml/2006/main">
   <p:cSld>
     <p:spTree>
@@ -27967,434 +31693,6 @@
           </p:txBody>
         </p:sp>
       </p:grpSp>
-      <p:grpSp>
-        <p:nvGrpSpPr>
-          <p:cNvPr id="39" name="Google Shape;8417;p59"/>
-          <p:cNvGrpSpPr/>
-          <p:nvPr/>
-        </p:nvGrpSpPr>
-        <p:grpSpPr>
-          <a:xfrm>
-            <a:off x="1722058" y="3112482"/>
-            <a:ext cx="223723" cy="236144"/>
-            <a:chOff x="3620576" y="2745525"/>
-            <a:chExt cx="336889" cy="355592"/>
-          </a:xfrm>
-          <a:solidFill>
-            <a:schemeClr val="tx1"/>
-          </a:solidFill>
-        </p:grpSpPr>
-        <p:sp>
-          <p:nvSpPr>
-            <p:cNvPr id="40" name="Google Shape;8418;p59"/>
-            <p:cNvSpPr/>
-            <p:nvPr/>
-          </p:nvSpPr>
-          <p:spPr>
-            <a:xfrm>
-              <a:off x="3620576" y="2745525"/>
-              <a:ext cx="336889" cy="355592"/>
-            </a:xfrm>
-            <a:custGeom>
-              <a:avLst/>
-              <a:gdLst/>
-              <a:ahLst/>
-              <a:cxnLst/>
-              <a:rect l="l" t="t" r="r" b="b"/>
-              <a:pathLst>
-                <a:path w="10609" h="11198" extrusionOk="0">
-                  <a:moveTo>
-                    <a:pt x="9856" y="0"/>
-                  </a:moveTo>
-                  <a:cubicBezTo>
-                    <a:pt x="9825" y="0"/>
-                    <a:pt x="9794" y="2"/>
-                    <a:pt x="9763" y="5"/>
-                  </a:cubicBezTo>
-                  <a:lnTo>
-                    <a:pt x="3310" y="1148"/>
-                  </a:lnTo>
-                  <a:cubicBezTo>
-                    <a:pt x="2965" y="1208"/>
-                    <a:pt x="2691" y="1505"/>
-                    <a:pt x="2691" y="1863"/>
-                  </a:cubicBezTo>
-                  <a:lnTo>
-                    <a:pt x="2691" y="7161"/>
-                  </a:lnTo>
-                  <a:cubicBezTo>
-                    <a:pt x="2512" y="7101"/>
-                    <a:pt x="2324" y="7075"/>
-                    <a:pt x="2134" y="7075"/>
-                  </a:cubicBezTo>
-                  <a:cubicBezTo>
-                    <a:pt x="2098" y="7075"/>
-                    <a:pt x="2061" y="7076"/>
-                    <a:pt x="2024" y="7078"/>
-                  </a:cubicBezTo>
-                  <a:cubicBezTo>
-                    <a:pt x="1489" y="7089"/>
-                    <a:pt x="1000" y="7304"/>
-                    <a:pt x="608" y="7685"/>
-                  </a:cubicBezTo>
-                  <a:cubicBezTo>
-                    <a:pt x="238" y="8078"/>
-                    <a:pt x="12" y="8566"/>
-                    <a:pt x="12" y="9102"/>
-                  </a:cubicBezTo>
-                  <a:cubicBezTo>
-                    <a:pt x="0" y="9661"/>
-                    <a:pt x="227" y="10185"/>
-                    <a:pt x="608" y="10590"/>
-                  </a:cubicBezTo>
-                  <a:cubicBezTo>
-                    <a:pt x="1000" y="10971"/>
-                    <a:pt x="1524" y="11197"/>
-                    <a:pt x="2072" y="11197"/>
-                  </a:cubicBezTo>
-                  <a:lnTo>
-                    <a:pt x="2096" y="11197"/>
-                  </a:lnTo>
-                  <a:cubicBezTo>
-                    <a:pt x="3215" y="11185"/>
-                    <a:pt x="4120" y="10245"/>
-                    <a:pt x="4120" y="9114"/>
-                  </a:cubicBezTo>
-                  <a:lnTo>
-                    <a:pt x="4120" y="4934"/>
-                  </a:lnTo>
-                  <a:cubicBezTo>
-                    <a:pt x="4120" y="4827"/>
-                    <a:pt x="4037" y="4744"/>
-                    <a:pt x="3929" y="4744"/>
-                  </a:cubicBezTo>
-                  <a:cubicBezTo>
-                    <a:pt x="3822" y="4744"/>
-                    <a:pt x="3739" y="4827"/>
-                    <a:pt x="3739" y="4934"/>
-                  </a:cubicBezTo>
-                  <a:lnTo>
-                    <a:pt x="3739" y="9114"/>
-                  </a:lnTo>
-                  <a:cubicBezTo>
-                    <a:pt x="3739" y="10042"/>
-                    <a:pt x="3013" y="10780"/>
-                    <a:pt x="2096" y="10792"/>
-                  </a:cubicBezTo>
-                  <a:lnTo>
-                    <a:pt x="2072" y="10792"/>
-                  </a:lnTo>
-                  <a:cubicBezTo>
-                    <a:pt x="1620" y="10792"/>
-                    <a:pt x="1203" y="10614"/>
-                    <a:pt x="893" y="10304"/>
-                  </a:cubicBezTo>
-                  <a:cubicBezTo>
-                    <a:pt x="572" y="9983"/>
-                    <a:pt x="405" y="9566"/>
-                    <a:pt x="405" y="9102"/>
-                  </a:cubicBezTo>
-                  <a:cubicBezTo>
-                    <a:pt x="417" y="8221"/>
-                    <a:pt x="1143" y="7494"/>
-                    <a:pt x="2024" y="7482"/>
-                  </a:cubicBezTo>
-                  <a:cubicBezTo>
-                    <a:pt x="2298" y="7482"/>
-                    <a:pt x="2560" y="7518"/>
-                    <a:pt x="2798" y="7637"/>
-                  </a:cubicBezTo>
-                  <a:cubicBezTo>
-                    <a:pt x="2826" y="7654"/>
-                    <a:pt x="2856" y="7663"/>
-                    <a:pt x="2886" y="7663"/>
-                  </a:cubicBezTo>
-                  <a:cubicBezTo>
-                    <a:pt x="2922" y="7663"/>
-                    <a:pt x="2957" y="7651"/>
-                    <a:pt x="2989" y="7625"/>
-                  </a:cubicBezTo>
-                  <a:cubicBezTo>
-                    <a:pt x="3048" y="7601"/>
-                    <a:pt x="3084" y="7518"/>
-                    <a:pt x="3084" y="7459"/>
-                  </a:cubicBezTo>
-                  <a:lnTo>
-                    <a:pt x="3084" y="1863"/>
-                  </a:lnTo>
-                  <a:cubicBezTo>
-                    <a:pt x="3084" y="1708"/>
-                    <a:pt x="3203" y="1565"/>
-                    <a:pt x="3346" y="1541"/>
-                  </a:cubicBezTo>
-                  <a:lnTo>
-                    <a:pt x="9811" y="398"/>
-                  </a:lnTo>
-                  <a:cubicBezTo>
-                    <a:pt x="9834" y="393"/>
-                    <a:pt x="9856" y="391"/>
-                    <a:pt x="9877" y="391"/>
-                  </a:cubicBezTo>
-                  <a:cubicBezTo>
-                    <a:pt x="9953" y="391"/>
-                    <a:pt x="10017" y="423"/>
-                    <a:pt x="10073" y="470"/>
-                  </a:cubicBezTo>
-                  <a:cubicBezTo>
-                    <a:pt x="10156" y="529"/>
-                    <a:pt x="10192" y="612"/>
-                    <a:pt x="10192" y="720"/>
-                  </a:cubicBezTo>
-                  <a:lnTo>
-                    <a:pt x="10192" y="2910"/>
-                  </a:lnTo>
-                  <a:cubicBezTo>
-                    <a:pt x="10192" y="3018"/>
-                    <a:pt x="10287" y="3101"/>
-                    <a:pt x="10394" y="3101"/>
-                  </a:cubicBezTo>
-                  <a:cubicBezTo>
-                    <a:pt x="10490" y="3101"/>
-                    <a:pt x="10585" y="3018"/>
-                    <a:pt x="10585" y="2910"/>
-                  </a:cubicBezTo>
-                  <a:lnTo>
-                    <a:pt x="10585" y="720"/>
-                  </a:lnTo>
-                  <a:cubicBezTo>
-                    <a:pt x="10609" y="529"/>
-                    <a:pt x="10525" y="315"/>
-                    <a:pt x="10359" y="172"/>
-                  </a:cubicBezTo>
-                  <a:cubicBezTo>
-                    <a:pt x="10216" y="60"/>
-                    <a:pt x="10039" y="0"/>
-                    <a:pt x="9856" y="0"/>
-                  </a:cubicBezTo>
-                  <a:close/>
-                </a:path>
-              </a:pathLst>
-            </a:custGeom>
-            <a:grpFill/>
-            <a:ln>
-              <a:noFill/>
-            </a:ln>
-          </p:spPr>
-          <p:txBody>
-            <a:bodyPr spcFirstLastPara="1" wrap="square" lIns="91425" tIns="91425" rIns="91425" bIns="91425" anchor="ctr" anchorCtr="0">
-              <a:noAutofit/>
-            </a:bodyPr>
-            <a:lstStyle/>
-            <a:p>
-              <a:pPr marL="0" lvl="0" indent="0" algn="l" rtl="0">
-                <a:spcBef>
-                  <a:spcPts val="0"/>
-                </a:spcBef>
-                <a:spcAft>
-                  <a:spcPts val="0"/>
-                </a:spcAft>
-                <a:buNone/>
-              </a:pPr>
-              <a:endParaRPr/>
-            </a:p>
-          </p:txBody>
-        </p:sp>
-        <p:sp>
-          <p:nvSpPr>
-            <p:cNvPr id="41" name="Google Shape;8419;p59"/>
-            <p:cNvSpPr/>
-            <p:nvPr/>
-          </p:nvSpPr>
-          <p:spPr>
-            <a:xfrm>
-              <a:off x="3738896" y="2800747"/>
-              <a:ext cx="218570" cy="258771"/>
-            </a:xfrm>
-            <a:custGeom>
-              <a:avLst/>
-              <a:gdLst/>
-              <a:ahLst/>
-              <a:cxnLst/>
-              <a:rect l="l" t="t" r="r" b="b"/>
-              <a:pathLst>
-                <a:path w="6883" h="8149" extrusionOk="0">
-                  <a:moveTo>
-                    <a:pt x="5651" y="0"/>
-                  </a:moveTo>
-                  <a:cubicBezTo>
-                    <a:pt x="5637" y="0"/>
-                    <a:pt x="5623" y="2"/>
-                    <a:pt x="5609" y="5"/>
-                  </a:cubicBezTo>
-                  <a:lnTo>
-                    <a:pt x="156" y="981"/>
-                  </a:lnTo>
-                  <a:cubicBezTo>
-                    <a:pt x="72" y="993"/>
-                    <a:pt x="1" y="1076"/>
-                    <a:pt x="1" y="1171"/>
-                  </a:cubicBezTo>
-                  <a:lnTo>
-                    <a:pt x="1" y="2267"/>
-                  </a:lnTo>
-                  <a:cubicBezTo>
-                    <a:pt x="1" y="2374"/>
-                    <a:pt x="84" y="2469"/>
-                    <a:pt x="191" y="2469"/>
-                  </a:cubicBezTo>
-                  <a:cubicBezTo>
-                    <a:pt x="287" y="2469"/>
-                    <a:pt x="382" y="2374"/>
-                    <a:pt x="382" y="2267"/>
-                  </a:cubicBezTo>
-                  <a:lnTo>
-                    <a:pt x="382" y="1338"/>
-                  </a:lnTo>
-                  <a:lnTo>
-                    <a:pt x="5430" y="445"/>
-                  </a:lnTo>
-                  <a:lnTo>
-                    <a:pt x="5430" y="4112"/>
-                  </a:lnTo>
-                  <a:cubicBezTo>
-                    <a:pt x="5241" y="4052"/>
-                    <a:pt x="5051" y="4026"/>
-                    <a:pt x="4862" y="4026"/>
-                  </a:cubicBezTo>
-                  <a:cubicBezTo>
-                    <a:pt x="4825" y="4026"/>
-                    <a:pt x="4788" y="4027"/>
-                    <a:pt x="4752" y="4029"/>
-                  </a:cubicBezTo>
-                  <a:cubicBezTo>
-                    <a:pt x="4216" y="4041"/>
-                    <a:pt x="3728" y="4243"/>
-                    <a:pt x="3347" y="4636"/>
-                  </a:cubicBezTo>
-                  <a:cubicBezTo>
-                    <a:pt x="2966" y="5029"/>
-                    <a:pt x="2751" y="5517"/>
-                    <a:pt x="2751" y="6053"/>
-                  </a:cubicBezTo>
-                  <a:cubicBezTo>
-                    <a:pt x="2727" y="6613"/>
-                    <a:pt x="2954" y="7136"/>
-                    <a:pt x="3347" y="7541"/>
-                  </a:cubicBezTo>
-                  <a:cubicBezTo>
-                    <a:pt x="3728" y="7922"/>
-                    <a:pt x="4251" y="8148"/>
-                    <a:pt x="4799" y="8148"/>
-                  </a:cubicBezTo>
-                  <a:lnTo>
-                    <a:pt x="4835" y="8148"/>
-                  </a:lnTo>
-                  <a:cubicBezTo>
-                    <a:pt x="5942" y="8137"/>
-                    <a:pt x="6859" y="7196"/>
-                    <a:pt x="6859" y="6065"/>
-                  </a:cubicBezTo>
-                  <a:lnTo>
-                    <a:pt x="6859" y="2148"/>
-                  </a:lnTo>
-                  <a:cubicBezTo>
-                    <a:pt x="6883" y="2017"/>
-                    <a:pt x="6799" y="1933"/>
-                    <a:pt x="6692" y="1933"/>
-                  </a:cubicBezTo>
-                  <a:cubicBezTo>
-                    <a:pt x="6585" y="1933"/>
-                    <a:pt x="6502" y="2017"/>
-                    <a:pt x="6502" y="2124"/>
-                  </a:cubicBezTo>
-                  <a:lnTo>
-                    <a:pt x="6502" y="6041"/>
-                  </a:lnTo>
-                  <a:cubicBezTo>
-                    <a:pt x="6502" y="6958"/>
-                    <a:pt x="5775" y="7708"/>
-                    <a:pt x="4859" y="7720"/>
-                  </a:cubicBezTo>
-                  <a:lnTo>
-                    <a:pt x="4835" y="7720"/>
-                  </a:lnTo>
-                  <a:cubicBezTo>
-                    <a:pt x="4382" y="7720"/>
-                    <a:pt x="3966" y="7541"/>
-                    <a:pt x="3656" y="7232"/>
-                  </a:cubicBezTo>
-                  <a:cubicBezTo>
-                    <a:pt x="3335" y="6898"/>
-                    <a:pt x="3168" y="6482"/>
-                    <a:pt x="3168" y="6017"/>
-                  </a:cubicBezTo>
-                  <a:cubicBezTo>
-                    <a:pt x="3180" y="5148"/>
-                    <a:pt x="3906" y="4410"/>
-                    <a:pt x="4787" y="4398"/>
-                  </a:cubicBezTo>
-                  <a:cubicBezTo>
-                    <a:pt x="5061" y="4398"/>
-                    <a:pt x="5323" y="4446"/>
-                    <a:pt x="5561" y="4565"/>
-                  </a:cubicBezTo>
-                  <a:cubicBezTo>
-                    <a:pt x="5588" y="4575"/>
-                    <a:pt x="5617" y="4581"/>
-                    <a:pt x="5646" y="4581"/>
-                  </a:cubicBezTo>
-                  <a:cubicBezTo>
-                    <a:pt x="5683" y="4581"/>
-                    <a:pt x="5719" y="4572"/>
-                    <a:pt x="5752" y="4553"/>
-                  </a:cubicBezTo>
-                  <a:cubicBezTo>
-                    <a:pt x="5811" y="4517"/>
-                    <a:pt x="5847" y="4446"/>
-                    <a:pt x="5847" y="4386"/>
-                  </a:cubicBezTo>
-                  <a:lnTo>
-                    <a:pt x="5847" y="207"/>
-                  </a:lnTo>
-                  <a:cubicBezTo>
-                    <a:pt x="5847" y="147"/>
-                    <a:pt x="5811" y="88"/>
-                    <a:pt x="5775" y="52"/>
-                  </a:cubicBezTo>
-                  <a:cubicBezTo>
-                    <a:pt x="5739" y="16"/>
-                    <a:pt x="5696" y="0"/>
-                    <a:pt x="5651" y="0"/>
-                  </a:cubicBezTo>
-                  <a:close/>
-                </a:path>
-              </a:pathLst>
-            </a:custGeom>
-            <a:grpFill/>
-            <a:ln>
-              <a:noFill/>
-            </a:ln>
-          </p:spPr>
-          <p:txBody>
-            <a:bodyPr spcFirstLastPara="1" wrap="square" lIns="91425" tIns="91425" rIns="91425" bIns="91425" anchor="ctr" anchorCtr="0">
-              <a:noAutofit/>
-            </a:bodyPr>
-            <a:lstStyle/>
-            <a:p>
-              <a:pPr marL="0" lvl="0" indent="0" algn="l" rtl="0">
-                <a:spcBef>
-                  <a:spcPts val="0"/>
-                </a:spcBef>
-                <a:spcAft>
-                  <a:spcPts val="0"/>
-                </a:spcAft>
-                <a:buNone/>
-              </a:pPr>
-              <a:endParaRPr/>
-            </a:p>
-          </p:txBody>
-        </p:sp>
-      </p:grpSp>
       <p:sp>
         <p:nvSpPr>
           <p:cNvPr id="61" name="Google Shape;550;p46"/>
@@ -29494,16 +32792,33 @@
             </a:pPr>
             <a:r>
               <a:rPr lang="en-US" sz="1200" dirty="0"/>
-              <a:t>https://soundcloud.com/saintalex93</a:t>
-            </a:r>
-          </a:p>
-          <a:p>
-            <a:pPr marL="0" indent="0">
-              <a:buSzPts val="1100"/>
-              <a:buFont typeface="Arial"/>
-              <a:buNone/>
-            </a:pPr>
-            <a:endParaRPr lang="en-US" sz="1200" dirty="0"/>
+              <a:t>https://medium.com</a:t>
+            </a:r>
+            <a:r>
+              <a:rPr lang="en-US" sz="1200" dirty="0" smtClean="0"/>
+              <a:t>/</a:t>
+            </a:r>
+            <a:r>
+              <a:rPr lang="en-US" sz="1200" dirty="0" smtClean="0">
+                <a:solidFill>
+                  <a:srgbClr val="FFE18B"/>
+                </a:solidFill>
+              </a:rPr>
+              <a:t>@</a:t>
+            </a:r>
+            <a:r>
+              <a:rPr lang="en-US" sz="1200" dirty="0">
+                <a:solidFill>
+                  <a:srgbClr val="FFE18B"/>
+                </a:solidFill>
+              </a:rPr>
+              <a:t>saintalex93</a:t>
+            </a:r>
+            <a:endParaRPr lang="en-US" sz="1200" dirty="0">
+              <a:solidFill>
+                <a:srgbClr val="FFE18B"/>
+              </a:solidFill>
+            </a:endParaRPr>
           </a:p>
         </p:txBody>
       </p:sp>
@@ -29785,11 +33100,554 @@
             </a:pPr>
             <a:r>
               <a:rPr lang="en-US" sz="1200" dirty="0"/>
-              <a:t>https://linkedin.com/in/alex-santos93/</a:t>
-            </a:r>
+              <a:t>https://</a:t>
+            </a:r>
+            <a:r>
+              <a:rPr lang="en-US" sz="1200" dirty="0" smtClean="0"/>
+              <a:t>linkedin.com/in/</a:t>
+            </a:r>
+            <a:r>
+              <a:rPr lang="en-US" sz="1200" dirty="0" smtClean="0">
+                <a:solidFill>
+                  <a:srgbClr val="FFE18B"/>
+                </a:solidFill>
+              </a:rPr>
+              <a:t>alex-santos93</a:t>
+            </a:r>
+            <a:endParaRPr lang="en-US" sz="1200" dirty="0"/>
           </a:p>
         </p:txBody>
       </p:sp>
+      <p:grpSp>
+        <p:nvGrpSpPr>
+          <p:cNvPr id="46" name="Google Shape;8365;p59"/>
+          <p:cNvGrpSpPr/>
+          <p:nvPr/>
+        </p:nvGrpSpPr>
+        <p:grpSpPr>
+          <a:xfrm>
+            <a:off x="1677235" y="3068209"/>
+            <a:ext cx="252728" cy="241611"/>
+            <a:chOff x="7441465" y="2302860"/>
+            <a:chExt cx="342192" cy="327140"/>
+          </a:xfrm>
+          <a:solidFill>
+            <a:schemeClr val="tx1"/>
+          </a:solidFill>
+        </p:grpSpPr>
+        <p:sp>
+          <p:nvSpPr>
+            <p:cNvPr id="47" name="Google Shape;8366;p59"/>
+            <p:cNvSpPr/>
+            <p:nvPr/>
+          </p:nvSpPr>
+          <p:spPr>
+            <a:xfrm>
+              <a:off x="7441465" y="2337727"/>
+              <a:ext cx="299862" cy="292273"/>
+            </a:xfrm>
+            <a:custGeom>
+              <a:avLst/>
+              <a:gdLst/>
+              <a:ahLst/>
+              <a:cxnLst/>
+              <a:rect l="l" t="t" r="r" b="b"/>
+              <a:pathLst>
+                <a:path w="9443" h="9204" extrusionOk="0">
+                  <a:moveTo>
+                    <a:pt x="8169" y="0"/>
+                  </a:moveTo>
+                  <a:cubicBezTo>
+                    <a:pt x="7835" y="0"/>
+                    <a:pt x="7514" y="131"/>
+                    <a:pt x="7276" y="370"/>
+                  </a:cubicBezTo>
+                  <a:lnTo>
+                    <a:pt x="6406" y="1251"/>
+                  </a:lnTo>
+                  <a:cubicBezTo>
+                    <a:pt x="6347" y="1310"/>
+                    <a:pt x="6347" y="1417"/>
+                    <a:pt x="6406" y="1489"/>
+                  </a:cubicBezTo>
+                  <a:cubicBezTo>
+                    <a:pt x="6436" y="1518"/>
+                    <a:pt x="6475" y="1533"/>
+                    <a:pt x="6517" y="1533"/>
+                  </a:cubicBezTo>
+                  <a:cubicBezTo>
+                    <a:pt x="6558" y="1533"/>
+                    <a:pt x="6603" y="1518"/>
+                    <a:pt x="6645" y="1489"/>
+                  </a:cubicBezTo>
+                  <a:lnTo>
+                    <a:pt x="7514" y="608"/>
+                  </a:lnTo>
+                  <a:cubicBezTo>
+                    <a:pt x="7692" y="429"/>
+                    <a:pt x="7930" y="346"/>
+                    <a:pt x="8169" y="346"/>
+                  </a:cubicBezTo>
+                  <a:cubicBezTo>
+                    <a:pt x="8430" y="346"/>
+                    <a:pt x="8645" y="453"/>
+                    <a:pt x="8823" y="608"/>
+                  </a:cubicBezTo>
+                  <a:cubicBezTo>
+                    <a:pt x="9014" y="786"/>
+                    <a:pt x="9097" y="1024"/>
+                    <a:pt x="9097" y="1263"/>
+                  </a:cubicBezTo>
+                  <a:cubicBezTo>
+                    <a:pt x="9097" y="1501"/>
+                    <a:pt x="8990" y="1739"/>
+                    <a:pt x="8823" y="1917"/>
+                  </a:cubicBezTo>
+                  <a:lnTo>
+                    <a:pt x="7621" y="3132"/>
+                  </a:lnTo>
+                  <a:cubicBezTo>
+                    <a:pt x="7502" y="2834"/>
+                    <a:pt x="7323" y="2560"/>
+                    <a:pt x="7109" y="2334"/>
+                  </a:cubicBezTo>
+                  <a:cubicBezTo>
+                    <a:pt x="6639" y="1870"/>
+                    <a:pt x="6022" y="1638"/>
+                    <a:pt x="5408" y="1638"/>
+                  </a:cubicBezTo>
+                  <a:cubicBezTo>
+                    <a:pt x="4793" y="1638"/>
+                    <a:pt x="4180" y="1870"/>
+                    <a:pt x="3716" y="2334"/>
+                  </a:cubicBezTo>
+                  <a:lnTo>
+                    <a:pt x="941" y="5108"/>
+                  </a:lnTo>
+                  <a:cubicBezTo>
+                    <a:pt x="1" y="6049"/>
+                    <a:pt x="1" y="7561"/>
+                    <a:pt x="941" y="8502"/>
+                  </a:cubicBezTo>
+                  <a:cubicBezTo>
+                    <a:pt x="1406" y="8966"/>
+                    <a:pt x="2025" y="9204"/>
+                    <a:pt x="2644" y="9204"/>
+                  </a:cubicBezTo>
+                  <a:cubicBezTo>
+                    <a:pt x="3251" y="9204"/>
+                    <a:pt x="3870" y="8966"/>
+                    <a:pt x="4335" y="8502"/>
+                  </a:cubicBezTo>
+                  <a:lnTo>
+                    <a:pt x="5811" y="7025"/>
+                  </a:lnTo>
+                  <a:cubicBezTo>
+                    <a:pt x="5871" y="6966"/>
+                    <a:pt x="5871" y="6858"/>
+                    <a:pt x="5811" y="6787"/>
+                  </a:cubicBezTo>
+                  <a:cubicBezTo>
+                    <a:pt x="5783" y="6778"/>
+                    <a:pt x="5750" y="6772"/>
+                    <a:pt x="5716" y="6772"/>
+                  </a:cubicBezTo>
+                  <a:cubicBezTo>
+                    <a:pt x="5662" y="6772"/>
+                    <a:pt x="5605" y="6786"/>
+                    <a:pt x="5561" y="6823"/>
+                  </a:cubicBezTo>
+                  <a:lnTo>
+                    <a:pt x="4085" y="8299"/>
+                  </a:lnTo>
+                  <a:cubicBezTo>
+                    <a:pt x="3692" y="8680"/>
+                    <a:pt x="3180" y="8906"/>
+                    <a:pt x="2620" y="8906"/>
+                  </a:cubicBezTo>
+                  <a:cubicBezTo>
+                    <a:pt x="2073" y="8906"/>
+                    <a:pt x="1549" y="8692"/>
+                    <a:pt x="1168" y="8299"/>
+                  </a:cubicBezTo>
+                  <a:cubicBezTo>
+                    <a:pt x="358" y="7489"/>
+                    <a:pt x="358" y="6180"/>
+                    <a:pt x="1168" y="5358"/>
+                  </a:cubicBezTo>
+                  <a:lnTo>
+                    <a:pt x="3930" y="2596"/>
+                  </a:lnTo>
+                  <a:cubicBezTo>
+                    <a:pt x="4323" y="2203"/>
+                    <a:pt x="4847" y="1977"/>
+                    <a:pt x="5394" y="1977"/>
+                  </a:cubicBezTo>
+                  <a:cubicBezTo>
+                    <a:pt x="5942" y="1977"/>
+                    <a:pt x="6466" y="2191"/>
+                    <a:pt x="6847" y="2596"/>
+                  </a:cubicBezTo>
+                  <a:cubicBezTo>
+                    <a:pt x="7073" y="2822"/>
+                    <a:pt x="7252" y="3096"/>
+                    <a:pt x="7359" y="3394"/>
+                  </a:cubicBezTo>
+                  <a:lnTo>
+                    <a:pt x="6049" y="4703"/>
+                  </a:lnTo>
+                  <a:cubicBezTo>
+                    <a:pt x="5871" y="4882"/>
+                    <a:pt x="5633" y="4977"/>
+                    <a:pt x="5394" y="4977"/>
+                  </a:cubicBezTo>
+                  <a:cubicBezTo>
+                    <a:pt x="5156" y="4977"/>
+                    <a:pt x="4918" y="4870"/>
+                    <a:pt x="4740" y="4703"/>
+                  </a:cubicBezTo>
+                  <a:cubicBezTo>
+                    <a:pt x="4644" y="4620"/>
+                    <a:pt x="4573" y="4513"/>
+                    <a:pt x="4525" y="4394"/>
+                  </a:cubicBezTo>
+                  <a:cubicBezTo>
+                    <a:pt x="4507" y="4321"/>
+                    <a:pt x="4440" y="4290"/>
+                    <a:pt x="4378" y="4290"/>
+                  </a:cubicBezTo>
+                  <a:cubicBezTo>
+                    <a:pt x="4359" y="4290"/>
+                    <a:pt x="4340" y="4293"/>
+                    <a:pt x="4323" y="4299"/>
+                  </a:cubicBezTo>
+                  <a:cubicBezTo>
+                    <a:pt x="4239" y="4334"/>
+                    <a:pt x="4204" y="4441"/>
+                    <a:pt x="4228" y="4513"/>
+                  </a:cubicBezTo>
+                  <a:cubicBezTo>
+                    <a:pt x="4287" y="4680"/>
+                    <a:pt x="4394" y="4811"/>
+                    <a:pt x="4513" y="4930"/>
+                  </a:cubicBezTo>
+                  <a:cubicBezTo>
+                    <a:pt x="4751" y="5168"/>
+                    <a:pt x="5061" y="5299"/>
+                    <a:pt x="5406" y="5299"/>
+                  </a:cubicBezTo>
+                  <a:cubicBezTo>
+                    <a:pt x="5752" y="5299"/>
+                    <a:pt x="6061" y="5168"/>
+                    <a:pt x="6299" y="4930"/>
+                  </a:cubicBezTo>
+                  <a:lnTo>
+                    <a:pt x="9062" y="2155"/>
+                  </a:lnTo>
+                  <a:cubicBezTo>
+                    <a:pt x="9300" y="1917"/>
+                    <a:pt x="9443" y="1608"/>
+                    <a:pt x="9443" y="1263"/>
+                  </a:cubicBezTo>
+                  <a:cubicBezTo>
+                    <a:pt x="9443" y="929"/>
+                    <a:pt x="9300" y="608"/>
+                    <a:pt x="9062" y="370"/>
+                  </a:cubicBezTo>
+                  <a:cubicBezTo>
+                    <a:pt x="8823" y="131"/>
+                    <a:pt x="8514" y="0"/>
+                    <a:pt x="8169" y="0"/>
+                  </a:cubicBezTo>
+                  <a:close/>
+                </a:path>
+              </a:pathLst>
+            </a:custGeom>
+            <a:grpFill/>
+            <a:ln>
+              <a:noFill/>
+            </a:ln>
+          </p:spPr>
+          <p:txBody>
+            <a:bodyPr spcFirstLastPara="1" wrap="square" lIns="91425" tIns="91425" rIns="91425" bIns="91425" anchor="ctr" anchorCtr="0">
+              <a:noAutofit/>
+            </a:bodyPr>
+            <a:lstStyle/>
+            <a:p>
+              <a:pPr marL="0" lvl="0" indent="0" algn="l" rtl="0">
+                <a:spcBef>
+                  <a:spcPts val="0"/>
+                </a:spcBef>
+                <a:spcAft>
+                  <a:spcPts val="0"/>
+                </a:spcAft>
+                <a:buNone/>
+              </a:pPr>
+              <a:endParaRPr/>
+            </a:p>
+          </p:txBody>
+        </p:sp>
+        <p:sp>
+          <p:nvSpPr>
+            <p:cNvPr id="48" name="Google Shape;8367;p59"/>
+            <p:cNvSpPr/>
+            <p:nvPr/>
+          </p:nvSpPr>
+          <p:spPr>
+            <a:xfrm>
+              <a:off x="7484588" y="2302860"/>
+              <a:ext cx="299069" cy="293130"/>
+            </a:xfrm>
+            <a:custGeom>
+              <a:avLst/>
+              <a:gdLst/>
+              <a:ahLst/>
+              <a:cxnLst/>
+              <a:rect l="l" t="t" r="r" b="b"/>
+              <a:pathLst>
+                <a:path w="9418" h="9231" extrusionOk="0">
+                  <a:moveTo>
+                    <a:pt x="6805" y="0"/>
+                  </a:moveTo>
+                  <a:cubicBezTo>
+                    <a:pt x="6191" y="0"/>
+                    <a:pt x="5578" y="235"/>
+                    <a:pt x="5108" y="706"/>
+                  </a:cubicBezTo>
+                  <a:lnTo>
+                    <a:pt x="3632" y="2170"/>
+                  </a:lnTo>
+                  <a:cubicBezTo>
+                    <a:pt x="3572" y="2230"/>
+                    <a:pt x="3572" y="2337"/>
+                    <a:pt x="3632" y="2408"/>
+                  </a:cubicBezTo>
+                  <a:cubicBezTo>
+                    <a:pt x="3661" y="2438"/>
+                    <a:pt x="3703" y="2453"/>
+                    <a:pt x="3746" y="2453"/>
+                  </a:cubicBezTo>
+                  <a:cubicBezTo>
+                    <a:pt x="3789" y="2453"/>
+                    <a:pt x="3834" y="2438"/>
+                    <a:pt x="3870" y="2408"/>
+                  </a:cubicBezTo>
+                  <a:lnTo>
+                    <a:pt x="5346" y="944"/>
+                  </a:lnTo>
+                  <a:cubicBezTo>
+                    <a:pt x="5745" y="539"/>
+                    <a:pt x="6272" y="336"/>
+                    <a:pt x="6802" y="336"/>
+                  </a:cubicBezTo>
+                  <a:cubicBezTo>
+                    <a:pt x="7331" y="336"/>
+                    <a:pt x="7864" y="539"/>
+                    <a:pt x="8275" y="944"/>
+                  </a:cubicBezTo>
+                  <a:cubicBezTo>
+                    <a:pt x="9085" y="1741"/>
+                    <a:pt x="9085" y="3051"/>
+                    <a:pt x="8275" y="3873"/>
+                  </a:cubicBezTo>
+                  <a:lnTo>
+                    <a:pt x="5513" y="6635"/>
+                  </a:lnTo>
+                  <a:cubicBezTo>
+                    <a:pt x="5120" y="7028"/>
+                    <a:pt x="4596" y="7254"/>
+                    <a:pt x="4048" y="7254"/>
+                  </a:cubicBezTo>
+                  <a:cubicBezTo>
+                    <a:pt x="3501" y="7254"/>
+                    <a:pt x="2977" y="7040"/>
+                    <a:pt x="2596" y="6635"/>
+                  </a:cubicBezTo>
+                  <a:cubicBezTo>
+                    <a:pt x="2370" y="6421"/>
+                    <a:pt x="2191" y="6135"/>
+                    <a:pt x="2084" y="5837"/>
+                  </a:cubicBezTo>
+                  <a:lnTo>
+                    <a:pt x="3393" y="4527"/>
+                  </a:lnTo>
+                  <a:cubicBezTo>
+                    <a:pt x="3572" y="4349"/>
+                    <a:pt x="3810" y="4254"/>
+                    <a:pt x="4048" y="4254"/>
+                  </a:cubicBezTo>
+                  <a:cubicBezTo>
+                    <a:pt x="4286" y="4254"/>
+                    <a:pt x="4525" y="4361"/>
+                    <a:pt x="4703" y="4527"/>
+                  </a:cubicBezTo>
+                  <a:cubicBezTo>
+                    <a:pt x="4798" y="4611"/>
+                    <a:pt x="4870" y="4718"/>
+                    <a:pt x="4917" y="4837"/>
+                  </a:cubicBezTo>
+                  <a:cubicBezTo>
+                    <a:pt x="4936" y="4910"/>
+                    <a:pt x="5002" y="4941"/>
+                    <a:pt x="5065" y="4941"/>
+                  </a:cubicBezTo>
+                  <a:cubicBezTo>
+                    <a:pt x="5084" y="4941"/>
+                    <a:pt x="5103" y="4938"/>
+                    <a:pt x="5120" y="4932"/>
+                  </a:cubicBezTo>
+                  <a:cubicBezTo>
+                    <a:pt x="5215" y="4897"/>
+                    <a:pt x="5239" y="4789"/>
+                    <a:pt x="5215" y="4718"/>
+                  </a:cubicBezTo>
+                  <a:cubicBezTo>
+                    <a:pt x="5156" y="4551"/>
+                    <a:pt x="5048" y="4420"/>
+                    <a:pt x="4929" y="4301"/>
+                  </a:cubicBezTo>
+                  <a:cubicBezTo>
+                    <a:pt x="4691" y="4063"/>
+                    <a:pt x="4382" y="3932"/>
+                    <a:pt x="4036" y="3932"/>
+                  </a:cubicBezTo>
+                  <a:cubicBezTo>
+                    <a:pt x="3691" y="3932"/>
+                    <a:pt x="3382" y="4063"/>
+                    <a:pt x="3143" y="4301"/>
+                  </a:cubicBezTo>
+                  <a:lnTo>
+                    <a:pt x="1786" y="5659"/>
+                  </a:lnTo>
+                  <a:cubicBezTo>
+                    <a:pt x="1762" y="5670"/>
+                    <a:pt x="1738" y="5682"/>
+                    <a:pt x="1727" y="5718"/>
+                  </a:cubicBezTo>
+                  <a:lnTo>
+                    <a:pt x="369" y="7075"/>
+                  </a:lnTo>
+                  <a:cubicBezTo>
+                    <a:pt x="131" y="7314"/>
+                    <a:pt x="0" y="7623"/>
+                    <a:pt x="0" y="7968"/>
+                  </a:cubicBezTo>
+                  <a:cubicBezTo>
+                    <a:pt x="0" y="8302"/>
+                    <a:pt x="131" y="8623"/>
+                    <a:pt x="369" y="8861"/>
+                  </a:cubicBezTo>
+                  <a:cubicBezTo>
+                    <a:pt x="607" y="9099"/>
+                    <a:pt x="929" y="9230"/>
+                    <a:pt x="1262" y="9230"/>
+                  </a:cubicBezTo>
+                  <a:cubicBezTo>
+                    <a:pt x="1608" y="9230"/>
+                    <a:pt x="1917" y="9099"/>
+                    <a:pt x="2155" y="8861"/>
+                  </a:cubicBezTo>
+                  <a:lnTo>
+                    <a:pt x="3036" y="7980"/>
+                  </a:lnTo>
+                  <a:cubicBezTo>
+                    <a:pt x="3096" y="7921"/>
+                    <a:pt x="3096" y="7814"/>
+                    <a:pt x="3036" y="7742"/>
+                  </a:cubicBezTo>
+                  <a:cubicBezTo>
+                    <a:pt x="3006" y="7712"/>
+                    <a:pt x="2965" y="7697"/>
+                    <a:pt x="2922" y="7697"/>
+                  </a:cubicBezTo>
+                  <a:cubicBezTo>
+                    <a:pt x="2879" y="7697"/>
+                    <a:pt x="2834" y="7712"/>
+                    <a:pt x="2798" y="7742"/>
+                  </a:cubicBezTo>
+                  <a:lnTo>
+                    <a:pt x="1917" y="8623"/>
+                  </a:lnTo>
+                  <a:cubicBezTo>
+                    <a:pt x="1738" y="8802"/>
+                    <a:pt x="1500" y="8885"/>
+                    <a:pt x="1262" y="8885"/>
+                  </a:cubicBezTo>
+                  <a:cubicBezTo>
+                    <a:pt x="1012" y="8885"/>
+                    <a:pt x="786" y="8778"/>
+                    <a:pt x="607" y="8623"/>
+                  </a:cubicBezTo>
+                  <a:cubicBezTo>
+                    <a:pt x="429" y="8445"/>
+                    <a:pt x="345" y="8206"/>
+                    <a:pt x="345" y="7968"/>
+                  </a:cubicBezTo>
+                  <a:cubicBezTo>
+                    <a:pt x="345" y="7706"/>
+                    <a:pt x="453" y="7492"/>
+                    <a:pt x="607" y="7314"/>
+                  </a:cubicBezTo>
+                  <a:lnTo>
+                    <a:pt x="1822" y="6099"/>
+                  </a:lnTo>
+                  <a:cubicBezTo>
+                    <a:pt x="1941" y="6397"/>
+                    <a:pt x="2119" y="6671"/>
+                    <a:pt x="2334" y="6897"/>
+                  </a:cubicBezTo>
+                  <a:cubicBezTo>
+                    <a:pt x="2786" y="7337"/>
+                    <a:pt x="3393" y="7587"/>
+                    <a:pt x="4036" y="7587"/>
+                  </a:cubicBezTo>
+                  <a:cubicBezTo>
+                    <a:pt x="4679" y="7587"/>
+                    <a:pt x="5287" y="7337"/>
+                    <a:pt x="5727" y="6897"/>
+                  </a:cubicBezTo>
+                  <a:lnTo>
+                    <a:pt x="8501" y="4123"/>
+                  </a:lnTo>
+                  <a:cubicBezTo>
+                    <a:pt x="9418" y="3158"/>
+                    <a:pt x="9418" y="1634"/>
+                    <a:pt x="8501" y="706"/>
+                  </a:cubicBezTo>
+                  <a:cubicBezTo>
+                    <a:pt x="8031" y="235"/>
+                    <a:pt x="7418" y="0"/>
+                    <a:pt x="6805" y="0"/>
+                  </a:cubicBezTo>
+                  <a:close/>
+                </a:path>
+              </a:pathLst>
+            </a:custGeom>
+            <a:grpFill/>
+            <a:ln>
+              <a:noFill/>
+            </a:ln>
+          </p:spPr>
+          <p:txBody>
+            <a:bodyPr spcFirstLastPara="1" wrap="square" lIns="91425" tIns="91425" rIns="91425" bIns="91425" anchor="ctr" anchorCtr="0">
+              <a:noAutofit/>
+            </a:bodyPr>
+            <a:lstStyle/>
+            <a:p>
+              <a:pPr marL="0" lvl="0" indent="0" algn="l" rtl="0">
+                <a:spcBef>
+                  <a:spcPts val="0"/>
+                </a:spcBef>
+                <a:spcAft>
+                  <a:spcPts val="0"/>
+                </a:spcAft>
+                <a:buNone/>
+              </a:pPr>
+              <a:endParaRPr/>
+            </a:p>
+          </p:txBody>
+        </p:sp>
+      </p:grpSp>
     </p:spTree>
     <p:extLst>
       <p:ext uri="{BB962C8B-B14F-4D97-AF65-F5344CB8AC3E}">
@@ -30033,8 +33891,8 @@
               <a:buNone/>
             </a:pPr>
             <a:r>
-              <a:rPr lang="en" dirty="0"/>
-              <a:t>TDD</a:t>
+              <a:rPr lang="en" dirty="0" smtClean="0"/>
+              <a:t>TDD/Cypess</a:t>
             </a:r>
             <a:endParaRPr dirty="0"/>
           </a:p>
@@ -30260,7 +34118,7 @@
             <a:pPr lvl="0"/>
             <a:r>
               <a:rPr lang="en" dirty="0" smtClean="0"/>
-              <a:t>Aplicações</a:t>
+              <a:t>Aplicabilidade</a:t>
             </a:r>
             <a:endParaRPr dirty="0"/>
           </a:p>
